--- a/slide/20190424-25_kaizen_bootcamp.pptx
+++ b/slide/20190424-25_kaizen_bootcamp.pptx
@@ -20599,7 +20599,7 @@
                   <a:srgbClr val="980000"/>
                 </a:solidFill>
               </a:rPr>
-              <a:t>そして、現状確認を</a:t>
+              <a:t>現状確認を</a:t>
             </a:r>
             <a:endParaRPr>
               <a:solidFill>

--- a/slide/20190424-25_kaizen_bootcamp.pptx
+++ b/slide/20190424-25_kaizen_bootcamp.pptx
@@ -18,21 +18,22 @@
     <p:sldId id="263" r:id="rId12"/>
     <p:sldId id="264" r:id="rId13"/>
     <p:sldId id="265" r:id="rId14"/>
+    <p:sldId id="266" r:id="rId15"/>
   </p:sldIdLst>
   <p:sldSz cy="6858000" cx="9144000"/>
   <p:notesSz cx="6858000" cy="9144000"/>
   <p:embeddedFontLst>
     <p:embeddedFont>
       <p:font typeface="Roboto Slab"/>
-      <p:regular r:id="rId15"/>
-      <p:bold r:id="rId16"/>
+      <p:regular r:id="rId16"/>
+      <p:bold r:id="rId17"/>
     </p:embeddedFont>
     <p:embeddedFont>
       <p:font typeface="Source Sans Pro"/>
-      <p:regular r:id="rId17"/>
-      <p:bold r:id="rId18"/>
-      <p:italic r:id="rId19"/>
-      <p:boldItalic r:id="rId20"/>
+      <p:regular r:id="rId18"/>
+      <p:bold r:id="rId19"/>
+      <p:italic r:id="rId20"/>
+      <p:boldItalic r:id="rId21"/>
     </p:embeddedFont>
   </p:embeddedFontLst>
   <p:defaultTextStyle>
@@ -991,6 +992,105 @@
             <a:r>
               <a:rPr lang="en"/>
               <a:t>世界を広げていきます。</a:t>
+            </a:r>
+            <a:endParaRPr/>
+          </a:p>
+        </p:txBody>
+      </p:sp>
+    </p:spTree>
+  </p:cSld>
+  <p:clrMapOvr>
+    <a:masterClrMapping/>
+  </p:clrMapOvr>
+</p:notes>
+</file>
+
+<file path=ppt/notesSlides/notesSlide11.xml><?xml version="1.0" encoding="utf-8"?>
+<p:notes xmlns:a="http://schemas.openxmlformats.org/drawingml/2006/main" xmlns:r="http://schemas.openxmlformats.org/officeDocument/2006/relationships" xmlns:mc="http://schemas.openxmlformats.org/markup-compatibility/2006" xmlns:mv="urn:schemas-microsoft-com:mac:vml" xmlns:p="http://schemas.openxmlformats.org/presentationml/2006/main" xmlns:c="http://schemas.openxmlformats.org/drawingml/2006/chart" xmlns:dgm="http://schemas.openxmlformats.org/drawingml/2006/diagram" xmlns:o="urn:schemas-microsoft-com:office:office" xmlns:v="urn:schemas-microsoft-com:vml" xmlns:pvml="urn:schemas-microsoft-com:office:powerpoint" xmlns:com="http://schemas.openxmlformats.org/drawingml/2006/compatibility" xmlns:p14="http://schemas.microsoft.com/office/powerpoint/2010/main" xmlns:p15="http://schemas.microsoft.com/office/powerpoint/2012/main" showMasterPhAnim="0" showMasterSp="0">
+  <p:cSld>
+    <p:spTree>
+      <p:nvGrpSpPr>
+        <p:cNvPr id="230" name="Shape 230"/>
+        <p:cNvGrpSpPr/>
+        <p:nvPr/>
+      </p:nvGrpSpPr>
+      <p:grpSpPr>
+        <a:xfrm>
+          <a:off x="0" y="0"/>
+          <a:ext cx="0" cy="0"/>
+          <a:chOff x="0" y="0"/>
+          <a:chExt cx="0" cy="0"/>
+        </a:xfrm>
+      </p:grpSpPr>
+      <p:sp>
+        <p:nvSpPr>
+          <p:cNvPr id="231" name="Google Shape;231;g56bb2e2abd_0_68:notes"/>
+          <p:cNvSpPr/>
+          <p:nvPr>
+            <p:ph idx="2" type="sldImg"/>
+          </p:nvPr>
+        </p:nvSpPr>
+        <p:spPr>
+          <a:xfrm>
+            <a:off x="1143225" y="685800"/>
+            <a:ext cx="4572300" cy="3429000"/>
+          </a:xfrm>
+          <a:custGeom>
+            <a:rect b="b" l="l" r="r" t="t"/>
+            <a:pathLst>
+              <a:path extrusionOk="0" h="120000" w="120000">
+                <a:moveTo>
+                  <a:pt x="0" y="0"/>
+                </a:moveTo>
+                <a:lnTo>
+                  <a:pt x="120000" y="0"/>
+                </a:lnTo>
+                <a:lnTo>
+                  <a:pt x="120000" y="120000"/>
+                </a:lnTo>
+                <a:lnTo>
+                  <a:pt x="0" y="120000"/>
+                </a:lnTo>
+                <a:close/>
+              </a:path>
+            </a:pathLst>
+          </a:custGeom>
+        </p:spPr>
+      </p:sp>
+      <p:sp>
+        <p:nvSpPr>
+          <p:cNvPr id="232" name="Google Shape;232;g56bb2e2abd_0_68:notes"/>
+          <p:cNvSpPr txBox="1"/>
+          <p:nvPr>
+            <p:ph idx="1" type="body"/>
+          </p:nvPr>
+        </p:nvSpPr>
+        <p:spPr>
+          <a:xfrm>
+            <a:off x="685800" y="4343400"/>
+            <a:ext cx="5486400" cy="4114800"/>
+          </a:xfrm>
+          <a:prstGeom prst="rect">
+            <a:avLst/>
+          </a:prstGeom>
+        </p:spPr>
+        <p:txBody>
+          <a:bodyPr anchorCtr="0" anchor="t" bIns="91425" lIns="91425" spcFirstLastPara="1" rIns="91425" wrap="square" tIns="91425">
+            <a:noAutofit/>
+          </a:bodyPr>
+          <a:lstStyle/>
+          <a:p>
+            <a:pPr indent="0" lvl="0" marL="0" rtl="0" algn="l">
+              <a:spcBef>
+                <a:spcPts val="0"/>
+              </a:spcBef>
+              <a:spcAft>
+                <a:spcPts val="0"/>
+              </a:spcAft>
+              <a:buNone/>
+            </a:pPr>
+            <a:r>
+              <a:t/>
             </a:r>
             <a:endParaRPr/>
           </a:p>
@@ -16077,10 +16177,10 @@
         </p:nvGrpSpPr>
         <p:grpSpPr>
           <a:xfrm>
-            <a:off x="3448611" y="4619159"/>
-            <a:ext cx="435022" cy="323445"/>
-            <a:chOff x="5247525" y="3007275"/>
-            <a:chExt cx="517575" cy="384825"/>
+            <a:off x="3493090" y="4655602"/>
+            <a:ext cx="366458" cy="366437"/>
+            <a:chOff x="1923675" y="1633650"/>
+            <a:chExt cx="436000" cy="435975"/>
           </a:xfrm>
         </p:grpSpPr>
         <p:sp>
@@ -16091,853 +16191,84 @@
           </p:nvSpPr>
           <p:spPr>
             <a:xfrm>
-              <a:off x="5247525" y="3007275"/>
-              <a:ext cx="348900" cy="348900"/>
+              <a:off x="2209250" y="1633650"/>
+              <a:ext cx="150425" cy="150425"/>
             </a:xfrm>
             <a:custGeom>
               <a:rect b="b" l="l" r="r" t="t"/>
               <a:pathLst>
-                <a:path extrusionOk="0" fill="none" h="13956" w="13956">
+                <a:path extrusionOk="0" fill="none" h="6017" w="6017">
                   <a:moveTo>
-                    <a:pt x="13323" y="5772"/>
+                    <a:pt x="5846" y="3605"/>
                   </a:moveTo>
                   <a:lnTo>
-                    <a:pt x="11861" y="5626"/>
-                  </a:lnTo>
-                  <a:lnTo>
-                    <a:pt x="11861" y="5626"/>
-                  </a:lnTo>
-                  <a:lnTo>
-                    <a:pt x="11788" y="5334"/>
-                  </a:lnTo>
-                  <a:lnTo>
-                    <a:pt x="11667" y="5042"/>
-                  </a:lnTo>
-                  <a:lnTo>
-                    <a:pt x="11545" y="4750"/>
-                  </a:lnTo>
-                  <a:lnTo>
-                    <a:pt x="11399" y="4482"/>
-                  </a:lnTo>
-                  <a:lnTo>
-                    <a:pt x="12300" y="3337"/>
-                  </a:lnTo>
-                  <a:lnTo>
-                    <a:pt x="12300" y="3337"/>
-                  </a:lnTo>
-                  <a:lnTo>
-                    <a:pt x="12373" y="3240"/>
-                  </a:lnTo>
-                  <a:lnTo>
-                    <a:pt x="12422" y="3118"/>
-                  </a:lnTo>
-                  <a:lnTo>
-                    <a:pt x="12446" y="2996"/>
-                  </a:lnTo>
-                  <a:lnTo>
-                    <a:pt x="12446" y="2850"/>
-                  </a:lnTo>
-                  <a:lnTo>
-                    <a:pt x="12422" y="2728"/>
-                  </a:lnTo>
-                  <a:lnTo>
-                    <a:pt x="12397" y="2606"/>
-                  </a:lnTo>
-                  <a:lnTo>
-                    <a:pt x="12324" y="2485"/>
-                  </a:lnTo>
-                  <a:lnTo>
-                    <a:pt x="12251" y="2387"/>
-                  </a:lnTo>
-                  <a:lnTo>
-                    <a:pt x="11569" y="1705"/>
-                  </a:lnTo>
-                  <a:lnTo>
-                    <a:pt x="11569" y="1705"/>
-                  </a:lnTo>
-                  <a:lnTo>
-                    <a:pt x="11472" y="1632"/>
-                  </a:lnTo>
-                  <a:lnTo>
-                    <a:pt x="11350" y="1559"/>
-                  </a:lnTo>
-                  <a:lnTo>
-                    <a:pt x="11228" y="1510"/>
-                  </a:lnTo>
-                  <a:lnTo>
-                    <a:pt x="11106" y="1510"/>
-                  </a:lnTo>
-                  <a:lnTo>
-                    <a:pt x="10960" y="1510"/>
-                  </a:lnTo>
-                  <a:lnTo>
-                    <a:pt x="10838" y="1535"/>
-                  </a:lnTo>
-                  <a:lnTo>
-                    <a:pt x="10717" y="1583"/>
-                  </a:lnTo>
-                  <a:lnTo>
-                    <a:pt x="10619" y="1656"/>
-                  </a:lnTo>
-                  <a:lnTo>
-                    <a:pt x="9475" y="2558"/>
-                  </a:lnTo>
-                  <a:lnTo>
-                    <a:pt x="9475" y="2558"/>
-                  </a:lnTo>
-                  <a:lnTo>
-                    <a:pt x="9207" y="2411"/>
-                  </a:lnTo>
-                  <a:lnTo>
-                    <a:pt x="8914" y="2290"/>
-                  </a:lnTo>
-                  <a:lnTo>
-                    <a:pt x="8622" y="2168"/>
-                  </a:lnTo>
-                  <a:lnTo>
-                    <a:pt x="8330" y="2070"/>
-                  </a:lnTo>
-                  <a:lnTo>
-                    <a:pt x="8159" y="634"/>
-                  </a:lnTo>
-                  <a:lnTo>
-                    <a:pt x="8159" y="634"/>
-                  </a:lnTo>
-                  <a:lnTo>
-                    <a:pt x="8135" y="512"/>
-                  </a:lnTo>
-                  <a:lnTo>
-                    <a:pt x="8086" y="390"/>
-                  </a:lnTo>
-                  <a:lnTo>
-                    <a:pt x="8013" y="293"/>
-                  </a:lnTo>
-                  <a:lnTo>
-                    <a:pt x="7940" y="195"/>
-                  </a:lnTo>
-                  <a:lnTo>
-                    <a:pt x="7818" y="122"/>
-                  </a:lnTo>
-                  <a:lnTo>
-                    <a:pt x="7721" y="49"/>
-                  </a:lnTo>
-                  <a:lnTo>
-                    <a:pt x="7575" y="25"/>
-                  </a:lnTo>
-                  <a:lnTo>
-                    <a:pt x="7453" y="0"/>
-                  </a:lnTo>
-                  <a:lnTo>
-                    <a:pt x="6479" y="0"/>
-                  </a:lnTo>
-                  <a:lnTo>
-                    <a:pt x="6479" y="0"/>
-                  </a:lnTo>
-                  <a:lnTo>
-                    <a:pt x="6357" y="25"/>
-                  </a:lnTo>
-                  <a:lnTo>
-                    <a:pt x="6235" y="49"/>
-                  </a:lnTo>
-                  <a:lnTo>
-                    <a:pt x="6114" y="122"/>
-                  </a:lnTo>
-                  <a:lnTo>
-                    <a:pt x="6016" y="195"/>
-                  </a:lnTo>
-                  <a:lnTo>
-                    <a:pt x="5919" y="293"/>
-                  </a:lnTo>
-                  <a:lnTo>
-                    <a:pt x="5846" y="390"/>
-                  </a:lnTo>
-                  <a:lnTo>
-                    <a:pt x="5797" y="512"/>
-                  </a:lnTo>
-                  <a:lnTo>
-                    <a:pt x="5773" y="634"/>
-                  </a:lnTo>
-                  <a:lnTo>
-                    <a:pt x="5602" y="2070"/>
-                  </a:lnTo>
-                  <a:lnTo>
-                    <a:pt x="5602" y="2070"/>
-                  </a:lnTo>
-                  <a:lnTo>
-                    <a:pt x="5310" y="2168"/>
-                  </a:lnTo>
-                  <a:lnTo>
-                    <a:pt x="5018" y="2290"/>
-                  </a:lnTo>
-                  <a:lnTo>
-                    <a:pt x="4750" y="2411"/>
-                  </a:lnTo>
-                  <a:lnTo>
-                    <a:pt x="4482" y="2558"/>
-                  </a:lnTo>
-                  <a:lnTo>
-                    <a:pt x="3337" y="1656"/>
-                  </a:lnTo>
-                  <a:lnTo>
-                    <a:pt x="3337" y="1656"/>
-                  </a:lnTo>
-                  <a:lnTo>
-                    <a:pt x="3215" y="1583"/>
-                  </a:lnTo>
-                  <a:lnTo>
-                    <a:pt x="3094" y="1535"/>
-                  </a:lnTo>
-                  <a:lnTo>
-                    <a:pt x="2972" y="1510"/>
-                  </a:lnTo>
-                  <a:lnTo>
-                    <a:pt x="2850" y="1510"/>
-                  </a:lnTo>
-                  <a:lnTo>
-                    <a:pt x="2728" y="1510"/>
-                  </a:lnTo>
-                  <a:lnTo>
-                    <a:pt x="2582" y="1559"/>
-                  </a:lnTo>
-                  <a:lnTo>
-                    <a:pt x="2485" y="1632"/>
-                  </a:lnTo>
-                  <a:lnTo>
-                    <a:pt x="2387" y="1705"/>
-                  </a:lnTo>
-                  <a:lnTo>
-                    <a:pt x="1705" y="2387"/>
-                  </a:lnTo>
-                  <a:lnTo>
-                    <a:pt x="1705" y="2387"/>
-                  </a:lnTo>
-                  <a:lnTo>
-                    <a:pt x="1608" y="2485"/>
-                  </a:lnTo>
-                  <a:lnTo>
-                    <a:pt x="1559" y="2606"/>
-                  </a:lnTo>
-                  <a:lnTo>
-                    <a:pt x="1511" y="2728"/>
-                  </a:lnTo>
-                  <a:lnTo>
-                    <a:pt x="1486" y="2850"/>
-                  </a:lnTo>
-                  <a:lnTo>
-                    <a:pt x="1486" y="2996"/>
-                  </a:lnTo>
-                  <a:lnTo>
-                    <a:pt x="1511" y="3118"/>
-                  </a:lnTo>
-                  <a:lnTo>
-                    <a:pt x="1559" y="3240"/>
-                  </a:lnTo>
-                  <a:lnTo>
-                    <a:pt x="1632" y="3337"/>
-                  </a:lnTo>
-                  <a:lnTo>
-                    <a:pt x="2533" y="4482"/>
-                  </a:lnTo>
-                  <a:lnTo>
-                    <a:pt x="2533" y="4482"/>
-                  </a:lnTo>
-                  <a:lnTo>
-                    <a:pt x="2387" y="4750"/>
-                  </a:lnTo>
-                  <a:lnTo>
-                    <a:pt x="2266" y="5042"/>
-                  </a:lnTo>
-                  <a:lnTo>
-                    <a:pt x="2168" y="5334"/>
-                  </a:lnTo>
-                  <a:lnTo>
-                    <a:pt x="2071" y="5626"/>
-                  </a:lnTo>
-                  <a:lnTo>
-                    <a:pt x="634" y="5772"/>
-                  </a:lnTo>
-                  <a:lnTo>
-                    <a:pt x="634" y="5772"/>
-                  </a:lnTo>
-                  <a:lnTo>
-                    <a:pt x="512" y="5821"/>
-                  </a:lnTo>
-                  <a:lnTo>
-                    <a:pt x="390" y="5870"/>
-                  </a:lnTo>
-                  <a:lnTo>
-                    <a:pt x="268" y="5943"/>
-                  </a:lnTo>
-                  <a:lnTo>
-                    <a:pt x="171" y="6016"/>
-                  </a:lnTo>
-                  <a:lnTo>
-                    <a:pt x="98" y="6138"/>
-                  </a:lnTo>
-                  <a:lnTo>
-                    <a:pt x="49" y="6235"/>
-                  </a:lnTo>
-                  <a:lnTo>
-                    <a:pt x="1" y="6381"/>
-                  </a:lnTo>
-                  <a:lnTo>
-                    <a:pt x="1" y="6503"/>
-                  </a:lnTo>
-                  <a:lnTo>
-                    <a:pt x="1" y="7453"/>
-                  </a:lnTo>
-                  <a:lnTo>
-                    <a:pt x="1" y="7453"/>
-                  </a:lnTo>
-                  <a:lnTo>
-                    <a:pt x="1" y="7599"/>
-                  </a:lnTo>
-                  <a:lnTo>
-                    <a:pt x="49" y="7721"/>
-                  </a:lnTo>
-                  <a:lnTo>
-                    <a:pt x="98" y="7843"/>
-                  </a:lnTo>
-                  <a:lnTo>
-                    <a:pt x="171" y="7940"/>
-                  </a:lnTo>
-                  <a:lnTo>
-                    <a:pt x="268" y="8037"/>
-                  </a:lnTo>
-                  <a:lnTo>
-                    <a:pt x="390" y="8111"/>
-                  </a:lnTo>
-                  <a:lnTo>
-                    <a:pt x="512" y="8159"/>
-                  </a:lnTo>
-                  <a:lnTo>
-                    <a:pt x="634" y="8184"/>
-                  </a:lnTo>
-                  <a:lnTo>
-                    <a:pt x="2071" y="8354"/>
-                  </a:lnTo>
-                  <a:lnTo>
-                    <a:pt x="2071" y="8354"/>
-                  </a:lnTo>
-                  <a:lnTo>
-                    <a:pt x="2168" y="8646"/>
-                  </a:lnTo>
-                  <a:lnTo>
-                    <a:pt x="2266" y="8914"/>
-                  </a:lnTo>
-                  <a:lnTo>
-                    <a:pt x="2387" y="9206"/>
-                  </a:lnTo>
-                  <a:lnTo>
-                    <a:pt x="2533" y="9474"/>
-                  </a:lnTo>
-                  <a:lnTo>
-                    <a:pt x="1632" y="10619"/>
-                  </a:lnTo>
-                  <a:lnTo>
-                    <a:pt x="1632" y="10619"/>
-                  </a:lnTo>
-                  <a:lnTo>
-                    <a:pt x="1559" y="10741"/>
-                  </a:lnTo>
-                  <a:lnTo>
-                    <a:pt x="1511" y="10863"/>
-                  </a:lnTo>
-                  <a:lnTo>
-                    <a:pt x="1486" y="10984"/>
-                  </a:lnTo>
-                  <a:lnTo>
-                    <a:pt x="1486" y="11106"/>
-                  </a:lnTo>
-                  <a:lnTo>
-                    <a:pt x="1511" y="11228"/>
-                  </a:lnTo>
-                  <a:lnTo>
-                    <a:pt x="1559" y="11350"/>
-                  </a:lnTo>
-                  <a:lnTo>
-                    <a:pt x="1608" y="11472"/>
-                  </a:lnTo>
-                  <a:lnTo>
-                    <a:pt x="1705" y="11569"/>
-                  </a:lnTo>
-                  <a:lnTo>
-                    <a:pt x="2387" y="12251"/>
-                  </a:lnTo>
-                  <a:lnTo>
-                    <a:pt x="2387" y="12251"/>
-                  </a:lnTo>
-                  <a:lnTo>
-                    <a:pt x="2485" y="12348"/>
-                  </a:lnTo>
-                  <a:lnTo>
-                    <a:pt x="2582" y="12397"/>
-                  </a:lnTo>
-                  <a:lnTo>
-                    <a:pt x="2728" y="12446"/>
-                  </a:lnTo>
-                  <a:lnTo>
-                    <a:pt x="2850" y="12470"/>
-                  </a:lnTo>
-                  <a:lnTo>
-                    <a:pt x="2972" y="12470"/>
-                  </a:lnTo>
-                  <a:lnTo>
-                    <a:pt x="3094" y="12421"/>
-                  </a:lnTo>
-                  <a:lnTo>
-                    <a:pt x="3215" y="12373"/>
-                  </a:lnTo>
-                  <a:lnTo>
-                    <a:pt x="3337" y="12324"/>
-                  </a:lnTo>
-                  <a:lnTo>
-                    <a:pt x="4482" y="11423"/>
-                  </a:lnTo>
-                  <a:lnTo>
-                    <a:pt x="4482" y="11423"/>
-                  </a:lnTo>
-                  <a:lnTo>
-                    <a:pt x="4750" y="11545"/>
-                  </a:lnTo>
-                  <a:lnTo>
-                    <a:pt x="5018" y="11691"/>
-                  </a:lnTo>
-                  <a:lnTo>
-                    <a:pt x="5310" y="11788"/>
-                  </a:lnTo>
-                  <a:lnTo>
-                    <a:pt x="5602" y="11886"/>
-                  </a:lnTo>
-                  <a:lnTo>
-                    <a:pt x="5773" y="13322"/>
-                  </a:lnTo>
-                  <a:lnTo>
-                    <a:pt x="5773" y="13322"/>
-                  </a:lnTo>
-                  <a:lnTo>
-                    <a:pt x="5797" y="13444"/>
-                  </a:lnTo>
-                  <a:lnTo>
-                    <a:pt x="5846" y="13566"/>
-                  </a:lnTo>
-                  <a:lnTo>
-                    <a:pt x="5919" y="13688"/>
-                  </a:lnTo>
-                  <a:lnTo>
-                    <a:pt x="6016" y="13785"/>
-                  </a:lnTo>
-                  <a:lnTo>
-                    <a:pt x="6114" y="13858"/>
-                  </a:lnTo>
-                  <a:lnTo>
-                    <a:pt x="6235" y="13907"/>
-                  </a:lnTo>
-                  <a:lnTo>
-                    <a:pt x="6357" y="13956"/>
-                  </a:lnTo>
-                  <a:lnTo>
-                    <a:pt x="6479" y="13956"/>
-                  </a:lnTo>
-                  <a:lnTo>
-                    <a:pt x="7453" y="13956"/>
-                  </a:lnTo>
-                  <a:lnTo>
-                    <a:pt x="7453" y="13956"/>
-                  </a:lnTo>
-                  <a:lnTo>
-                    <a:pt x="7575" y="13956"/>
-                  </a:lnTo>
-                  <a:lnTo>
-                    <a:pt x="7721" y="13907"/>
-                  </a:lnTo>
-                  <a:lnTo>
-                    <a:pt x="7818" y="13858"/>
-                  </a:lnTo>
-                  <a:lnTo>
-                    <a:pt x="7940" y="13785"/>
-                  </a:lnTo>
-                  <a:lnTo>
-                    <a:pt x="8013" y="13688"/>
-                  </a:lnTo>
-                  <a:lnTo>
-                    <a:pt x="8086" y="13566"/>
-                  </a:lnTo>
-                  <a:lnTo>
-                    <a:pt x="8135" y="13444"/>
-                  </a:lnTo>
-                  <a:lnTo>
-                    <a:pt x="8159" y="13322"/>
-                  </a:lnTo>
-                  <a:lnTo>
-                    <a:pt x="8330" y="11886"/>
-                  </a:lnTo>
-                  <a:lnTo>
-                    <a:pt x="8330" y="11886"/>
-                  </a:lnTo>
-                  <a:lnTo>
-                    <a:pt x="8622" y="11788"/>
-                  </a:lnTo>
-                  <a:lnTo>
-                    <a:pt x="8914" y="11691"/>
-                  </a:lnTo>
-                  <a:lnTo>
-                    <a:pt x="9207" y="11545"/>
-                  </a:lnTo>
-                  <a:lnTo>
-                    <a:pt x="9475" y="11423"/>
-                  </a:lnTo>
-                  <a:lnTo>
-                    <a:pt x="10619" y="12324"/>
-                  </a:lnTo>
-                  <a:lnTo>
-                    <a:pt x="10619" y="12324"/>
-                  </a:lnTo>
-                  <a:lnTo>
-                    <a:pt x="10717" y="12373"/>
-                  </a:lnTo>
-                  <a:lnTo>
-                    <a:pt x="10838" y="12421"/>
-                  </a:lnTo>
-                  <a:lnTo>
-                    <a:pt x="10960" y="12470"/>
-                  </a:lnTo>
-                  <a:lnTo>
-                    <a:pt x="11106" y="12470"/>
-                  </a:lnTo>
-                  <a:lnTo>
-                    <a:pt x="11228" y="12446"/>
-                  </a:lnTo>
-                  <a:lnTo>
-                    <a:pt x="11350" y="12397"/>
-                  </a:lnTo>
-                  <a:lnTo>
-                    <a:pt x="11472" y="12348"/>
-                  </a:lnTo>
-                  <a:lnTo>
-                    <a:pt x="11569" y="12251"/>
-                  </a:lnTo>
-                  <a:lnTo>
-                    <a:pt x="12251" y="11569"/>
-                  </a:lnTo>
-                  <a:lnTo>
-                    <a:pt x="12251" y="11569"/>
-                  </a:lnTo>
-                  <a:lnTo>
-                    <a:pt x="12324" y="11472"/>
-                  </a:lnTo>
-                  <a:lnTo>
-                    <a:pt x="12397" y="11350"/>
-                  </a:lnTo>
-                  <a:lnTo>
-                    <a:pt x="12422" y="11228"/>
-                  </a:lnTo>
-                  <a:lnTo>
-                    <a:pt x="12446" y="11106"/>
-                  </a:lnTo>
-                  <a:lnTo>
-                    <a:pt x="12446" y="10984"/>
-                  </a:lnTo>
-                  <a:lnTo>
-                    <a:pt x="12422" y="10863"/>
-                  </a:lnTo>
-                  <a:lnTo>
-                    <a:pt x="12373" y="10741"/>
-                  </a:lnTo>
-                  <a:lnTo>
-                    <a:pt x="12300" y="10619"/>
-                  </a:lnTo>
-                  <a:lnTo>
-                    <a:pt x="11399" y="9474"/>
-                  </a:lnTo>
-                  <a:lnTo>
-                    <a:pt x="11399" y="9474"/>
-                  </a:lnTo>
-                  <a:lnTo>
-                    <a:pt x="11545" y="9206"/>
-                  </a:lnTo>
-                  <a:lnTo>
-                    <a:pt x="11667" y="8914"/>
-                  </a:lnTo>
-                  <a:lnTo>
-                    <a:pt x="11788" y="8646"/>
-                  </a:lnTo>
-                  <a:lnTo>
-                    <a:pt x="11861" y="8354"/>
-                  </a:lnTo>
-                  <a:lnTo>
-                    <a:pt x="13323" y="8184"/>
-                  </a:lnTo>
-                  <a:lnTo>
-                    <a:pt x="13323" y="8184"/>
-                  </a:lnTo>
-                  <a:lnTo>
-                    <a:pt x="13444" y="8159"/>
-                  </a:lnTo>
-                  <a:lnTo>
-                    <a:pt x="13566" y="8111"/>
-                  </a:lnTo>
-                  <a:lnTo>
-                    <a:pt x="13664" y="8037"/>
-                  </a:lnTo>
-                  <a:lnTo>
-                    <a:pt x="13761" y="7940"/>
-                  </a:lnTo>
-                  <a:lnTo>
-                    <a:pt x="13834" y="7843"/>
-                  </a:lnTo>
-                  <a:lnTo>
-                    <a:pt x="13907" y="7721"/>
-                  </a:lnTo>
-                  <a:lnTo>
-                    <a:pt x="13932" y="7599"/>
-                  </a:lnTo>
-                  <a:lnTo>
-                    <a:pt x="13956" y="7453"/>
-                  </a:lnTo>
-                  <a:lnTo>
-                    <a:pt x="13956" y="6503"/>
-                  </a:lnTo>
-                  <a:lnTo>
-                    <a:pt x="13956" y="6503"/>
-                  </a:lnTo>
-                  <a:lnTo>
-                    <a:pt x="13932" y="6381"/>
-                  </a:lnTo>
-                  <a:lnTo>
-                    <a:pt x="13907" y="6235"/>
-                  </a:lnTo>
-                  <a:lnTo>
-                    <a:pt x="13834" y="6138"/>
-                  </a:lnTo>
-                  <a:lnTo>
-                    <a:pt x="13761" y="6016"/>
-                  </a:lnTo>
-                  <a:lnTo>
-                    <a:pt x="13664" y="5943"/>
-                  </a:lnTo>
-                  <a:lnTo>
-                    <a:pt x="13566" y="5870"/>
-                  </a:lnTo>
-                  <a:lnTo>
-                    <a:pt x="13444" y="5821"/>
-                  </a:lnTo>
-                  <a:lnTo>
-                    <a:pt x="13323" y="5772"/>
-                  </a:lnTo>
-                  <a:lnTo>
-                    <a:pt x="13323" y="5772"/>
-                  </a:lnTo>
-                  <a:close/>
-                  <a:moveTo>
-                    <a:pt x="8573" y="8598"/>
-                  </a:moveTo>
-                  <a:lnTo>
-                    <a:pt x="8573" y="8598"/>
-                  </a:lnTo>
-                  <a:lnTo>
-                    <a:pt x="8403" y="8744"/>
-                  </a:lnTo>
-                  <a:lnTo>
-                    <a:pt x="8232" y="8890"/>
-                  </a:lnTo>
-                  <a:lnTo>
-                    <a:pt x="8038" y="8987"/>
-                  </a:lnTo>
-                  <a:lnTo>
-                    <a:pt x="7818" y="9085"/>
-                  </a:lnTo>
-                  <a:lnTo>
-                    <a:pt x="7624" y="9158"/>
-                  </a:lnTo>
-                  <a:lnTo>
-                    <a:pt x="7404" y="9206"/>
-                  </a:lnTo>
-                  <a:lnTo>
-                    <a:pt x="7185" y="9231"/>
-                  </a:lnTo>
-                  <a:lnTo>
-                    <a:pt x="6966" y="9255"/>
-                  </a:lnTo>
-                  <a:lnTo>
-                    <a:pt x="6747" y="9231"/>
-                  </a:lnTo>
-                  <a:lnTo>
-                    <a:pt x="6528" y="9206"/>
-                  </a:lnTo>
-                  <a:lnTo>
-                    <a:pt x="6333" y="9158"/>
-                  </a:lnTo>
-                  <a:lnTo>
-                    <a:pt x="6114" y="9085"/>
-                  </a:lnTo>
-                  <a:lnTo>
-                    <a:pt x="5919" y="8987"/>
-                  </a:lnTo>
-                  <a:lnTo>
-                    <a:pt x="5724" y="8890"/>
-                  </a:lnTo>
-                  <a:lnTo>
-                    <a:pt x="5529" y="8744"/>
-                  </a:lnTo>
-                  <a:lnTo>
-                    <a:pt x="5359" y="8598"/>
-                  </a:lnTo>
-                  <a:lnTo>
-                    <a:pt x="5359" y="8598"/>
-                  </a:lnTo>
-                  <a:lnTo>
-                    <a:pt x="5212" y="8427"/>
-                  </a:lnTo>
-                  <a:lnTo>
-                    <a:pt x="5066" y="8232"/>
-                  </a:lnTo>
-                  <a:lnTo>
-                    <a:pt x="4969" y="8037"/>
-                  </a:lnTo>
-                  <a:lnTo>
-                    <a:pt x="4871" y="7843"/>
-                  </a:lnTo>
-                  <a:lnTo>
-                    <a:pt x="4798" y="7623"/>
-                  </a:lnTo>
-                  <a:lnTo>
-                    <a:pt x="4750" y="7404"/>
-                  </a:lnTo>
-                  <a:lnTo>
-                    <a:pt x="4701" y="7209"/>
-                  </a:lnTo>
-                  <a:lnTo>
-                    <a:pt x="4701" y="6990"/>
-                  </a:lnTo>
-                  <a:lnTo>
-                    <a:pt x="4701" y="6771"/>
-                  </a:lnTo>
-                  <a:lnTo>
-                    <a:pt x="4750" y="6552"/>
-                  </a:lnTo>
-                  <a:lnTo>
-                    <a:pt x="4798" y="6333"/>
-                  </a:lnTo>
-                  <a:lnTo>
-                    <a:pt x="4871" y="6138"/>
-                  </a:lnTo>
-                  <a:lnTo>
-                    <a:pt x="4969" y="5919"/>
-                  </a:lnTo>
-                  <a:lnTo>
-                    <a:pt x="5066" y="5724"/>
-                  </a:lnTo>
-                  <a:lnTo>
-                    <a:pt x="5212" y="5553"/>
-                  </a:lnTo>
-                  <a:lnTo>
-                    <a:pt x="5359" y="5383"/>
-                  </a:lnTo>
-                  <a:lnTo>
-                    <a:pt x="5359" y="5383"/>
-                  </a:lnTo>
-                  <a:lnTo>
-                    <a:pt x="5529" y="5212"/>
-                  </a:lnTo>
-                  <a:lnTo>
-                    <a:pt x="5724" y="5091"/>
-                  </a:lnTo>
-                  <a:lnTo>
-                    <a:pt x="5919" y="4969"/>
-                  </a:lnTo>
-                  <a:lnTo>
-                    <a:pt x="6114" y="4871"/>
-                  </a:lnTo>
-                  <a:lnTo>
-                    <a:pt x="6333" y="4798"/>
-                  </a:lnTo>
-                  <a:lnTo>
-                    <a:pt x="6528" y="4750"/>
-                  </a:lnTo>
-                  <a:lnTo>
-                    <a:pt x="6747" y="4725"/>
-                  </a:lnTo>
-                  <a:lnTo>
-                    <a:pt x="6966" y="4701"/>
-                  </a:lnTo>
-                  <a:lnTo>
-                    <a:pt x="7185" y="4725"/>
-                  </a:lnTo>
-                  <a:lnTo>
-                    <a:pt x="7404" y="4750"/>
-                  </a:lnTo>
-                  <a:lnTo>
-                    <a:pt x="7624" y="4798"/>
-                  </a:lnTo>
-                  <a:lnTo>
-                    <a:pt x="7818" y="4871"/>
-                  </a:lnTo>
-                  <a:lnTo>
-                    <a:pt x="8038" y="4969"/>
-                  </a:lnTo>
-                  <a:lnTo>
-                    <a:pt x="8232" y="5091"/>
-                  </a:lnTo>
-                  <a:lnTo>
-                    <a:pt x="8403" y="5212"/>
-                  </a:lnTo>
-                  <a:lnTo>
-                    <a:pt x="8573" y="5383"/>
-                  </a:lnTo>
-                  <a:lnTo>
-                    <a:pt x="8573" y="5383"/>
-                  </a:lnTo>
-                  <a:lnTo>
-                    <a:pt x="8744" y="5553"/>
-                  </a:lnTo>
-                  <a:lnTo>
-                    <a:pt x="8866" y="5724"/>
-                  </a:lnTo>
-                  <a:lnTo>
-                    <a:pt x="8987" y="5919"/>
-                  </a:lnTo>
-                  <a:lnTo>
-                    <a:pt x="9085" y="6138"/>
-                  </a:lnTo>
-                  <a:lnTo>
-                    <a:pt x="9158" y="6333"/>
-                  </a:lnTo>
-                  <a:lnTo>
-                    <a:pt x="9207" y="6552"/>
-                  </a:lnTo>
-                  <a:lnTo>
-                    <a:pt x="9231" y="6771"/>
-                  </a:lnTo>
-                  <a:lnTo>
-                    <a:pt x="9231" y="6990"/>
-                  </a:lnTo>
-                  <a:lnTo>
-                    <a:pt x="9231" y="7209"/>
-                  </a:lnTo>
-                  <a:lnTo>
-                    <a:pt x="9207" y="7404"/>
-                  </a:lnTo>
-                  <a:lnTo>
-                    <a:pt x="9158" y="7623"/>
-                  </a:lnTo>
-                  <a:lnTo>
-                    <a:pt x="9085" y="7843"/>
-                  </a:lnTo>
-                  <a:lnTo>
-                    <a:pt x="8987" y="8037"/>
-                  </a:lnTo>
-                  <a:lnTo>
-                    <a:pt x="8866" y="8232"/>
-                  </a:lnTo>
-                  <a:lnTo>
-                    <a:pt x="8744" y="8427"/>
-                  </a:lnTo>
-                  <a:lnTo>
-                    <a:pt x="8573" y="8598"/>
-                  </a:lnTo>
-                  <a:lnTo>
-                    <a:pt x="8573" y="8598"/>
+                    <a:pt x="2412" y="171"/>
+                  </a:lnTo>
+                  <a:lnTo>
+                    <a:pt x="2412" y="171"/>
+                  </a:lnTo>
+                  <a:lnTo>
+                    <a:pt x="2314" y="98"/>
+                  </a:lnTo>
+                  <a:lnTo>
+                    <a:pt x="2217" y="49"/>
+                  </a:lnTo>
+                  <a:lnTo>
+                    <a:pt x="2095" y="25"/>
+                  </a:lnTo>
+                  <a:lnTo>
+                    <a:pt x="1997" y="1"/>
+                  </a:lnTo>
+                  <a:lnTo>
+                    <a:pt x="1876" y="25"/>
+                  </a:lnTo>
+                  <a:lnTo>
+                    <a:pt x="1778" y="49"/>
+                  </a:lnTo>
+                  <a:lnTo>
+                    <a:pt x="1681" y="98"/>
+                  </a:lnTo>
+                  <a:lnTo>
+                    <a:pt x="1583" y="171"/>
+                  </a:lnTo>
+                  <a:lnTo>
+                    <a:pt x="0" y="1778"/>
+                  </a:lnTo>
+                  <a:lnTo>
+                    <a:pt x="4238" y="6016"/>
+                  </a:lnTo>
+                  <a:lnTo>
+                    <a:pt x="5846" y="4433"/>
+                  </a:lnTo>
+                  <a:lnTo>
+                    <a:pt x="5846" y="4433"/>
+                  </a:lnTo>
+                  <a:lnTo>
+                    <a:pt x="5919" y="4336"/>
+                  </a:lnTo>
+                  <a:lnTo>
+                    <a:pt x="5967" y="4238"/>
+                  </a:lnTo>
+                  <a:lnTo>
+                    <a:pt x="5992" y="4141"/>
+                  </a:lnTo>
+                  <a:lnTo>
+                    <a:pt x="6016" y="4019"/>
+                  </a:lnTo>
+                  <a:lnTo>
+                    <a:pt x="5992" y="3922"/>
+                  </a:lnTo>
+                  <a:lnTo>
+                    <a:pt x="5967" y="3800"/>
+                  </a:lnTo>
+                  <a:lnTo>
+                    <a:pt x="5919" y="3703"/>
+                  </a:lnTo>
+                  <a:lnTo>
+                    <a:pt x="5846" y="3605"/>
+                  </a:lnTo>
+                  <a:lnTo>
+                    <a:pt x="5846" y="3605"/>
                   </a:lnTo>
                   <a:close/>
                 </a:path>
@@ -16988,711 +16319,353 @@
           </p:nvSpPr>
           <p:spPr>
             <a:xfrm>
-              <a:off x="5566575" y="3193575"/>
-              <a:ext cx="198525" cy="198525"/>
+              <a:off x="2019900" y="1757250"/>
+              <a:ext cx="261825" cy="261850"/>
             </a:xfrm>
             <a:custGeom>
               <a:rect b="b" l="l" r="r" t="t"/>
               <a:pathLst>
-                <a:path extrusionOk="0" fill="none" h="7941" w="7941">
+                <a:path extrusionOk="0" fill="none" h="10474" w="10473">
                   <a:moveTo>
-                    <a:pt x="7258" y="2144"/>
+                    <a:pt x="10473" y="1"/>
                   </a:moveTo>
                   <a:lnTo>
-                    <a:pt x="6138" y="2388"/>
-                  </a:lnTo>
-                  <a:lnTo>
-                    <a:pt x="6138" y="2388"/>
-                  </a:lnTo>
-                  <a:lnTo>
-                    <a:pt x="6016" y="2217"/>
-                  </a:lnTo>
-                  <a:lnTo>
-                    <a:pt x="5870" y="2071"/>
-                  </a:lnTo>
-                  <a:lnTo>
-                    <a:pt x="6260" y="975"/>
-                  </a:lnTo>
-                  <a:lnTo>
-                    <a:pt x="6260" y="975"/>
-                  </a:lnTo>
-                  <a:lnTo>
-                    <a:pt x="6284" y="902"/>
-                  </a:lnTo>
-                  <a:lnTo>
-                    <a:pt x="6284" y="829"/>
-                  </a:lnTo>
-                  <a:lnTo>
-                    <a:pt x="6260" y="683"/>
-                  </a:lnTo>
-                  <a:lnTo>
-                    <a:pt x="6162" y="561"/>
-                  </a:lnTo>
-                  <a:lnTo>
-                    <a:pt x="6114" y="488"/>
-                  </a:lnTo>
-                  <a:lnTo>
-                    <a:pt x="6065" y="464"/>
-                  </a:lnTo>
-                  <a:lnTo>
-                    <a:pt x="5553" y="196"/>
-                  </a:lnTo>
-                  <a:lnTo>
-                    <a:pt x="5553" y="196"/>
-                  </a:lnTo>
-                  <a:lnTo>
-                    <a:pt x="5480" y="171"/>
-                  </a:lnTo>
-                  <a:lnTo>
-                    <a:pt x="5407" y="171"/>
-                  </a:lnTo>
-                  <a:lnTo>
-                    <a:pt x="5261" y="171"/>
-                  </a:lnTo>
-                  <a:lnTo>
-                    <a:pt x="5115" y="244"/>
-                  </a:lnTo>
-                  <a:lnTo>
-                    <a:pt x="5066" y="293"/>
-                  </a:lnTo>
-                  <a:lnTo>
-                    <a:pt x="5018" y="342"/>
-                  </a:lnTo>
-                  <a:lnTo>
-                    <a:pt x="4384" y="1316"/>
-                  </a:lnTo>
-                  <a:lnTo>
-                    <a:pt x="4384" y="1316"/>
-                  </a:lnTo>
-                  <a:lnTo>
-                    <a:pt x="4165" y="1292"/>
-                  </a:lnTo>
-                  <a:lnTo>
-                    <a:pt x="3970" y="1292"/>
-                  </a:lnTo>
-                  <a:lnTo>
-                    <a:pt x="3483" y="244"/>
-                  </a:lnTo>
-                  <a:lnTo>
-                    <a:pt x="3483" y="244"/>
-                  </a:lnTo>
-                  <a:lnTo>
-                    <a:pt x="3435" y="171"/>
-                  </a:lnTo>
-                  <a:lnTo>
-                    <a:pt x="3386" y="123"/>
-                  </a:lnTo>
-                  <a:lnTo>
-                    <a:pt x="3264" y="50"/>
-                  </a:lnTo>
-                  <a:lnTo>
-                    <a:pt x="3118" y="1"/>
-                  </a:lnTo>
-                  <a:lnTo>
-                    <a:pt x="3045" y="1"/>
-                  </a:lnTo>
-                  <a:lnTo>
-                    <a:pt x="2972" y="25"/>
-                  </a:lnTo>
-                  <a:lnTo>
-                    <a:pt x="2436" y="196"/>
-                  </a:lnTo>
-                  <a:lnTo>
-                    <a:pt x="2436" y="196"/>
-                  </a:lnTo>
-                  <a:lnTo>
-                    <a:pt x="2363" y="220"/>
-                  </a:lnTo>
-                  <a:lnTo>
-                    <a:pt x="2290" y="269"/>
-                  </a:lnTo>
-                  <a:lnTo>
-                    <a:pt x="2192" y="391"/>
-                  </a:lnTo>
-                  <a:lnTo>
-                    <a:pt x="2144" y="537"/>
-                  </a:lnTo>
-                  <a:lnTo>
-                    <a:pt x="2144" y="610"/>
-                  </a:lnTo>
-                  <a:lnTo>
-                    <a:pt x="2144" y="683"/>
-                  </a:lnTo>
-                  <a:lnTo>
-                    <a:pt x="2387" y="1828"/>
-                  </a:lnTo>
-                  <a:lnTo>
-                    <a:pt x="2387" y="1828"/>
-                  </a:lnTo>
-                  <a:lnTo>
-                    <a:pt x="2217" y="1949"/>
-                  </a:lnTo>
-                  <a:lnTo>
-                    <a:pt x="2071" y="2095"/>
-                  </a:lnTo>
-                  <a:lnTo>
-                    <a:pt x="999" y="1681"/>
-                  </a:lnTo>
-                  <a:lnTo>
-                    <a:pt x="999" y="1681"/>
-                  </a:lnTo>
-                  <a:lnTo>
-                    <a:pt x="926" y="1681"/>
-                  </a:lnTo>
-                  <a:lnTo>
-                    <a:pt x="829" y="1657"/>
-                  </a:lnTo>
-                  <a:lnTo>
-                    <a:pt x="682" y="1706"/>
-                  </a:lnTo>
-                  <a:lnTo>
-                    <a:pt x="561" y="1779"/>
-                  </a:lnTo>
-                  <a:lnTo>
-                    <a:pt x="512" y="1828"/>
-                  </a:lnTo>
-                  <a:lnTo>
-                    <a:pt x="463" y="1901"/>
-                  </a:lnTo>
-                  <a:lnTo>
-                    <a:pt x="220" y="2388"/>
-                  </a:lnTo>
-                  <a:lnTo>
-                    <a:pt x="220" y="2388"/>
-                  </a:lnTo>
-                  <a:lnTo>
-                    <a:pt x="195" y="2461"/>
-                  </a:lnTo>
-                  <a:lnTo>
-                    <a:pt x="171" y="2534"/>
-                  </a:lnTo>
-                  <a:lnTo>
-                    <a:pt x="195" y="2704"/>
-                  </a:lnTo>
-                  <a:lnTo>
-                    <a:pt x="244" y="2826"/>
-                  </a:lnTo>
-                  <a:lnTo>
-                    <a:pt x="293" y="2899"/>
-                  </a:lnTo>
-                  <a:lnTo>
-                    <a:pt x="366" y="2948"/>
-                  </a:lnTo>
-                  <a:lnTo>
-                    <a:pt x="1340" y="3581"/>
-                  </a:lnTo>
-                  <a:lnTo>
-                    <a:pt x="1340" y="3581"/>
-                  </a:lnTo>
-                  <a:lnTo>
-                    <a:pt x="1316" y="3776"/>
-                  </a:lnTo>
-                  <a:lnTo>
-                    <a:pt x="1291" y="3995"/>
-                  </a:lnTo>
-                  <a:lnTo>
-                    <a:pt x="244" y="4482"/>
-                  </a:lnTo>
-                  <a:lnTo>
-                    <a:pt x="244" y="4482"/>
-                  </a:lnTo>
-                  <a:lnTo>
-                    <a:pt x="195" y="4507"/>
-                  </a:lnTo>
-                  <a:lnTo>
-                    <a:pt x="122" y="4555"/>
-                  </a:lnTo>
-                  <a:lnTo>
-                    <a:pt x="49" y="4701"/>
-                  </a:lnTo>
-                  <a:lnTo>
-                    <a:pt x="0" y="4848"/>
-                  </a:lnTo>
-                  <a:lnTo>
-                    <a:pt x="25" y="4921"/>
-                  </a:lnTo>
-                  <a:lnTo>
-                    <a:pt x="25" y="4994"/>
-                  </a:lnTo>
-                  <a:lnTo>
-                    <a:pt x="220" y="5530"/>
-                  </a:lnTo>
-                  <a:lnTo>
-                    <a:pt x="220" y="5530"/>
-                  </a:lnTo>
-                  <a:lnTo>
-                    <a:pt x="244" y="5578"/>
-                  </a:lnTo>
-                  <a:lnTo>
-                    <a:pt x="293" y="5651"/>
-                  </a:lnTo>
-                  <a:lnTo>
-                    <a:pt x="390" y="5749"/>
-                  </a:lnTo>
-                  <a:lnTo>
-                    <a:pt x="536" y="5797"/>
-                  </a:lnTo>
-                  <a:lnTo>
-                    <a:pt x="609" y="5797"/>
-                  </a:lnTo>
-                  <a:lnTo>
-                    <a:pt x="682" y="5797"/>
-                  </a:lnTo>
-                  <a:lnTo>
-                    <a:pt x="1827" y="5554"/>
-                  </a:lnTo>
-                  <a:lnTo>
-                    <a:pt x="1827" y="5554"/>
-                  </a:lnTo>
-                  <a:lnTo>
-                    <a:pt x="1949" y="5724"/>
-                  </a:lnTo>
-                  <a:lnTo>
-                    <a:pt x="2095" y="5870"/>
-                  </a:lnTo>
-                  <a:lnTo>
-                    <a:pt x="1705" y="6966"/>
-                  </a:lnTo>
-                  <a:lnTo>
-                    <a:pt x="1705" y="6966"/>
-                  </a:lnTo>
-                  <a:lnTo>
-                    <a:pt x="1681" y="7040"/>
-                  </a:lnTo>
-                  <a:lnTo>
-                    <a:pt x="1681" y="7113"/>
-                  </a:lnTo>
-                  <a:lnTo>
-                    <a:pt x="1705" y="7259"/>
-                  </a:lnTo>
-                  <a:lnTo>
-                    <a:pt x="1778" y="7380"/>
-                  </a:lnTo>
-                  <a:lnTo>
-                    <a:pt x="1851" y="7429"/>
-                  </a:lnTo>
-                  <a:lnTo>
-                    <a:pt x="1900" y="7478"/>
-                  </a:lnTo>
-                  <a:lnTo>
-                    <a:pt x="2412" y="7721"/>
-                  </a:lnTo>
-                  <a:lnTo>
-                    <a:pt x="2412" y="7721"/>
-                  </a:lnTo>
-                  <a:lnTo>
-                    <a:pt x="2485" y="7770"/>
-                  </a:lnTo>
-                  <a:lnTo>
-                    <a:pt x="2558" y="7770"/>
-                  </a:lnTo>
-                  <a:lnTo>
-                    <a:pt x="2704" y="7770"/>
-                  </a:lnTo>
-                  <a:lnTo>
-                    <a:pt x="2850" y="7697"/>
-                  </a:lnTo>
-                  <a:lnTo>
-                    <a:pt x="2899" y="7648"/>
-                  </a:lnTo>
-                  <a:lnTo>
-                    <a:pt x="2947" y="7600"/>
-                  </a:lnTo>
-                  <a:lnTo>
-                    <a:pt x="3581" y="6625"/>
-                  </a:lnTo>
-                  <a:lnTo>
-                    <a:pt x="3581" y="6625"/>
-                  </a:lnTo>
-                  <a:lnTo>
-                    <a:pt x="3800" y="6650"/>
-                  </a:lnTo>
-                  <a:lnTo>
-                    <a:pt x="3995" y="6650"/>
-                  </a:lnTo>
-                  <a:lnTo>
-                    <a:pt x="4482" y="7697"/>
-                  </a:lnTo>
-                  <a:lnTo>
-                    <a:pt x="4482" y="7697"/>
-                  </a:lnTo>
-                  <a:lnTo>
-                    <a:pt x="4531" y="7770"/>
-                  </a:lnTo>
-                  <a:lnTo>
-                    <a:pt x="4579" y="7819"/>
-                  </a:lnTo>
-                  <a:lnTo>
-                    <a:pt x="4701" y="7892"/>
-                  </a:lnTo>
-                  <a:lnTo>
-                    <a:pt x="4847" y="7941"/>
-                  </a:lnTo>
-                  <a:lnTo>
-                    <a:pt x="4920" y="7941"/>
-                  </a:lnTo>
-                  <a:lnTo>
-                    <a:pt x="4993" y="7916"/>
-                  </a:lnTo>
-                  <a:lnTo>
-                    <a:pt x="5529" y="7746"/>
-                  </a:lnTo>
-                  <a:lnTo>
-                    <a:pt x="5529" y="7746"/>
-                  </a:lnTo>
-                  <a:lnTo>
-                    <a:pt x="5602" y="7721"/>
-                  </a:lnTo>
-                  <a:lnTo>
-                    <a:pt x="5651" y="7673"/>
-                  </a:lnTo>
-                  <a:lnTo>
-                    <a:pt x="5748" y="7551"/>
-                  </a:lnTo>
-                  <a:lnTo>
-                    <a:pt x="5821" y="7405"/>
-                  </a:lnTo>
-                  <a:lnTo>
-                    <a:pt x="5821" y="7332"/>
-                  </a:lnTo>
-                  <a:lnTo>
-                    <a:pt x="5821" y="7259"/>
-                  </a:lnTo>
-                  <a:lnTo>
-                    <a:pt x="5578" y="6114"/>
-                  </a:lnTo>
-                  <a:lnTo>
-                    <a:pt x="5578" y="6114"/>
-                  </a:lnTo>
-                  <a:lnTo>
-                    <a:pt x="5724" y="5992"/>
-                  </a:lnTo>
-                  <a:lnTo>
-                    <a:pt x="5894" y="5846"/>
-                  </a:lnTo>
-                  <a:lnTo>
-                    <a:pt x="6966" y="6260"/>
-                  </a:lnTo>
-                  <a:lnTo>
-                    <a:pt x="6966" y="6260"/>
-                  </a:lnTo>
-                  <a:lnTo>
-                    <a:pt x="7039" y="6260"/>
-                  </a:lnTo>
-                  <a:lnTo>
-                    <a:pt x="7112" y="6285"/>
-                  </a:lnTo>
-                  <a:lnTo>
-                    <a:pt x="7258" y="6236"/>
-                  </a:lnTo>
-                  <a:lnTo>
-                    <a:pt x="7404" y="6163"/>
-                  </a:lnTo>
-                  <a:lnTo>
-                    <a:pt x="7453" y="6114"/>
-                  </a:lnTo>
-                  <a:lnTo>
-                    <a:pt x="7502" y="6041"/>
-                  </a:lnTo>
-                  <a:lnTo>
-                    <a:pt x="7745" y="5530"/>
-                  </a:lnTo>
-                  <a:lnTo>
-                    <a:pt x="7745" y="5530"/>
-                  </a:lnTo>
-                  <a:lnTo>
-                    <a:pt x="7770" y="5481"/>
-                  </a:lnTo>
-                  <a:lnTo>
-                    <a:pt x="7794" y="5383"/>
-                  </a:lnTo>
-                  <a:lnTo>
-                    <a:pt x="7770" y="5237"/>
-                  </a:lnTo>
-                  <a:lnTo>
-                    <a:pt x="7697" y="5115"/>
-                  </a:lnTo>
-                  <a:lnTo>
-                    <a:pt x="7648" y="5042"/>
-                  </a:lnTo>
-                  <a:lnTo>
-                    <a:pt x="7599" y="4994"/>
-                  </a:lnTo>
-                  <a:lnTo>
-                    <a:pt x="6625" y="4360"/>
-                  </a:lnTo>
-                  <a:lnTo>
-                    <a:pt x="6625" y="4360"/>
-                  </a:lnTo>
-                  <a:lnTo>
-                    <a:pt x="6649" y="4166"/>
-                  </a:lnTo>
-                  <a:lnTo>
-                    <a:pt x="6649" y="3946"/>
-                  </a:lnTo>
-                  <a:lnTo>
-                    <a:pt x="7697" y="3459"/>
-                  </a:lnTo>
-                  <a:lnTo>
-                    <a:pt x="7697" y="3459"/>
-                  </a:lnTo>
-                  <a:lnTo>
-                    <a:pt x="7770" y="3435"/>
-                  </a:lnTo>
-                  <a:lnTo>
-                    <a:pt x="7843" y="3386"/>
-                  </a:lnTo>
-                  <a:lnTo>
-                    <a:pt x="7916" y="3240"/>
-                  </a:lnTo>
-                  <a:lnTo>
-                    <a:pt x="7940" y="3094"/>
-                  </a:lnTo>
-                  <a:lnTo>
-                    <a:pt x="7940" y="3021"/>
-                  </a:lnTo>
-                  <a:lnTo>
-                    <a:pt x="7940" y="2948"/>
-                  </a:lnTo>
-                  <a:lnTo>
-                    <a:pt x="7745" y="2412"/>
-                  </a:lnTo>
-                  <a:lnTo>
-                    <a:pt x="7745" y="2412"/>
-                  </a:lnTo>
-                  <a:lnTo>
-                    <a:pt x="7721" y="2339"/>
-                  </a:lnTo>
-                  <a:lnTo>
-                    <a:pt x="7672" y="2290"/>
-                  </a:lnTo>
-                  <a:lnTo>
-                    <a:pt x="7551" y="2193"/>
-                  </a:lnTo>
-                  <a:lnTo>
-                    <a:pt x="7429" y="2144"/>
-                  </a:lnTo>
-                  <a:lnTo>
-                    <a:pt x="7356" y="2144"/>
-                  </a:lnTo>
-                  <a:lnTo>
-                    <a:pt x="7258" y="2144"/>
-                  </a:lnTo>
-                  <a:lnTo>
-                    <a:pt x="7258" y="2144"/>
-                  </a:lnTo>
-                  <a:close/>
+                    <a:pt x="0" y="10473"/>
+                  </a:lnTo>
+                </a:path>
+              </a:pathLst>
+            </a:custGeom>
+            <a:noFill/>
+            <a:ln cap="rnd" cmpd="sng" w="12175">
+              <a:solidFill>
+                <a:srgbClr val="0091EA"/>
+              </a:solidFill>
+              <a:prstDash val="solid"/>
+              <a:round/>
+              <a:headEnd len="sm" w="sm" type="none"/>
+              <a:tailEnd len="sm" w="sm" type="none"/>
+            </a:ln>
+          </p:spPr>
+          <p:txBody>
+            <a:bodyPr anchorCtr="0" anchor="ctr" bIns="91425" lIns="91425" spcFirstLastPara="1" rIns="91425" wrap="square" tIns="91425">
+              <a:noAutofit/>
+            </a:bodyPr>
+            <a:lstStyle/>
+            <a:p>
+              <a:pPr indent="0" lvl="0" marL="0" rtl="0" algn="l">
+                <a:spcBef>
+                  <a:spcPts val="0"/>
+                </a:spcBef>
+                <a:spcAft>
+                  <a:spcPts val="0"/>
+                </a:spcAft>
+                <a:buNone/>
+              </a:pPr>
+              <a:r>
+                <a:t/>
+              </a:r>
+              <a:endParaRPr>
+                <a:solidFill>
+                  <a:srgbClr val="FFFFFF"/>
+                </a:solidFill>
+              </a:endParaRPr>
+            </a:p>
+          </p:txBody>
+        </p:sp>
+        <p:sp>
+          <p:nvSpPr>
+            <p:cNvPr id="226" name="Google Shape;226;p21"/>
+            <p:cNvSpPr/>
+            <p:nvPr/>
+          </p:nvSpPr>
+          <p:spPr>
+            <a:xfrm>
+              <a:off x="1923675" y="1681150"/>
+              <a:ext cx="388500" cy="388475"/>
+            </a:xfrm>
+            <a:custGeom>
+              <a:rect b="b" l="l" r="r" t="t"/>
+              <a:pathLst>
+                <a:path extrusionOk="0" fill="none" h="15539" w="15540">
                   <a:moveTo>
-                    <a:pt x="5480" y="4726"/>
+                    <a:pt x="11277" y="0"/>
                   </a:moveTo>
                   <a:lnTo>
-                    <a:pt x="5480" y="4726"/>
-                  </a:lnTo>
-                  <a:lnTo>
-                    <a:pt x="5383" y="4872"/>
-                  </a:lnTo>
-                  <a:lnTo>
-                    <a:pt x="5286" y="4994"/>
-                  </a:lnTo>
-                  <a:lnTo>
-                    <a:pt x="5188" y="5140"/>
-                  </a:lnTo>
-                  <a:lnTo>
-                    <a:pt x="5066" y="5237"/>
-                  </a:lnTo>
-                  <a:lnTo>
-                    <a:pt x="4945" y="5335"/>
-                  </a:lnTo>
-                  <a:lnTo>
-                    <a:pt x="4798" y="5432"/>
-                  </a:lnTo>
-                  <a:lnTo>
-                    <a:pt x="4652" y="5505"/>
-                  </a:lnTo>
-                  <a:lnTo>
-                    <a:pt x="4506" y="5554"/>
-                  </a:lnTo>
-                  <a:lnTo>
-                    <a:pt x="4360" y="5603"/>
-                  </a:lnTo>
-                  <a:lnTo>
-                    <a:pt x="4190" y="5627"/>
-                  </a:lnTo>
-                  <a:lnTo>
-                    <a:pt x="4043" y="5651"/>
-                  </a:lnTo>
-                  <a:lnTo>
-                    <a:pt x="3873" y="5627"/>
-                  </a:lnTo>
-                  <a:lnTo>
-                    <a:pt x="3702" y="5627"/>
-                  </a:lnTo>
-                  <a:lnTo>
-                    <a:pt x="3556" y="5578"/>
-                  </a:lnTo>
-                  <a:lnTo>
-                    <a:pt x="3386" y="5530"/>
-                  </a:lnTo>
-                  <a:lnTo>
-                    <a:pt x="3240" y="5456"/>
-                  </a:lnTo>
-                  <a:lnTo>
-                    <a:pt x="3240" y="5456"/>
-                  </a:lnTo>
-                  <a:lnTo>
-                    <a:pt x="3094" y="5383"/>
-                  </a:lnTo>
-                  <a:lnTo>
-                    <a:pt x="2947" y="5286"/>
-                  </a:lnTo>
-                  <a:lnTo>
-                    <a:pt x="2826" y="5164"/>
-                  </a:lnTo>
-                  <a:lnTo>
-                    <a:pt x="2704" y="5067"/>
-                  </a:lnTo>
-                  <a:lnTo>
-                    <a:pt x="2606" y="4921"/>
-                  </a:lnTo>
-                  <a:lnTo>
-                    <a:pt x="2533" y="4799"/>
-                  </a:lnTo>
-                  <a:lnTo>
-                    <a:pt x="2460" y="4653"/>
-                  </a:lnTo>
-                  <a:lnTo>
-                    <a:pt x="2387" y="4507"/>
-                  </a:lnTo>
-                  <a:lnTo>
-                    <a:pt x="2363" y="4336"/>
-                  </a:lnTo>
-                  <a:lnTo>
-                    <a:pt x="2314" y="4190"/>
-                  </a:lnTo>
-                  <a:lnTo>
-                    <a:pt x="2314" y="4020"/>
-                  </a:lnTo>
-                  <a:lnTo>
-                    <a:pt x="2314" y="3873"/>
-                  </a:lnTo>
-                  <a:lnTo>
-                    <a:pt x="2339" y="3703"/>
-                  </a:lnTo>
-                  <a:lnTo>
-                    <a:pt x="2363" y="3532"/>
-                  </a:lnTo>
-                  <a:lnTo>
-                    <a:pt x="2412" y="3386"/>
-                  </a:lnTo>
-                  <a:lnTo>
-                    <a:pt x="2485" y="3216"/>
-                  </a:lnTo>
-                  <a:lnTo>
-                    <a:pt x="2485" y="3216"/>
-                  </a:lnTo>
-                  <a:lnTo>
-                    <a:pt x="2582" y="3070"/>
-                  </a:lnTo>
-                  <a:lnTo>
-                    <a:pt x="2680" y="2948"/>
-                  </a:lnTo>
-                  <a:lnTo>
-                    <a:pt x="2777" y="2802"/>
-                  </a:lnTo>
-                  <a:lnTo>
-                    <a:pt x="2899" y="2704"/>
-                  </a:lnTo>
-                  <a:lnTo>
-                    <a:pt x="3020" y="2607"/>
-                  </a:lnTo>
-                  <a:lnTo>
-                    <a:pt x="3167" y="2509"/>
-                  </a:lnTo>
-                  <a:lnTo>
-                    <a:pt x="3313" y="2436"/>
-                  </a:lnTo>
-                  <a:lnTo>
-                    <a:pt x="3459" y="2388"/>
-                  </a:lnTo>
-                  <a:lnTo>
-                    <a:pt x="3605" y="2339"/>
-                  </a:lnTo>
-                  <a:lnTo>
-                    <a:pt x="3775" y="2315"/>
-                  </a:lnTo>
-                  <a:lnTo>
-                    <a:pt x="3922" y="2290"/>
-                  </a:lnTo>
-                  <a:lnTo>
-                    <a:pt x="4092" y="2315"/>
-                  </a:lnTo>
-                  <a:lnTo>
-                    <a:pt x="4263" y="2315"/>
-                  </a:lnTo>
-                  <a:lnTo>
-                    <a:pt x="4409" y="2363"/>
-                  </a:lnTo>
-                  <a:lnTo>
-                    <a:pt x="4579" y="2412"/>
-                  </a:lnTo>
-                  <a:lnTo>
-                    <a:pt x="4725" y="2485"/>
-                  </a:lnTo>
-                  <a:lnTo>
-                    <a:pt x="4725" y="2485"/>
-                  </a:lnTo>
-                  <a:lnTo>
-                    <a:pt x="4871" y="2558"/>
-                  </a:lnTo>
-                  <a:lnTo>
-                    <a:pt x="5018" y="2656"/>
-                  </a:lnTo>
-                  <a:lnTo>
-                    <a:pt x="5139" y="2777"/>
-                  </a:lnTo>
-                  <a:lnTo>
-                    <a:pt x="5261" y="2875"/>
-                  </a:lnTo>
-                  <a:lnTo>
-                    <a:pt x="5359" y="3021"/>
-                  </a:lnTo>
-                  <a:lnTo>
-                    <a:pt x="5432" y="3143"/>
-                  </a:lnTo>
-                  <a:lnTo>
-                    <a:pt x="5505" y="3289"/>
-                  </a:lnTo>
-                  <a:lnTo>
-                    <a:pt x="5578" y="3435"/>
-                  </a:lnTo>
-                  <a:lnTo>
-                    <a:pt x="5602" y="3605"/>
-                  </a:lnTo>
-                  <a:lnTo>
-                    <a:pt x="5626" y="3752"/>
-                  </a:lnTo>
-                  <a:lnTo>
-                    <a:pt x="5651" y="3922"/>
-                  </a:lnTo>
-                  <a:lnTo>
-                    <a:pt x="5651" y="4068"/>
-                  </a:lnTo>
-                  <a:lnTo>
-                    <a:pt x="5626" y="4239"/>
-                  </a:lnTo>
-                  <a:lnTo>
-                    <a:pt x="5602" y="4409"/>
-                  </a:lnTo>
-                  <a:lnTo>
-                    <a:pt x="5553" y="4555"/>
-                  </a:lnTo>
-                  <a:lnTo>
-                    <a:pt x="5480" y="4726"/>
-                  </a:lnTo>
-                  <a:lnTo>
-                    <a:pt x="5480" y="4726"/>
-                  </a:lnTo>
-                  <a:close/>
+                    <a:pt x="756" y="10546"/>
+                  </a:lnTo>
+                  <a:lnTo>
+                    <a:pt x="756" y="10546"/>
+                  </a:lnTo>
+                  <a:lnTo>
+                    <a:pt x="683" y="10619"/>
+                  </a:lnTo>
+                  <a:lnTo>
+                    <a:pt x="634" y="10692"/>
+                  </a:lnTo>
+                  <a:lnTo>
+                    <a:pt x="610" y="10765"/>
+                  </a:lnTo>
+                  <a:lnTo>
+                    <a:pt x="585" y="10863"/>
+                  </a:lnTo>
+                  <a:lnTo>
+                    <a:pt x="1" y="14881"/>
+                  </a:lnTo>
+                  <a:lnTo>
+                    <a:pt x="1" y="14881"/>
+                  </a:lnTo>
+                  <a:lnTo>
+                    <a:pt x="1" y="15003"/>
+                  </a:lnTo>
+                  <a:lnTo>
+                    <a:pt x="25" y="15149"/>
+                  </a:lnTo>
+                  <a:lnTo>
+                    <a:pt x="98" y="15271"/>
+                  </a:lnTo>
+                  <a:lnTo>
+                    <a:pt x="171" y="15368"/>
+                  </a:lnTo>
+                  <a:lnTo>
+                    <a:pt x="171" y="15368"/>
+                  </a:lnTo>
+                  <a:lnTo>
+                    <a:pt x="269" y="15441"/>
+                  </a:lnTo>
+                  <a:lnTo>
+                    <a:pt x="366" y="15490"/>
+                  </a:lnTo>
+                  <a:lnTo>
+                    <a:pt x="464" y="15514"/>
+                  </a:lnTo>
+                  <a:lnTo>
+                    <a:pt x="585" y="15539"/>
+                  </a:lnTo>
+                  <a:lnTo>
+                    <a:pt x="585" y="15539"/>
+                  </a:lnTo>
+                  <a:lnTo>
+                    <a:pt x="659" y="15539"/>
+                  </a:lnTo>
+                  <a:lnTo>
+                    <a:pt x="4677" y="14954"/>
+                  </a:lnTo>
+                  <a:lnTo>
+                    <a:pt x="4677" y="14954"/>
+                  </a:lnTo>
+                  <a:lnTo>
+                    <a:pt x="4848" y="14905"/>
+                  </a:lnTo>
+                  <a:lnTo>
+                    <a:pt x="4921" y="14857"/>
+                  </a:lnTo>
+                  <a:lnTo>
+                    <a:pt x="4994" y="14784"/>
+                  </a:lnTo>
+                  <a:lnTo>
+                    <a:pt x="15539" y="4262"/>
+                  </a:lnTo>
+                </a:path>
+              </a:pathLst>
+            </a:custGeom>
+            <a:noFill/>
+            <a:ln cap="rnd" cmpd="sng" w="12175">
+              <a:solidFill>
+                <a:srgbClr val="0091EA"/>
+              </a:solidFill>
+              <a:prstDash val="solid"/>
+              <a:round/>
+              <a:headEnd len="sm" w="sm" type="none"/>
+              <a:tailEnd len="sm" w="sm" type="none"/>
+            </a:ln>
+          </p:spPr>
+          <p:txBody>
+            <a:bodyPr anchorCtr="0" anchor="ctr" bIns="91425" lIns="91425" spcFirstLastPara="1" rIns="91425" wrap="square" tIns="91425">
+              <a:noAutofit/>
+            </a:bodyPr>
+            <a:lstStyle/>
+            <a:p>
+              <a:pPr indent="0" lvl="0" marL="0" rtl="0" algn="l">
+                <a:spcBef>
+                  <a:spcPts val="0"/>
+                </a:spcBef>
+                <a:spcAft>
+                  <a:spcPts val="0"/>
+                </a:spcAft>
+                <a:buNone/>
+              </a:pPr>
+              <a:r>
+                <a:t/>
+              </a:r>
+              <a:endParaRPr>
+                <a:solidFill>
+                  <a:srgbClr val="FFFFFF"/>
+                </a:solidFill>
+              </a:endParaRPr>
+            </a:p>
+          </p:txBody>
+        </p:sp>
+        <p:sp>
+          <p:nvSpPr>
+            <p:cNvPr id="227" name="Google Shape;227;p21"/>
+            <p:cNvSpPr/>
+            <p:nvPr/>
+          </p:nvSpPr>
+          <p:spPr>
+            <a:xfrm>
+              <a:off x="1974225" y="1711575"/>
+              <a:ext cx="261825" cy="261850"/>
+            </a:xfrm>
+            <a:custGeom>
+              <a:rect b="b" l="l" r="r" t="t"/>
+              <a:pathLst>
+                <a:path extrusionOk="0" fill="none" h="10474" w="10473">
+                  <a:moveTo>
+                    <a:pt x="0" y="10474"/>
+                  </a:moveTo>
+                  <a:lnTo>
+                    <a:pt x="10473" y="1"/>
+                  </a:lnTo>
+                </a:path>
+              </a:pathLst>
+            </a:custGeom>
+            <a:noFill/>
+            <a:ln cap="rnd" cmpd="sng" w="12175">
+              <a:solidFill>
+                <a:srgbClr val="0091EA"/>
+              </a:solidFill>
+              <a:prstDash val="solid"/>
+              <a:round/>
+              <a:headEnd len="sm" w="sm" type="none"/>
+              <a:tailEnd len="sm" w="sm" type="none"/>
+            </a:ln>
+          </p:spPr>
+          <p:txBody>
+            <a:bodyPr anchorCtr="0" anchor="ctr" bIns="91425" lIns="91425" spcFirstLastPara="1" rIns="91425" wrap="square" tIns="91425">
+              <a:noAutofit/>
+            </a:bodyPr>
+            <a:lstStyle/>
+            <a:p>
+              <a:pPr indent="0" lvl="0" marL="0" rtl="0" algn="l">
+                <a:spcBef>
+                  <a:spcPts val="0"/>
+                </a:spcBef>
+                <a:spcAft>
+                  <a:spcPts val="0"/>
+                </a:spcAft>
+                <a:buNone/>
+              </a:pPr>
+              <a:r>
+                <a:t/>
+              </a:r>
+              <a:endParaRPr>
+                <a:solidFill>
+                  <a:srgbClr val="FFFFFF"/>
+                </a:solidFill>
+              </a:endParaRPr>
+            </a:p>
+          </p:txBody>
+        </p:sp>
+        <p:sp>
+          <p:nvSpPr>
+            <p:cNvPr id="228" name="Google Shape;228;p21"/>
+            <p:cNvSpPr/>
+            <p:nvPr/>
+          </p:nvSpPr>
+          <p:spPr>
+            <a:xfrm>
+              <a:off x="1934650" y="2014200"/>
+              <a:ext cx="44475" cy="44475"/>
+            </a:xfrm>
+            <a:custGeom>
+              <a:rect b="b" l="l" r="r" t="t"/>
+              <a:pathLst>
+                <a:path extrusionOk="0" fill="none" h="1779" w="1779">
+                  <a:moveTo>
+                    <a:pt x="1778" y="1778"/>
+                  </a:moveTo>
+                  <a:lnTo>
+                    <a:pt x="0" y="0"/>
+                  </a:lnTo>
+                </a:path>
+              </a:pathLst>
+            </a:custGeom>
+            <a:noFill/>
+            <a:ln cap="rnd" cmpd="sng" w="12175">
+              <a:solidFill>
+                <a:srgbClr val="0091EA"/>
+              </a:solidFill>
+              <a:prstDash val="solid"/>
+              <a:round/>
+              <a:headEnd len="sm" w="sm" type="none"/>
+              <a:tailEnd len="sm" w="sm" type="none"/>
+            </a:ln>
+          </p:spPr>
+          <p:txBody>
+            <a:bodyPr anchorCtr="0" anchor="ctr" bIns="91425" lIns="91425" spcFirstLastPara="1" rIns="91425" wrap="square" tIns="91425">
+              <a:noAutofit/>
+            </a:bodyPr>
+            <a:lstStyle/>
+            <a:p>
+              <a:pPr indent="0" lvl="0" marL="0" rtl="0" algn="l">
+                <a:spcBef>
+                  <a:spcPts val="0"/>
+                </a:spcBef>
+                <a:spcAft>
+                  <a:spcPts val="0"/>
+                </a:spcAft>
+                <a:buNone/>
+              </a:pPr>
+              <a:r>
+                <a:t/>
+              </a:r>
+              <a:endParaRPr>
+                <a:solidFill>
+                  <a:srgbClr val="FFFFFF"/>
+                </a:solidFill>
+              </a:endParaRPr>
+            </a:p>
+          </p:txBody>
+        </p:sp>
+        <p:sp>
+          <p:nvSpPr>
+            <p:cNvPr id="229" name="Google Shape;229;p21"/>
+            <p:cNvSpPr/>
+            <p:nvPr/>
+          </p:nvSpPr>
+          <p:spPr>
+            <a:xfrm>
+              <a:off x="1944375" y="1947225"/>
+              <a:ext cx="101725" cy="101700"/>
+            </a:xfrm>
+            <a:custGeom>
+              <a:rect b="b" l="l" r="r" t="t"/>
+              <a:pathLst>
+                <a:path extrusionOk="0" fill="none" h="4068" w="4069">
+                  <a:moveTo>
+                    <a:pt x="1" y="49"/>
+                  </a:moveTo>
+                  <a:lnTo>
+                    <a:pt x="1" y="49"/>
+                  </a:lnTo>
+                  <a:lnTo>
+                    <a:pt x="25" y="0"/>
+                  </a:lnTo>
+                  <a:lnTo>
+                    <a:pt x="25" y="0"/>
+                  </a:lnTo>
+                  <a:lnTo>
+                    <a:pt x="4068" y="4043"/>
+                  </a:lnTo>
+                  <a:lnTo>
+                    <a:pt x="4068" y="4043"/>
+                  </a:lnTo>
+                  <a:lnTo>
+                    <a:pt x="4068" y="4043"/>
+                  </a:lnTo>
+                  <a:lnTo>
+                    <a:pt x="4020" y="4068"/>
+                  </a:lnTo>
                 </a:path>
               </a:pathLst>
             </a:custGeom>
@@ -18144,41 +17117,6 @@
                                   </p:childTnLst>
                                 </p:cTn>
                               </p:par>
-                              <p:par>
-                                <p:cTn fill="hold" nodeType="withEffect" presetClass="entr" presetID="10" presetSubtype="0">
-                                  <p:stCondLst>
-                                    <p:cond delay="0"/>
-                                  </p:stCondLst>
-                                  <p:childTnLst>
-                                    <p:set>
-                                      <p:cBhvr>
-                                        <p:cTn dur="1" fill="hold">
-                                          <p:stCondLst>
-                                            <p:cond delay="0"/>
-                                          </p:stCondLst>
-                                        </p:cTn>
-                                        <p:tgtEl>
-                                          <p:spTgt spid="223"/>
-                                        </p:tgtEl>
-                                        <p:attrNameLst>
-                                          <p:attrName>style.visibility</p:attrName>
-                                        </p:attrNameLst>
-                                      </p:cBhvr>
-                                      <p:to>
-                                        <p:strVal val="visible"/>
-                                      </p:to>
-                                    </p:set>
-                                    <p:animEffect filter="fade" transition="in">
-                                      <p:cBhvr>
-                                        <p:cTn dur="1000"/>
-                                        <p:tgtEl>
-                                          <p:spTgt spid="223"/>
-                                        </p:tgtEl>
-                                      </p:cBhvr>
-                                    </p:animEffect>
-                                  </p:childTnLst>
-                                </p:cTn>
-                              </p:par>
                             </p:childTnLst>
                           </p:cTn>
                         </p:par>
@@ -18207,6 +17145,229 @@
       </p:par>
     </p:tnLst>
   </p:timing>
+</p:sld>
+</file>
+
+<file path=ppt/slides/slide11.xml><?xml version="1.0" encoding="utf-8"?>
+<p:sld xmlns:a="http://schemas.openxmlformats.org/drawingml/2006/main" xmlns:r="http://schemas.openxmlformats.org/officeDocument/2006/relationships" xmlns:mc="http://schemas.openxmlformats.org/markup-compatibility/2006" xmlns:mv="urn:schemas-microsoft-com:mac:vml" xmlns:p="http://schemas.openxmlformats.org/presentationml/2006/main" xmlns:c="http://schemas.openxmlformats.org/drawingml/2006/chart" xmlns:dgm="http://schemas.openxmlformats.org/drawingml/2006/diagram" xmlns:o="urn:schemas-microsoft-com:office:office" xmlns:v="urn:schemas-microsoft-com:vml" xmlns:pvml="urn:schemas-microsoft-com:office:powerpoint" xmlns:com="http://schemas.openxmlformats.org/drawingml/2006/compatibility" xmlns:p14="http://schemas.microsoft.com/office/powerpoint/2010/main" xmlns:p15="http://schemas.microsoft.com/office/powerpoint/2012/main">
+  <p:cSld>
+    <p:spTree>
+      <p:nvGrpSpPr>
+        <p:cNvPr id="233" name="Shape 233"/>
+        <p:cNvGrpSpPr/>
+        <p:nvPr/>
+      </p:nvGrpSpPr>
+      <p:grpSpPr>
+        <a:xfrm>
+          <a:off x="0" y="0"/>
+          <a:ext cx="0" cy="0"/>
+          <a:chOff x="0" y="0"/>
+          <a:chExt cx="0" cy="0"/>
+        </a:xfrm>
+      </p:grpSpPr>
+      <p:sp>
+        <p:nvSpPr>
+          <p:cNvPr id="234" name="Google Shape;234;p22"/>
+          <p:cNvSpPr txBox="1"/>
+          <p:nvPr>
+            <p:ph idx="4294967295" type="ctrTitle"/>
+          </p:nvPr>
+        </p:nvSpPr>
+        <p:spPr>
+          <a:xfrm>
+            <a:off x="685800" y="587123"/>
+            <a:ext cx="7772400" cy="1546500"/>
+          </a:xfrm>
+          <a:prstGeom prst="rect">
+            <a:avLst/>
+          </a:prstGeom>
+        </p:spPr>
+        <p:txBody>
+          <a:bodyPr anchorCtr="0" anchor="b" bIns="91425" lIns="91425" spcFirstLastPara="1" rIns="91425" wrap="square" tIns="91425">
+            <a:noAutofit/>
+          </a:bodyPr>
+          <a:lstStyle/>
+          <a:p>
+            <a:pPr indent="0" lvl="0" marL="0" rtl="0" algn="l">
+              <a:spcBef>
+                <a:spcPts val="0"/>
+              </a:spcBef>
+              <a:spcAft>
+                <a:spcPts val="0"/>
+              </a:spcAft>
+              <a:buNone/>
+            </a:pPr>
+            <a:r>
+              <a:rPr b="1" lang="en" sz="3000"/>
+              <a:t>ご清聴ありがとうございました。</a:t>
+            </a:r>
+            <a:endParaRPr b="1" sz="3000"/>
+          </a:p>
+        </p:txBody>
+      </p:sp>
+      <p:sp>
+        <p:nvSpPr>
+          <p:cNvPr id="235" name="Google Shape;235;p22"/>
+          <p:cNvSpPr txBox="1"/>
+          <p:nvPr>
+            <p:ph idx="12" type="sldNum"/>
+          </p:nvPr>
+        </p:nvSpPr>
+        <p:spPr>
+          <a:xfrm>
+            <a:off x="8404384" y="6333134"/>
+            <a:ext cx="548700" cy="525000"/>
+          </a:xfrm>
+          <a:prstGeom prst="rect">
+            <a:avLst/>
+          </a:prstGeom>
+        </p:spPr>
+        <p:txBody>
+          <a:bodyPr anchorCtr="0" anchor="t" bIns="91425" lIns="91425" spcFirstLastPara="1" rIns="91425" wrap="square" tIns="91425">
+            <a:noAutofit/>
+          </a:bodyPr>
+          <a:lstStyle/>
+          <a:p>
+            <a:pPr indent="0" lvl="0" marL="0" rtl="0" algn="r">
+              <a:spcBef>
+                <a:spcPts val="0"/>
+              </a:spcBef>
+              <a:spcAft>
+                <a:spcPts val="0"/>
+              </a:spcAft>
+              <a:buNone/>
+            </a:pPr>
+            <a:fld id="{00000000-1234-1234-1234-123412341234}" type="slidenum">
+              <a:rPr lang="en"/>
+              <a:t>‹#›</a:t>
+            </a:fld>
+            <a:endParaRPr/>
+          </a:p>
+        </p:txBody>
+      </p:sp>
+      <p:sp>
+        <p:nvSpPr>
+          <p:cNvPr id="236" name="Google Shape;236;p22"/>
+          <p:cNvSpPr txBox="1"/>
+          <p:nvPr/>
+        </p:nvSpPr>
+        <p:spPr>
+          <a:xfrm>
+            <a:off x="685800" y="3285875"/>
+            <a:ext cx="4863900" cy="3282000"/>
+          </a:xfrm>
+          <a:prstGeom prst="rect">
+            <a:avLst/>
+          </a:prstGeom>
+          <a:noFill/>
+          <a:ln>
+            <a:noFill/>
+          </a:ln>
+        </p:spPr>
+        <p:txBody>
+          <a:bodyPr anchorCtr="0" anchor="t" bIns="91425" lIns="91425" spcFirstLastPara="1" rIns="91425" wrap="square" tIns="91425">
+            <a:noAutofit/>
+          </a:bodyPr>
+          <a:lstStyle/>
+          <a:p>
+            <a:pPr indent="0" lvl="0" marL="0" rtl="0" algn="l">
+              <a:spcBef>
+                <a:spcPts val="600"/>
+              </a:spcBef>
+              <a:spcAft>
+                <a:spcPts val="0"/>
+              </a:spcAft>
+              <a:buNone/>
+            </a:pPr>
+            <a:r>
+              <a:rPr lang="en" sz="2000">
+                <a:solidFill>
+                  <a:srgbClr val="263238"/>
+                </a:solidFill>
+                <a:latin typeface="Source Sans Pro"/>
+                <a:ea typeface="Source Sans Pro"/>
+                <a:cs typeface="Source Sans Pro"/>
+                <a:sym typeface="Source Sans Pro"/>
+              </a:rPr>
+              <a:t>興味を持たれた方はこちらへ</a:t>
+            </a:r>
+            <a:endParaRPr sz="2000">
+              <a:solidFill>
+                <a:srgbClr val="263238"/>
+              </a:solidFill>
+              <a:latin typeface="Source Sans Pro"/>
+              <a:ea typeface="Source Sans Pro"/>
+              <a:cs typeface="Source Sans Pro"/>
+              <a:sym typeface="Source Sans Pro"/>
+            </a:endParaRPr>
+          </a:p>
+          <a:p>
+            <a:pPr indent="0" lvl="0" marL="0" rtl="0" algn="l">
+              <a:spcBef>
+                <a:spcPts val="600"/>
+              </a:spcBef>
+              <a:spcAft>
+                <a:spcPts val="0"/>
+              </a:spcAft>
+              <a:buNone/>
+            </a:pPr>
+            <a:r>
+              <a:rPr lang="en" sz="2000" u="sng">
+                <a:solidFill>
+                  <a:srgbClr val="263238"/>
+                </a:solidFill>
+                <a:latin typeface="Source Sans Pro"/>
+                <a:ea typeface="Source Sans Pro"/>
+                <a:cs typeface="Source Sans Pro"/>
+                <a:sym typeface="Source Sans Pro"/>
+              </a:rPr>
+              <a:t>https://github.com/Orimai05</a:t>
+            </a:r>
+            <a:endParaRPr sz="2000" u="sng">
+              <a:solidFill>
+                <a:srgbClr val="263238"/>
+              </a:solidFill>
+              <a:latin typeface="Source Sans Pro"/>
+              <a:ea typeface="Source Sans Pro"/>
+              <a:cs typeface="Source Sans Pro"/>
+              <a:sym typeface="Source Sans Pro"/>
+            </a:endParaRPr>
+          </a:p>
+        </p:txBody>
+      </p:sp>
+      <p:pic>
+        <p:nvPicPr>
+          <p:cNvPr id="237" name="Google Shape;237;p22"/>
+          <p:cNvPicPr preferRelativeResize="0"/>
+          <p:nvPr/>
+        </p:nvPicPr>
+        <p:blipFill>
+          <a:blip r:embed="rId3">
+            <a:alphaModFix/>
+          </a:blip>
+          <a:stretch>
+            <a:fillRect/>
+          </a:stretch>
+        </p:blipFill>
+        <p:spPr>
+          <a:xfrm>
+            <a:off x="5763150" y="3420900"/>
+            <a:ext cx="2580400" cy="2580400"/>
+          </a:xfrm>
+          <a:prstGeom prst="rect">
+            <a:avLst/>
+          </a:prstGeom>
+          <a:noFill/>
+          <a:ln>
+            <a:noFill/>
+          </a:ln>
+        </p:spPr>
+      </p:pic>
+    </p:spTree>
+  </p:cSld>
+  <p:clrMapOvr>
+    <a:masterClrMapping/>
+  </p:clrMapOvr>
 </p:sld>
 </file>
 

--- a/slide/20190424-25_kaizen_bootcamp.pptx
+++ b/slide/20190424-25_kaizen_bootcamp.pptx
@@ -843,7 +843,7 @@
   <p:cSld>
     <p:spTree>
       <p:nvGrpSpPr>
-        <p:cNvPr id="167" name="Shape 167"/>
+        <p:cNvPr id="166" name="Shape 166"/>
         <p:cNvGrpSpPr/>
         <p:nvPr/>
       </p:nvGrpSpPr>
@@ -857,7 +857,7 @@
       </p:grpSpPr>
       <p:sp>
         <p:nvSpPr>
-          <p:cNvPr id="168" name="Google Shape;168;g35ed75ccf_057:notes"/>
+          <p:cNvPr id="167" name="Google Shape;167;g35ed75ccf_057:notes"/>
           <p:cNvSpPr/>
           <p:nvPr>
             <p:ph idx="2" type="sldImg"/>
@@ -892,7 +892,7 @@
       </p:sp>
       <p:sp>
         <p:nvSpPr>
-          <p:cNvPr id="169" name="Google Shape;169;g35ed75ccf_057:notes"/>
+          <p:cNvPr id="168" name="Google Shape;168;g35ed75ccf_057:notes"/>
           <p:cNvSpPr txBox="1"/>
           <p:nvPr>
             <p:ph idx="1" type="body"/>
@@ -1010,7 +1010,7 @@
   <p:cSld>
     <p:spTree>
       <p:nvGrpSpPr>
-        <p:cNvPr id="230" name="Shape 230"/>
+        <p:cNvPr id="229" name="Shape 229"/>
         <p:cNvGrpSpPr/>
         <p:nvPr/>
       </p:nvGrpSpPr>
@@ -1024,7 +1024,7 @@
       </p:grpSpPr>
       <p:sp>
         <p:nvSpPr>
-          <p:cNvPr id="231" name="Google Shape;231;g56bb2e2abd_0_68:notes"/>
+          <p:cNvPr id="230" name="Google Shape;230;g56bb2e2abd_0_68:notes"/>
           <p:cNvSpPr/>
           <p:nvPr>
             <p:ph idx="2" type="sldImg"/>
@@ -1059,7 +1059,7 @@
       </p:sp>
       <p:sp>
         <p:nvSpPr>
-          <p:cNvPr id="232" name="Google Shape;232;g56bb2e2abd_0_68:notes"/>
+          <p:cNvPr id="231" name="Google Shape;231;g56bb2e2abd_0_68:notes"/>
           <p:cNvSpPr txBox="1"/>
           <p:nvPr>
             <p:ph idx="1" type="body"/>
@@ -1499,7 +1499,7 @@
       </p:grpSpPr>
       <p:sp>
         <p:nvSpPr>
-          <p:cNvPr id="93" name="Google Shape;93;p:notes"/>
+          <p:cNvPr id="93" name="Google Shape;93;g56bb554d2e_0_11:notes"/>
           <p:cNvSpPr/>
           <p:nvPr>
             <p:ph idx="2" type="sldImg"/>
@@ -1534,7 +1534,7 @@
       </p:sp>
       <p:sp>
         <p:nvSpPr>
-          <p:cNvPr id="94" name="Google Shape;94;p:notes"/>
+          <p:cNvPr id="94" name="Google Shape;94;g56bb554d2e_0_11:notes"/>
           <p:cNvSpPr txBox="1"/>
           <p:nvPr>
             <p:ph idx="1" type="body"/>
@@ -1562,13 +1562,26 @@
               <a:spcAft>
                 <a:spcPts val="0"/>
               </a:spcAft>
+              <a:buClr>
+                <a:schemeClr val="dk1"/>
+              </a:buClr>
+              <a:buSzPts val="1100"/>
+              <a:buFont typeface="Arial"/>
               <a:buNone/>
             </a:pPr>
             <a:r>
-              <a:rPr lang="en"/>
+              <a:rPr lang="en">
+                <a:solidFill>
+                  <a:schemeClr val="dk1"/>
+                </a:solidFill>
+              </a:rPr>
               <a:t>結局、</a:t>
             </a:r>
-            <a:endParaRPr/>
+            <a:endParaRPr>
+              <a:solidFill>
+                <a:schemeClr val="dk1"/>
+              </a:solidFill>
+            </a:endParaRPr>
           </a:p>
           <a:p>
             <a:pPr indent="0" lvl="0" marL="0" rtl="0" algn="l">
@@ -1578,12 +1591,21 @@
               <a:spcAft>
                 <a:spcPts val="0"/>
               </a:spcAft>
+              <a:buClr>
+                <a:schemeClr val="dk1"/>
+              </a:buClr>
+              <a:buSzPts val="1100"/>
+              <a:buFont typeface="Arial"/>
               <a:buNone/>
             </a:pPr>
             <a:r>
               <a:t/>
             </a:r>
-            <a:endParaRPr/>
+            <a:endParaRPr>
+              <a:solidFill>
+                <a:schemeClr val="dk1"/>
+              </a:solidFill>
+            </a:endParaRPr>
           </a:p>
           <a:p>
             <a:pPr indent="0" lvl="0" marL="0" rtl="0" algn="l">
@@ -1593,13 +1615,26 @@
               <a:spcAft>
                 <a:spcPts val="0"/>
               </a:spcAft>
+              <a:buClr>
+                <a:schemeClr val="dk1"/>
+              </a:buClr>
+              <a:buSzPts val="1100"/>
+              <a:buFont typeface="Arial"/>
               <a:buNone/>
             </a:pPr>
             <a:r>
-              <a:rPr lang="en"/>
+              <a:rPr lang="en">
+                <a:solidFill>
+                  <a:schemeClr val="dk1"/>
+                </a:solidFill>
+              </a:rPr>
               <a:t>（青文字読む）</a:t>
             </a:r>
-            <a:endParaRPr/>
+            <a:endParaRPr>
+              <a:solidFill>
+                <a:schemeClr val="dk1"/>
+              </a:solidFill>
+            </a:endParaRPr>
           </a:p>
           <a:p>
             <a:pPr indent="0" lvl="0" marL="0" rtl="0" algn="l">
@@ -1609,13 +1644,26 @@
               <a:spcAft>
                 <a:spcPts val="0"/>
               </a:spcAft>
+              <a:buClr>
+                <a:schemeClr val="dk1"/>
+              </a:buClr>
+              <a:buSzPts val="1100"/>
+              <a:buFont typeface="Arial"/>
               <a:buNone/>
             </a:pPr>
             <a:r>
-              <a:rPr lang="en"/>
+              <a:rPr lang="en">
+                <a:solidFill>
+                  <a:schemeClr val="dk1"/>
+                </a:solidFill>
+              </a:rPr>
               <a:t>ライフイベントで保険を見直したい、でも確認だけ疲れてしまう</a:t>
             </a:r>
-            <a:endParaRPr/>
+            <a:endParaRPr>
+              <a:solidFill>
+                <a:schemeClr val="dk1"/>
+              </a:solidFill>
+            </a:endParaRPr>
           </a:p>
           <a:p>
             <a:pPr indent="0" lvl="0" marL="0" rtl="0" algn="l">
@@ -1625,12 +1673,21 @@
               <a:spcAft>
                 <a:spcPts val="0"/>
               </a:spcAft>
+              <a:buClr>
+                <a:schemeClr val="dk1"/>
+              </a:buClr>
+              <a:buSzPts val="1100"/>
+              <a:buFont typeface="Arial"/>
               <a:buNone/>
             </a:pPr>
             <a:r>
               <a:t/>
             </a:r>
-            <a:endParaRPr/>
+            <a:endParaRPr>
+              <a:solidFill>
+                <a:schemeClr val="dk1"/>
+              </a:solidFill>
+            </a:endParaRPr>
           </a:p>
           <a:p>
             <a:pPr indent="0" lvl="0" marL="0" rtl="0" algn="l">
@@ -1640,13 +1697,26 @@
               <a:spcAft>
                 <a:spcPts val="0"/>
               </a:spcAft>
+              <a:buClr>
+                <a:schemeClr val="dk1"/>
+              </a:buClr>
+              <a:buSzPts val="1100"/>
+              <a:buFont typeface="Arial"/>
               <a:buNone/>
             </a:pPr>
             <a:r>
-              <a:rPr lang="en"/>
+              <a:rPr lang="en">
+                <a:solidFill>
+                  <a:schemeClr val="dk1"/>
+                </a:solidFill>
+              </a:rPr>
               <a:t>という形で、見直しを諦めてしまうことはないでしょうか。</a:t>
             </a:r>
-            <a:endParaRPr/>
+            <a:endParaRPr>
+              <a:solidFill>
+                <a:schemeClr val="dk1"/>
+              </a:solidFill>
+            </a:endParaRPr>
           </a:p>
           <a:p>
             <a:pPr indent="0" lvl="0" marL="0" rtl="0" algn="l">
@@ -1656,12 +1726,21 @@
               <a:spcAft>
                 <a:spcPts val="0"/>
               </a:spcAft>
+              <a:buClr>
+                <a:schemeClr val="dk1"/>
+              </a:buClr>
+              <a:buSzPts val="1100"/>
+              <a:buFont typeface="Arial"/>
               <a:buNone/>
             </a:pPr>
             <a:r>
               <a:t/>
             </a:r>
-            <a:endParaRPr/>
+            <a:endParaRPr>
+              <a:solidFill>
+                <a:schemeClr val="dk1"/>
+              </a:solidFill>
+            </a:endParaRPr>
           </a:p>
           <a:p>
             <a:pPr indent="0" lvl="0" marL="0" rtl="0" algn="l">
@@ -1671,13 +1750,26 @@
               <a:spcAft>
                 <a:spcPts val="0"/>
               </a:spcAft>
+              <a:buClr>
+                <a:schemeClr val="dk1"/>
+              </a:buClr>
+              <a:buSzPts val="1100"/>
+              <a:buFont typeface="Arial"/>
               <a:buNone/>
             </a:pPr>
             <a:r>
-              <a:rPr lang="en"/>
+              <a:rPr lang="en">
+                <a:solidFill>
+                  <a:schemeClr val="dk1"/>
+                </a:solidFill>
+              </a:rPr>
               <a:t>例えば、見直そうと思って、現状を確認するため</a:t>
             </a:r>
-            <a:endParaRPr/>
+            <a:endParaRPr>
+              <a:solidFill>
+                <a:schemeClr val="dk1"/>
+              </a:solidFill>
+            </a:endParaRPr>
           </a:p>
           <a:p>
             <a:pPr indent="0" lvl="0" marL="0" rtl="0" algn="l">
@@ -1687,12 +1779,21 @@
               <a:spcAft>
                 <a:spcPts val="0"/>
               </a:spcAft>
+              <a:buClr>
+                <a:schemeClr val="dk1"/>
+              </a:buClr>
+              <a:buSzPts val="1100"/>
+              <a:buFont typeface="Arial"/>
               <a:buNone/>
             </a:pPr>
             <a:r>
               <a:t/>
             </a:r>
-            <a:endParaRPr/>
+            <a:endParaRPr>
+              <a:solidFill>
+                <a:schemeClr val="dk1"/>
+              </a:solidFill>
+            </a:endParaRPr>
           </a:p>
           <a:p>
             <a:pPr indent="0" lvl="0" marL="0" rtl="0" algn="l">
@@ -1702,13 +1803,26 @@
               <a:spcAft>
                 <a:spcPts val="0"/>
               </a:spcAft>
+              <a:buClr>
+                <a:schemeClr val="dk1"/>
+              </a:buClr>
+              <a:buSzPts val="1100"/>
+              <a:buFont typeface="Arial"/>
               <a:buNone/>
             </a:pPr>
             <a:r>
-              <a:rPr lang="en"/>
+              <a:rPr lang="en">
+                <a:solidFill>
+                  <a:schemeClr val="dk1"/>
+                </a:solidFill>
+              </a:rPr>
               <a:t>（黒文字の箇条書き読む）</a:t>
             </a:r>
-            <a:endParaRPr/>
+            <a:endParaRPr>
+              <a:solidFill>
+                <a:schemeClr val="dk1"/>
+              </a:solidFill>
+            </a:endParaRPr>
           </a:p>
           <a:p>
             <a:pPr indent="0" lvl="0" marL="0" rtl="0" algn="l">
@@ -1718,13 +1832,26 @@
               <a:spcAft>
                 <a:spcPts val="0"/>
               </a:spcAft>
+              <a:buClr>
+                <a:schemeClr val="dk1"/>
+              </a:buClr>
+              <a:buSzPts val="1100"/>
+              <a:buFont typeface="Arial"/>
               <a:buNone/>
             </a:pPr>
             <a:r>
-              <a:rPr lang="en"/>
+              <a:rPr lang="en">
+                <a:solidFill>
+                  <a:schemeClr val="dk1"/>
+                </a:solidFill>
+              </a:rPr>
               <a:t>結局保険料はいくら払ってるんだっけ</a:t>
             </a:r>
-            <a:endParaRPr/>
+            <a:endParaRPr>
+              <a:solidFill>
+                <a:schemeClr val="dk1"/>
+              </a:solidFill>
+            </a:endParaRPr>
           </a:p>
           <a:p>
             <a:pPr indent="0" lvl="0" marL="0" rtl="0" algn="l">
@@ -1734,13 +1861,26 @@
               <a:spcAft>
                 <a:spcPts val="0"/>
               </a:spcAft>
+              <a:buClr>
+                <a:schemeClr val="dk1"/>
+              </a:buClr>
+              <a:buSzPts val="1100"/>
+              <a:buFont typeface="Arial"/>
               <a:buNone/>
             </a:pPr>
             <a:r>
-              <a:rPr lang="en"/>
+              <a:rPr lang="en">
+                <a:solidFill>
+                  <a:schemeClr val="dk1"/>
+                </a:solidFill>
+              </a:rPr>
               <a:t>今、どういう時にいくらもらえるっけ</a:t>
             </a:r>
-            <a:endParaRPr/>
+            <a:endParaRPr>
+              <a:solidFill>
+                <a:schemeClr val="dk1"/>
+              </a:solidFill>
+            </a:endParaRPr>
           </a:p>
           <a:p>
             <a:pPr indent="0" lvl="0" marL="0" rtl="0" algn="l">
@@ -1750,12 +1890,21 @@
               <a:spcAft>
                 <a:spcPts val="0"/>
               </a:spcAft>
+              <a:buClr>
+                <a:schemeClr val="dk1"/>
+              </a:buClr>
+              <a:buSzPts val="1100"/>
+              <a:buFont typeface="Arial"/>
               <a:buNone/>
             </a:pPr>
             <a:r>
               <a:t/>
             </a:r>
-            <a:endParaRPr/>
+            <a:endParaRPr>
+              <a:solidFill>
+                <a:schemeClr val="dk1"/>
+              </a:solidFill>
+            </a:endParaRPr>
           </a:p>
           <a:p>
             <a:pPr indent="0" lvl="0" marL="0" rtl="0" algn="l">
@@ -1765,13 +1914,26 @@
               <a:spcAft>
                 <a:spcPts val="0"/>
               </a:spcAft>
+              <a:buClr>
+                <a:schemeClr val="dk1"/>
+              </a:buClr>
+              <a:buSzPts val="1100"/>
+              <a:buFont typeface="Arial"/>
               <a:buNone/>
             </a:pPr>
             <a:r>
-              <a:rPr lang="en"/>
+              <a:rPr lang="en">
+                <a:solidFill>
+                  <a:schemeClr val="dk1"/>
+                </a:solidFill>
+              </a:rPr>
               <a:t>という確認だけで保険の複雑さに疲れてしまい</a:t>
             </a:r>
-            <a:endParaRPr/>
+            <a:endParaRPr>
+              <a:solidFill>
+                <a:schemeClr val="dk1"/>
+              </a:solidFill>
+            </a:endParaRPr>
           </a:p>
           <a:p>
             <a:pPr indent="0" lvl="0" marL="0" rtl="0" algn="l">
@@ -1781,11 +1943,39 @@
               <a:spcAft>
                 <a:spcPts val="0"/>
               </a:spcAft>
+              <a:buClr>
+                <a:schemeClr val="dk1"/>
+              </a:buClr>
+              <a:buSzPts val="1100"/>
+              <a:buFont typeface="Arial"/>
               <a:buNone/>
             </a:pPr>
             <a:r>
-              <a:rPr lang="en"/>
+              <a:rPr lang="en">
+                <a:solidFill>
+                  <a:schemeClr val="dk1"/>
+                </a:solidFill>
+              </a:rPr>
               <a:t>「もう見直しはいいや」となってしまうことが多いのではないでしょうか。</a:t>
+            </a:r>
+            <a:endParaRPr>
+              <a:solidFill>
+                <a:schemeClr val="dk1"/>
+              </a:solidFill>
+            </a:endParaRPr>
+          </a:p>
+          <a:p>
+            <a:pPr indent="0" lvl="0" marL="0" rtl="0" algn="l">
+              <a:spcBef>
+                <a:spcPts val="0"/>
+              </a:spcBef>
+              <a:spcAft>
+                <a:spcPts val="0"/>
+              </a:spcAft>
+              <a:buNone/>
+            </a:pPr>
+            <a:r>
+              <a:t/>
             </a:r>
             <a:endParaRPr/>
           </a:p>
@@ -1804,7 +1994,7 @@
   <p:cSld>
     <p:spTree>
       <p:nvGrpSpPr>
-        <p:cNvPr id="99" name="Shape 99"/>
+        <p:cNvPr id="98" name="Shape 98"/>
         <p:cNvGrpSpPr/>
         <p:nvPr/>
       </p:nvGrpSpPr>
@@ -1818,7 +2008,7 @@
       </p:grpSpPr>
       <p:sp>
         <p:nvSpPr>
-          <p:cNvPr id="100" name="Google Shape;100;g512c389f6c_0_84:notes"/>
+          <p:cNvPr id="99" name="Google Shape;99;g512c389f6c_0_84:notes"/>
           <p:cNvSpPr/>
           <p:nvPr>
             <p:ph idx="2" type="sldImg"/>
@@ -1853,7 +2043,7 @@
       </p:sp>
       <p:sp>
         <p:nvSpPr>
-          <p:cNvPr id="101" name="Google Shape;101;g512c389f6c_0_84:notes"/>
+          <p:cNvPr id="100" name="Google Shape;100;g512c389f6c_0_84:notes"/>
           <p:cNvSpPr txBox="1"/>
           <p:nvPr>
             <p:ph idx="1" type="body"/>
@@ -1936,7 +2126,7 @@
   <p:cSld>
     <p:spTree>
       <p:nvGrpSpPr>
-        <p:cNvPr id="115" name="Shape 115"/>
+        <p:cNvPr id="114" name="Shape 114"/>
         <p:cNvGrpSpPr/>
         <p:nvPr/>
       </p:nvGrpSpPr>
@@ -1950,7 +2140,7 @@
       </p:grpSpPr>
       <p:sp>
         <p:nvSpPr>
-          <p:cNvPr id="116" name="Google Shape;116;g35f391192_073:notes"/>
+          <p:cNvPr id="115" name="Google Shape;115;g35f391192_073:notes"/>
           <p:cNvSpPr/>
           <p:nvPr>
             <p:ph idx="2" type="sldImg"/>
@@ -1985,7 +2175,7 @@
       </p:sp>
       <p:sp>
         <p:nvSpPr>
-          <p:cNvPr id="117" name="Google Shape;117;g35f391192_073:notes"/>
+          <p:cNvPr id="116" name="Google Shape;116;g35f391192_073:notes"/>
           <p:cNvSpPr txBox="1"/>
           <p:nvPr>
             <p:ph idx="1" type="body"/>
@@ -2176,7 +2366,7 @@
   <p:cSld>
     <p:spTree>
       <p:nvGrpSpPr>
-        <p:cNvPr id="122" name="Shape 122"/>
+        <p:cNvPr id="121" name="Shape 121"/>
         <p:cNvGrpSpPr/>
         <p:nvPr/>
       </p:nvGrpSpPr>
@@ -2190,7 +2380,7 @@
       </p:grpSpPr>
       <p:sp>
         <p:nvSpPr>
-          <p:cNvPr id="123" name="Google Shape;123;g56ba87f7fd_0_0:notes"/>
+          <p:cNvPr id="122" name="Google Shape;122;g56ba87f7fd_0_0:notes"/>
           <p:cNvSpPr/>
           <p:nvPr>
             <p:ph idx="2" type="sldImg"/>
@@ -2225,7 +2415,7 @@
       </p:sp>
       <p:sp>
         <p:nvSpPr>
-          <p:cNvPr id="124" name="Google Shape;124;g56ba87f7fd_0_0:notes"/>
+          <p:cNvPr id="123" name="Google Shape;123;g56ba87f7fd_0_0:notes"/>
           <p:cNvSpPr txBox="1"/>
           <p:nvPr>
             <p:ph idx="1" type="body"/>
@@ -2323,7 +2513,7 @@
   <p:cSld>
     <p:spTree>
       <p:nvGrpSpPr>
-        <p:cNvPr id="143" name="Shape 143"/>
+        <p:cNvPr id="142" name="Shape 142"/>
         <p:cNvGrpSpPr/>
         <p:nvPr/>
       </p:nvGrpSpPr>
@@ -2337,7 +2527,7 @@
       </p:grpSpPr>
       <p:sp>
         <p:nvSpPr>
-          <p:cNvPr id="144" name="Google Shape;144;g58d17a5dc6_0_0:notes"/>
+          <p:cNvPr id="143" name="Google Shape;143;g58d17a5dc6_0_0:notes"/>
           <p:cNvSpPr/>
           <p:nvPr>
             <p:ph idx="2" type="sldImg"/>
@@ -2372,7 +2562,7 @@
       </p:sp>
       <p:sp>
         <p:nvSpPr>
-          <p:cNvPr id="145" name="Google Shape;145;g58d17a5dc6_0_0:notes"/>
+          <p:cNvPr id="144" name="Google Shape;144;g58d17a5dc6_0_0:notes"/>
           <p:cNvSpPr txBox="1"/>
           <p:nvPr>
             <p:ph idx="1" type="body"/>
@@ -2455,7 +2645,7 @@
   <p:cSld>
     <p:spTree>
       <p:nvGrpSpPr>
-        <p:cNvPr id="161" name="Shape 161"/>
+        <p:cNvPr id="160" name="Shape 160"/>
         <p:cNvGrpSpPr/>
         <p:nvPr/>
       </p:nvGrpSpPr>
@@ -2469,7 +2659,7 @@
       </p:grpSpPr>
       <p:sp>
         <p:nvSpPr>
-          <p:cNvPr id="162" name="Google Shape;162;g35f391192_065:notes"/>
+          <p:cNvPr id="161" name="Google Shape;161;g35f391192_065:notes"/>
           <p:cNvSpPr/>
           <p:nvPr>
             <p:ph idx="2" type="sldImg"/>
@@ -2504,7 +2694,7 @@
       </p:sp>
       <p:sp>
         <p:nvSpPr>
-          <p:cNvPr id="163" name="Google Shape;163;g35f391192_065:notes"/>
+          <p:cNvPr id="162" name="Google Shape;162;g35f391192_065:notes"/>
           <p:cNvSpPr txBox="1"/>
           <p:nvPr>
             <p:ph idx="1" type="body"/>
@@ -7055,9 +7245,6 @@
     <p:sldLayoutId id="2147483656" r:id="rId10"/>
     <p:sldLayoutId id="2147483657" r:id="rId11"/>
   </p:sldLayoutIdLst>
-  <p:transition>
-    <p:fade thruBlk="1"/>
-  </p:transition>
   <p:hf dt="0" ftr="0" hdr="0"/>
   <p:txStyles>
     <p:titleStyle>
@@ -7849,7 +8036,7 @@
     </p:bg>
     <p:spTree>
       <p:nvGrpSpPr>
-        <p:cNvPr id="170" name="Shape 170"/>
+        <p:cNvPr id="169" name="Shape 169"/>
         <p:cNvGrpSpPr/>
         <p:nvPr/>
       </p:nvGrpSpPr>
@@ -7863,7 +8050,7 @@
       </p:grpSpPr>
       <p:sp>
         <p:nvSpPr>
-          <p:cNvPr id="171" name="Google Shape;171;p21"/>
+          <p:cNvPr id="170" name="Google Shape;170;p21"/>
           <p:cNvSpPr txBox="1"/>
           <p:nvPr>
             <p:ph type="title"/>
@@ -7903,7 +8090,7 @@
       </p:sp>
       <p:sp>
         <p:nvSpPr>
-          <p:cNvPr id="172" name="Google Shape;172;p21"/>
+          <p:cNvPr id="171" name="Google Shape;171;p21"/>
           <p:cNvSpPr txBox="1"/>
           <p:nvPr>
             <p:ph idx="1" type="body"/>
@@ -7943,7 +8130,7 @@
       </p:sp>
       <p:sp>
         <p:nvSpPr>
-          <p:cNvPr id="173" name="Google Shape;173;p21"/>
+          <p:cNvPr id="172" name="Google Shape;172;p21"/>
           <p:cNvSpPr txBox="1"/>
           <p:nvPr>
             <p:ph idx="2" type="body"/>
@@ -7983,7 +8170,7 @@
       </p:sp>
       <p:sp>
         <p:nvSpPr>
-          <p:cNvPr id="174" name="Google Shape;174;p21"/>
+          <p:cNvPr id="173" name="Google Shape;173;p21"/>
           <p:cNvSpPr txBox="1"/>
           <p:nvPr>
             <p:ph idx="3" type="body"/>
@@ -8023,7 +8210,7 @@
       </p:sp>
       <p:sp>
         <p:nvSpPr>
-          <p:cNvPr id="175" name="Google Shape;175;p21"/>
+          <p:cNvPr id="174" name="Google Shape;174;p21"/>
           <p:cNvSpPr txBox="1"/>
           <p:nvPr>
             <p:ph idx="1" type="body"/>
@@ -8095,7 +8282,7 @@
       </p:sp>
       <p:sp>
         <p:nvSpPr>
-          <p:cNvPr id="176" name="Google Shape;176;p21"/>
+          <p:cNvPr id="175" name="Google Shape;175;p21"/>
           <p:cNvSpPr txBox="1"/>
           <p:nvPr>
             <p:ph idx="2" type="body"/>
@@ -8186,7 +8373,7 @@
       </p:sp>
       <p:sp>
         <p:nvSpPr>
-          <p:cNvPr id="177" name="Google Shape;177;p21"/>
+          <p:cNvPr id="176" name="Google Shape;176;p21"/>
           <p:cNvSpPr txBox="1"/>
           <p:nvPr>
             <p:ph idx="3" type="body"/>
@@ -8234,7 +8421,7 @@
       </p:sp>
       <p:grpSp>
         <p:nvGrpSpPr>
-          <p:cNvPr id="178" name="Google Shape;178;p21"/>
+          <p:cNvPr id="177" name="Google Shape;177;p21"/>
           <p:cNvGrpSpPr/>
           <p:nvPr/>
         </p:nvGrpSpPr>
@@ -8248,7 +8435,7 @@
         </p:grpSpPr>
         <p:sp>
           <p:nvSpPr>
-            <p:cNvPr id="179" name="Google Shape;179;p21"/>
+            <p:cNvPr id="178" name="Google Shape;178;p21"/>
             <p:cNvSpPr/>
             <p:nvPr/>
           </p:nvSpPr>
@@ -9145,7 +9332,7 @@
         </p:sp>
         <p:sp>
           <p:nvSpPr>
-            <p:cNvPr id="180" name="Google Shape;180;p21"/>
+            <p:cNvPr id="179" name="Google Shape;179;p21"/>
             <p:cNvSpPr/>
             <p:nvPr/>
           </p:nvSpPr>
@@ -9899,7 +10086,7 @@
       </p:grpSp>
       <p:grpSp>
         <p:nvGrpSpPr>
-          <p:cNvPr id="181" name="Google Shape;181;p21"/>
+          <p:cNvPr id="180" name="Google Shape;180;p21"/>
           <p:cNvGrpSpPr/>
           <p:nvPr/>
         </p:nvGrpSpPr>
@@ -9913,7 +10100,7 @@
         </p:grpSpPr>
         <p:sp>
           <p:nvSpPr>
-            <p:cNvPr id="182" name="Google Shape;182;p21"/>
+            <p:cNvPr id="181" name="Google Shape;181;p21"/>
             <p:cNvSpPr/>
             <p:nvPr/>
           </p:nvSpPr>
@@ -10111,6 +10298,247 @@
                   </a:lnTo>
                   <a:lnTo>
                     <a:pt x="317" y="2801"/>
+                  </a:lnTo>
+                </a:path>
+              </a:pathLst>
+            </a:custGeom>
+            <a:noFill/>
+            <a:ln cap="rnd" cmpd="sng" w="12175">
+              <a:solidFill>
+                <a:srgbClr val="0091EA"/>
+              </a:solidFill>
+              <a:prstDash val="solid"/>
+              <a:round/>
+              <a:headEnd len="sm" w="sm" type="none"/>
+              <a:tailEnd len="sm" w="sm" type="none"/>
+            </a:ln>
+          </p:spPr>
+          <p:txBody>
+            <a:bodyPr anchorCtr="0" anchor="ctr" bIns="91425" lIns="91425" spcFirstLastPara="1" rIns="91425" wrap="square" tIns="91425">
+              <a:noAutofit/>
+            </a:bodyPr>
+            <a:lstStyle/>
+            <a:p>
+              <a:pPr indent="0" lvl="0" marL="0" rtl="0" algn="l">
+                <a:spcBef>
+                  <a:spcPts val="0"/>
+                </a:spcBef>
+                <a:spcAft>
+                  <a:spcPts val="0"/>
+                </a:spcAft>
+                <a:buNone/>
+              </a:pPr>
+              <a:r>
+                <a:t/>
+              </a:r>
+              <a:endParaRPr>
+                <a:solidFill>
+                  <a:srgbClr val="0091EA"/>
+                </a:solidFill>
+              </a:endParaRPr>
+            </a:p>
+          </p:txBody>
+        </p:sp>
+        <p:sp>
+          <p:nvSpPr>
+            <p:cNvPr id="182" name="Google Shape;182;p21"/>
+            <p:cNvSpPr/>
+            <p:nvPr/>
+          </p:nvSpPr>
+          <p:spPr>
+            <a:xfrm>
+              <a:off x="5323025" y="4980625"/>
+              <a:ext cx="88925" cy="88925"/>
+            </a:xfrm>
+            <a:custGeom>
+              <a:rect b="b" l="l" r="r" t="t"/>
+              <a:pathLst>
+                <a:path extrusionOk="0" fill="none" h="3557" w="3557">
+                  <a:moveTo>
+                    <a:pt x="3191" y="2850"/>
+                  </a:moveTo>
+                  <a:lnTo>
+                    <a:pt x="3191" y="2850"/>
+                  </a:lnTo>
+                  <a:lnTo>
+                    <a:pt x="3313" y="2680"/>
+                  </a:lnTo>
+                  <a:lnTo>
+                    <a:pt x="3410" y="2509"/>
+                  </a:lnTo>
+                  <a:lnTo>
+                    <a:pt x="3483" y="2314"/>
+                  </a:lnTo>
+                  <a:lnTo>
+                    <a:pt x="3532" y="2095"/>
+                  </a:lnTo>
+                  <a:lnTo>
+                    <a:pt x="3532" y="2095"/>
+                  </a:lnTo>
+                  <a:lnTo>
+                    <a:pt x="3556" y="1925"/>
+                  </a:lnTo>
+                  <a:lnTo>
+                    <a:pt x="3556" y="1730"/>
+                  </a:lnTo>
+                  <a:lnTo>
+                    <a:pt x="3556" y="1559"/>
+                  </a:lnTo>
+                  <a:lnTo>
+                    <a:pt x="3508" y="1389"/>
+                  </a:lnTo>
+                  <a:lnTo>
+                    <a:pt x="3459" y="1218"/>
+                  </a:lnTo>
+                  <a:lnTo>
+                    <a:pt x="3410" y="1072"/>
+                  </a:lnTo>
+                  <a:lnTo>
+                    <a:pt x="3337" y="902"/>
+                  </a:lnTo>
+                  <a:lnTo>
+                    <a:pt x="3240" y="756"/>
+                  </a:lnTo>
+                  <a:lnTo>
+                    <a:pt x="3142" y="634"/>
+                  </a:lnTo>
+                  <a:lnTo>
+                    <a:pt x="3021" y="512"/>
+                  </a:lnTo>
+                  <a:lnTo>
+                    <a:pt x="2899" y="390"/>
+                  </a:lnTo>
+                  <a:lnTo>
+                    <a:pt x="2753" y="293"/>
+                  </a:lnTo>
+                  <a:lnTo>
+                    <a:pt x="2606" y="196"/>
+                  </a:lnTo>
+                  <a:lnTo>
+                    <a:pt x="2436" y="122"/>
+                  </a:lnTo>
+                  <a:lnTo>
+                    <a:pt x="2266" y="74"/>
+                  </a:lnTo>
+                  <a:lnTo>
+                    <a:pt x="2095" y="25"/>
+                  </a:lnTo>
+                  <a:lnTo>
+                    <a:pt x="2095" y="25"/>
+                  </a:lnTo>
+                  <a:lnTo>
+                    <a:pt x="1925" y="1"/>
+                  </a:lnTo>
+                  <a:lnTo>
+                    <a:pt x="1730" y="1"/>
+                  </a:lnTo>
+                  <a:lnTo>
+                    <a:pt x="1559" y="1"/>
+                  </a:lnTo>
+                  <a:lnTo>
+                    <a:pt x="1389" y="25"/>
+                  </a:lnTo>
+                  <a:lnTo>
+                    <a:pt x="1218" y="74"/>
+                  </a:lnTo>
+                  <a:lnTo>
+                    <a:pt x="1072" y="147"/>
+                  </a:lnTo>
+                  <a:lnTo>
+                    <a:pt x="902" y="220"/>
+                  </a:lnTo>
+                  <a:lnTo>
+                    <a:pt x="756" y="317"/>
+                  </a:lnTo>
+                  <a:lnTo>
+                    <a:pt x="634" y="415"/>
+                  </a:lnTo>
+                  <a:lnTo>
+                    <a:pt x="512" y="537"/>
+                  </a:lnTo>
+                  <a:lnTo>
+                    <a:pt x="390" y="658"/>
+                  </a:lnTo>
+                  <a:lnTo>
+                    <a:pt x="293" y="804"/>
+                  </a:lnTo>
+                  <a:lnTo>
+                    <a:pt x="195" y="951"/>
+                  </a:lnTo>
+                  <a:lnTo>
+                    <a:pt x="122" y="1097"/>
+                  </a:lnTo>
+                  <a:lnTo>
+                    <a:pt x="74" y="1267"/>
+                  </a:lnTo>
+                  <a:lnTo>
+                    <a:pt x="25" y="1462"/>
+                  </a:lnTo>
+                  <a:lnTo>
+                    <a:pt x="25" y="1462"/>
+                  </a:lnTo>
+                  <a:lnTo>
+                    <a:pt x="1" y="1633"/>
+                  </a:lnTo>
+                  <a:lnTo>
+                    <a:pt x="1" y="1803"/>
+                  </a:lnTo>
+                  <a:lnTo>
+                    <a:pt x="1" y="1998"/>
+                  </a:lnTo>
+                  <a:lnTo>
+                    <a:pt x="25" y="2168"/>
+                  </a:lnTo>
+                  <a:lnTo>
+                    <a:pt x="74" y="2339"/>
+                  </a:lnTo>
+                  <a:lnTo>
+                    <a:pt x="147" y="2485"/>
+                  </a:lnTo>
+                  <a:lnTo>
+                    <a:pt x="220" y="2655"/>
+                  </a:lnTo>
+                  <a:lnTo>
+                    <a:pt x="317" y="2777"/>
+                  </a:lnTo>
+                  <a:lnTo>
+                    <a:pt x="415" y="2923"/>
+                  </a:lnTo>
+                  <a:lnTo>
+                    <a:pt x="536" y="3045"/>
+                  </a:lnTo>
+                  <a:lnTo>
+                    <a:pt x="658" y="3167"/>
+                  </a:lnTo>
+                  <a:lnTo>
+                    <a:pt x="804" y="3264"/>
+                  </a:lnTo>
+                  <a:lnTo>
+                    <a:pt x="950" y="3362"/>
+                  </a:lnTo>
+                  <a:lnTo>
+                    <a:pt x="1096" y="3435"/>
+                  </a:lnTo>
+                  <a:lnTo>
+                    <a:pt x="1267" y="3483"/>
+                  </a:lnTo>
+                  <a:lnTo>
+                    <a:pt x="1462" y="3532"/>
+                  </a:lnTo>
+                  <a:lnTo>
+                    <a:pt x="1462" y="3532"/>
+                  </a:lnTo>
+                  <a:lnTo>
+                    <a:pt x="1705" y="3557"/>
+                  </a:lnTo>
+                  <a:lnTo>
+                    <a:pt x="1973" y="3557"/>
+                  </a:lnTo>
+                  <a:lnTo>
+                    <a:pt x="2217" y="3508"/>
+                  </a:lnTo>
+                  <a:lnTo>
+                    <a:pt x="2460" y="3435"/>
                   </a:lnTo>
                 </a:path>
               </a:pathLst>
@@ -10160,198 +10588,198 @@
           </p:nvSpPr>
           <p:spPr>
             <a:xfrm>
-              <a:off x="5323025" y="4980625"/>
-              <a:ext cx="88925" cy="88925"/>
+              <a:off x="5233525" y="5255225"/>
+              <a:ext cx="89525" cy="89525"/>
             </a:xfrm>
             <a:custGeom>
               <a:rect b="b" l="l" r="r" t="t"/>
               <a:pathLst>
-                <a:path extrusionOk="0" fill="none" h="3557" w="3557">
+                <a:path extrusionOk="0" fill="none" h="3581" w="3581">
                   <a:moveTo>
-                    <a:pt x="3191" y="2850"/>
+                    <a:pt x="3215" y="707"/>
                   </a:moveTo>
                   <a:lnTo>
-                    <a:pt x="3191" y="2850"/>
-                  </a:lnTo>
-                  <a:lnTo>
-                    <a:pt x="3313" y="2680"/>
-                  </a:lnTo>
-                  <a:lnTo>
-                    <a:pt x="3410" y="2509"/>
-                  </a:lnTo>
-                  <a:lnTo>
-                    <a:pt x="3483" y="2314"/>
-                  </a:lnTo>
-                  <a:lnTo>
-                    <a:pt x="3532" y="2095"/>
-                  </a:lnTo>
-                  <a:lnTo>
-                    <a:pt x="3532" y="2095"/>
-                  </a:lnTo>
-                  <a:lnTo>
-                    <a:pt x="3556" y="1925"/>
-                  </a:lnTo>
-                  <a:lnTo>
-                    <a:pt x="3556" y="1730"/>
-                  </a:lnTo>
-                  <a:lnTo>
-                    <a:pt x="3556" y="1559"/>
-                  </a:lnTo>
-                  <a:lnTo>
-                    <a:pt x="3508" y="1389"/>
-                  </a:lnTo>
-                  <a:lnTo>
-                    <a:pt x="3459" y="1218"/>
-                  </a:lnTo>
-                  <a:lnTo>
-                    <a:pt x="3410" y="1072"/>
-                  </a:lnTo>
-                  <a:lnTo>
-                    <a:pt x="3337" y="902"/>
-                  </a:lnTo>
-                  <a:lnTo>
-                    <a:pt x="3240" y="756"/>
-                  </a:lnTo>
-                  <a:lnTo>
-                    <a:pt x="3142" y="634"/>
-                  </a:lnTo>
-                  <a:lnTo>
-                    <a:pt x="3021" y="512"/>
-                  </a:lnTo>
-                  <a:lnTo>
-                    <a:pt x="2899" y="390"/>
-                  </a:lnTo>
-                  <a:lnTo>
-                    <a:pt x="2753" y="293"/>
-                  </a:lnTo>
-                  <a:lnTo>
-                    <a:pt x="2606" y="196"/>
-                  </a:lnTo>
-                  <a:lnTo>
-                    <a:pt x="2436" y="122"/>
-                  </a:lnTo>
-                  <a:lnTo>
-                    <a:pt x="2266" y="74"/>
-                  </a:lnTo>
-                  <a:lnTo>
-                    <a:pt x="2095" y="25"/>
-                  </a:lnTo>
-                  <a:lnTo>
-                    <a:pt x="2095" y="25"/>
-                  </a:lnTo>
-                  <a:lnTo>
-                    <a:pt x="1925" y="1"/>
-                  </a:lnTo>
-                  <a:lnTo>
-                    <a:pt x="1730" y="1"/>
-                  </a:lnTo>
-                  <a:lnTo>
-                    <a:pt x="1559" y="1"/>
-                  </a:lnTo>
-                  <a:lnTo>
-                    <a:pt x="1389" y="25"/>
-                  </a:lnTo>
-                  <a:lnTo>
-                    <a:pt x="1218" y="74"/>
-                  </a:lnTo>
-                  <a:lnTo>
-                    <a:pt x="1072" y="147"/>
-                  </a:lnTo>
-                  <a:lnTo>
-                    <a:pt x="902" y="220"/>
-                  </a:lnTo>
-                  <a:lnTo>
-                    <a:pt x="756" y="317"/>
-                  </a:lnTo>
-                  <a:lnTo>
-                    <a:pt x="634" y="415"/>
-                  </a:lnTo>
-                  <a:lnTo>
-                    <a:pt x="512" y="537"/>
-                  </a:lnTo>
-                  <a:lnTo>
-                    <a:pt x="390" y="658"/>
-                  </a:lnTo>
-                  <a:lnTo>
-                    <a:pt x="293" y="804"/>
-                  </a:lnTo>
-                  <a:lnTo>
-                    <a:pt x="195" y="951"/>
-                  </a:lnTo>
-                  <a:lnTo>
-                    <a:pt x="122" y="1097"/>
-                  </a:lnTo>
-                  <a:lnTo>
-                    <a:pt x="74" y="1267"/>
-                  </a:lnTo>
-                  <a:lnTo>
-                    <a:pt x="25" y="1462"/>
-                  </a:lnTo>
-                  <a:lnTo>
-                    <a:pt x="25" y="1462"/>
-                  </a:lnTo>
-                  <a:lnTo>
-                    <a:pt x="1" y="1633"/>
-                  </a:lnTo>
-                  <a:lnTo>
-                    <a:pt x="1" y="1803"/>
-                  </a:lnTo>
-                  <a:lnTo>
-                    <a:pt x="1" y="1998"/>
-                  </a:lnTo>
-                  <a:lnTo>
-                    <a:pt x="25" y="2168"/>
-                  </a:lnTo>
-                  <a:lnTo>
-                    <a:pt x="74" y="2339"/>
-                  </a:lnTo>
-                  <a:lnTo>
-                    <a:pt x="147" y="2485"/>
-                  </a:lnTo>
-                  <a:lnTo>
-                    <a:pt x="220" y="2655"/>
-                  </a:lnTo>
-                  <a:lnTo>
-                    <a:pt x="317" y="2777"/>
-                  </a:lnTo>
-                  <a:lnTo>
-                    <a:pt x="415" y="2923"/>
-                  </a:lnTo>
-                  <a:lnTo>
-                    <a:pt x="536" y="3045"/>
-                  </a:lnTo>
-                  <a:lnTo>
-                    <a:pt x="658" y="3167"/>
-                  </a:lnTo>
-                  <a:lnTo>
-                    <a:pt x="804" y="3264"/>
-                  </a:lnTo>
-                  <a:lnTo>
-                    <a:pt x="950" y="3362"/>
-                  </a:lnTo>
-                  <a:lnTo>
-                    <a:pt x="1096" y="3435"/>
-                  </a:lnTo>
-                  <a:lnTo>
-                    <a:pt x="1267" y="3483"/>
-                  </a:lnTo>
-                  <a:lnTo>
-                    <a:pt x="1462" y="3532"/>
-                  </a:lnTo>
-                  <a:lnTo>
-                    <a:pt x="1462" y="3532"/>
-                  </a:lnTo>
-                  <a:lnTo>
-                    <a:pt x="1705" y="3557"/>
-                  </a:lnTo>
-                  <a:lnTo>
-                    <a:pt x="1973" y="3557"/>
-                  </a:lnTo>
-                  <a:lnTo>
-                    <a:pt x="2217" y="3508"/>
-                  </a:lnTo>
-                  <a:lnTo>
-                    <a:pt x="2460" y="3435"/>
+                    <a:pt x="3215" y="707"/>
+                  </a:lnTo>
+                  <a:lnTo>
+                    <a:pt x="3093" y="585"/>
+                  </a:lnTo>
+                  <a:lnTo>
+                    <a:pt x="2972" y="464"/>
+                  </a:lnTo>
+                  <a:lnTo>
+                    <a:pt x="2850" y="342"/>
+                  </a:lnTo>
+                  <a:lnTo>
+                    <a:pt x="2679" y="244"/>
+                  </a:lnTo>
+                  <a:lnTo>
+                    <a:pt x="2679" y="244"/>
+                  </a:lnTo>
+                  <a:lnTo>
+                    <a:pt x="2533" y="171"/>
+                  </a:lnTo>
+                  <a:lnTo>
+                    <a:pt x="2363" y="98"/>
+                  </a:lnTo>
+                  <a:lnTo>
+                    <a:pt x="2192" y="50"/>
+                  </a:lnTo>
+                  <a:lnTo>
+                    <a:pt x="2022" y="25"/>
+                  </a:lnTo>
+                  <a:lnTo>
+                    <a:pt x="1851" y="1"/>
+                  </a:lnTo>
+                  <a:lnTo>
+                    <a:pt x="1681" y="25"/>
+                  </a:lnTo>
+                  <a:lnTo>
+                    <a:pt x="1510" y="25"/>
+                  </a:lnTo>
+                  <a:lnTo>
+                    <a:pt x="1340" y="74"/>
+                  </a:lnTo>
+                  <a:lnTo>
+                    <a:pt x="1169" y="123"/>
+                  </a:lnTo>
+                  <a:lnTo>
+                    <a:pt x="1023" y="196"/>
+                  </a:lnTo>
+                  <a:lnTo>
+                    <a:pt x="877" y="269"/>
+                  </a:lnTo>
+                  <a:lnTo>
+                    <a:pt x="731" y="366"/>
+                  </a:lnTo>
+                  <a:lnTo>
+                    <a:pt x="585" y="488"/>
+                  </a:lnTo>
+                  <a:lnTo>
+                    <a:pt x="463" y="610"/>
+                  </a:lnTo>
+                  <a:lnTo>
+                    <a:pt x="341" y="731"/>
+                  </a:lnTo>
+                  <a:lnTo>
+                    <a:pt x="244" y="902"/>
+                  </a:lnTo>
+                  <a:lnTo>
+                    <a:pt x="244" y="902"/>
+                  </a:lnTo>
+                  <a:lnTo>
+                    <a:pt x="171" y="1048"/>
+                  </a:lnTo>
+                  <a:lnTo>
+                    <a:pt x="98" y="1219"/>
+                  </a:lnTo>
+                  <a:lnTo>
+                    <a:pt x="49" y="1389"/>
+                  </a:lnTo>
+                  <a:lnTo>
+                    <a:pt x="25" y="1560"/>
+                  </a:lnTo>
+                  <a:lnTo>
+                    <a:pt x="0" y="1730"/>
+                  </a:lnTo>
+                  <a:lnTo>
+                    <a:pt x="0" y="1900"/>
+                  </a:lnTo>
+                  <a:lnTo>
+                    <a:pt x="25" y="2071"/>
+                  </a:lnTo>
+                  <a:lnTo>
+                    <a:pt x="73" y="2241"/>
+                  </a:lnTo>
+                  <a:lnTo>
+                    <a:pt x="122" y="2412"/>
+                  </a:lnTo>
+                  <a:lnTo>
+                    <a:pt x="195" y="2558"/>
+                  </a:lnTo>
+                  <a:lnTo>
+                    <a:pt x="268" y="2729"/>
+                  </a:lnTo>
+                  <a:lnTo>
+                    <a:pt x="366" y="2850"/>
+                  </a:lnTo>
+                  <a:lnTo>
+                    <a:pt x="463" y="2996"/>
+                  </a:lnTo>
+                  <a:lnTo>
+                    <a:pt x="609" y="3118"/>
+                  </a:lnTo>
+                  <a:lnTo>
+                    <a:pt x="731" y="3240"/>
+                  </a:lnTo>
+                  <a:lnTo>
+                    <a:pt x="901" y="3337"/>
+                  </a:lnTo>
+                  <a:lnTo>
+                    <a:pt x="901" y="3337"/>
+                  </a:lnTo>
+                  <a:lnTo>
+                    <a:pt x="1048" y="3410"/>
+                  </a:lnTo>
+                  <a:lnTo>
+                    <a:pt x="1218" y="3484"/>
+                  </a:lnTo>
+                  <a:lnTo>
+                    <a:pt x="1389" y="3532"/>
+                  </a:lnTo>
+                  <a:lnTo>
+                    <a:pt x="1559" y="3557"/>
+                  </a:lnTo>
+                  <a:lnTo>
+                    <a:pt x="1730" y="3581"/>
+                  </a:lnTo>
+                  <a:lnTo>
+                    <a:pt x="1900" y="3581"/>
+                  </a:lnTo>
+                  <a:lnTo>
+                    <a:pt x="2071" y="3557"/>
+                  </a:lnTo>
+                  <a:lnTo>
+                    <a:pt x="2241" y="3508"/>
+                  </a:lnTo>
+                  <a:lnTo>
+                    <a:pt x="2411" y="3459"/>
+                  </a:lnTo>
+                  <a:lnTo>
+                    <a:pt x="2558" y="3410"/>
+                  </a:lnTo>
+                  <a:lnTo>
+                    <a:pt x="2704" y="3313"/>
+                  </a:lnTo>
+                  <a:lnTo>
+                    <a:pt x="2850" y="3216"/>
+                  </a:lnTo>
+                  <a:lnTo>
+                    <a:pt x="2996" y="3118"/>
+                  </a:lnTo>
+                  <a:lnTo>
+                    <a:pt x="3118" y="2996"/>
+                  </a:lnTo>
+                  <a:lnTo>
+                    <a:pt x="3240" y="2850"/>
+                  </a:lnTo>
+                  <a:lnTo>
+                    <a:pt x="3337" y="2704"/>
+                  </a:lnTo>
+                  <a:lnTo>
+                    <a:pt x="3337" y="2704"/>
+                  </a:lnTo>
+                  <a:lnTo>
+                    <a:pt x="3459" y="2412"/>
+                  </a:lnTo>
+                  <a:lnTo>
+                    <a:pt x="3532" y="2144"/>
+                  </a:lnTo>
+                  <a:lnTo>
+                    <a:pt x="3581" y="1852"/>
+                  </a:lnTo>
+                  <a:lnTo>
+                    <a:pt x="3556" y="1560"/>
                   </a:lnTo>
                 </a:path>
               </a:pathLst>
@@ -10401,198 +10829,198 @@
           </p:nvSpPr>
           <p:spPr>
             <a:xfrm>
-              <a:off x="5233525" y="5255225"/>
-              <a:ext cx="89525" cy="89525"/>
+              <a:off x="5453325" y="5382475"/>
+              <a:ext cx="88925" cy="88325"/>
             </a:xfrm>
             <a:custGeom>
               <a:rect b="b" l="l" r="r" t="t"/>
               <a:pathLst>
-                <a:path extrusionOk="0" fill="none" h="3581" w="3581">
+                <a:path extrusionOk="0" fill="none" h="3533" w="3557">
                   <a:moveTo>
-                    <a:pt x="3215" y="707"/>
+                    <a:pt x="1389" y="1"/>
                   </a:moveTo>
                   <a:lnTo>
-                    <a:pt x="3215" y="707"/>
-                  </a:lnTo>
-                  <a:lnTo>
-                    <a:pt x="3093" y="585"/>
-                  </a:lnTo>
-                  <a:lnTo>
-                    <a:pt x="2972" y="464"/>
-                  </a:lnTo>
-                  <a:lnTo>
-                    <a:pt x="2850" y="342"/>
-                  </a:lnTo>
-                  <a:lnTo>
-                    <a:pt x="2679" y="244"/>
-                  </a:lnTo>
-                  <a:lnTo>
-                    <a:pt x="2679" y="244"/>
-                  </a:lnTo>
-                  <a:lnTo>
-                    <a:pt x="2533" y="171"/>
-                  </a:lnTo>
-                  <a:lnTo>
-                    <a:pt x="2363" y="98"/>
-                  </a:lnTo>
-                  <a:lnTo>
-                    <a:pt x="2192" y="50"/>
-                  </a:lnTo>
-                  <a:lnTo>
-                    <a:pt x="2022" y="25"/>
-                  </a:lnTo>
-                  <a:lnTo>
-                    <a:pt x="1851" y="1"/>
-                  </a:lnTo>
-                  <a:lnTo>
-                    <a:pt x="1681" y="25"/>
-                  </a:lnTo>
-                  <a:lnTo>
-                    <a:pt x="1510" y="25"/>
-                  </a:lnTo>
-                  <a:lnTo>
-                    <a:pt x="1340" y="74"/>
-                  </a:lnTo>
-                  <a:lnTo>
-                    <a:pt x="1169" y="123"/>
-                  </a:lnTo>
-                  <a:lnTo>
-                    <a:pt x="1023" y="196"/>
-                  </a:lnTo>
-                  <a:lnTo>
-                    <a:pt x="877" y="269"/>
-                  </a:lnTo>
-                  <a:lnTo>
-                    <a:pt x="731" y="366"/>
-                  </a:lnTo>
-                  <a:lnTo>
-                    <a:pt x="585" y="488"/>
-                  </a:lnTo>
-                  <a:lnTo>
-                    <a:pt x="463" y="610"/>
-                  </a:lnTo>
-                  <a:lnTo>
-                    <a:pt x="341" y="731"/>
-                  </a:lnTo>
-                  <a:lnTo>
-                    <a:pt x="244" y="902"/>
-                  </a:lnTo>
-                  <a:lnTo>
-                    <a:pt x="244" y="902"/>
-                  </a:lnTo>
-                  <a:lnTo>
-                    <a:pt x="171" y="1048"/>
-                  </a:lnTo>
-                  <a:lnTo>
-                    <a:pt x="98" y="1219"/>
-                  </a:lnTo>
-                  <a:lnTo>
-                    <a:pt x="49" y="1389"/>
-                  </a:lnTo>
-                  <a:lnTo>
-                    <a:pt x="25" y="1560"/>
-                  </a:lnTo>
-                  <a:lnTo>
-                    <a:pt x="0" y="1730"/>
-                  </a:lnTo>
-                  <a:lnTo>
-                    <a:pt x="0" y="1900"/>
-                  </a:lnTo>
-                  <a:lnTo>
-                    <a:pt x="25" y="2071"/>
-                  </a:lnTo>
-                  <a:lnTo>
-                    <a:pt x="73" y="2241"/>
+                    <a:pt x="1389" y="1"/>
+                  </a:lnTo>
+                  <a:lnTo>
+                    <a:pt x="1194" y="50"/>
+                  </a:lnTo>
+                  <a:lnTo>
+                    <a:pt x="999" y="147"/>
+                  </a:lnTo>
+                  <a:lnTo>
+                    <a:pt x="804" y="245"/>
+                  </a:lnTo>
+                  <a:lnTo>
+                    <a:pt x="634" y="366"/>
+                  </a:lnTo>
+                  <a:lnTo>
+                    <a:pt x="634" y="366"/>
+                  </a:lnTo>
+                  <a:lnTo>
+                    <a:pt x="488" y="488"/>
+                  </a:lnTo>
+                  <a:lnTo>
+                    <a:pt x="390" y="634"/>
+                  </a:lnTo>
+                  <a:lnTo>
+                    <a:pt x="268" y="780"/>
+                  </a:lnTo>
+                  <a:lnTo>
+                    <a:pt x="195" y="926"/>
+                  </a:lnTo>
+                  <a:lnTo>
+                    <a:pt x="122" y="1073"/>
+                  </a:lnTo>
+                  <a:lnTo>
+                    <a:pt x="74" y="1243"/>
+                  </a:lnTo>
+                  <a:lnTo>
+                    <a:pt x="25" y="1414"/>
+                  </a:lnTo>
+                  <a:lnTo>
+                    <a:pt x="0" y="1584"/>
+                  </a:lnTo>
+                  <a:lnTo>
+                    <a:pt x="0" y="1755"/>
+                  </a:lnTo>
+                  <a:lnTo>
+                    <a:pt x="0" y="1925"/>
+                  </a:lnTo>
+                  <a:lnTo>
+                    <a:pt x="25" y="2096"/>
+                  </a:lnTo>
+                  <a:lnTo>
+                    <a:pt x="74" y="2266"/>
                   </a:lnTo>
                   <a:lnTo>
                     <a:pt x="122" y="2412"/>
                   </a:lnTo>
                   <a:lnTo>
-                    <a:pt x="195" y="2558"/>
-                  </a:lnTo>
-                  <a:lnTo>
-                    <a:pt x="268" y="2729"/>
-                  </a:lnTo>
-                  <a:lnTo>
-                    <a:pt x="366" y="2850"/>
-                  </a:lnTo>
-                  <a:lnTo>
-                    <a:pt x="463" y="2996"/>
-                  </a:lnTo>
-                  <a:lnTo>
-                    <a:pt x="609" y="3118"/>
-                  </a:lnTo>
-                  <a:lnTo>
-                    <a:pt x="731" y="3240"/>
-                  </a:lnTo>
-                  <a:lnTo>
-                    <a:pt x="901" y="3337"/>
-                  </a:lnTo>
-                  <a:lnTo>
-                    <a:pt x="901" y="3337"/>
-                  </a:lnTo>
-                  <a:lnTo>
-                    <a:pt x="1048" y="3410"/>
-                  </a:lnTo>
-                  <a:lnTo>
-                    <a:pt x="1218" y="3484"/>
-                  </a:lnTo>
-                  <a:lnTo>
-                    <a:pt x="1389" y="3532"/>
-                  </a:lnTo>
-                  <a:lnTo>
-                    <a:pt x="1559" y="3557"/>
-                  </a:lnTo>
-                  <a:lnTo>
-                    <a:pt x="1730" y="3581"/>
-                  </a:lnTo>
-                  <a:lnTo>
-                    <a:pt x="1900" y="3581"/>
-                  </a:lnTo>
-                  <a:lnTo>
-                    <a:pt x="2071" y="3557"/>
-                  </a:lnTo>
-                  <a:lnTo>
-                    <a:pt x="2241" y="3508"/>
-                  </a:lnTo>
-                  <a:lnTo>
-                    <a:pt x="2411" y="3459"/>
-                  </a:lnTo>
-                  <a:lnTo>
-                    <a:pt x="2558" y="3410"/>
-                  </a:lnTo>
-                  <a:lnTo>
-                    <a:pt x="2704" y="3313"/>
-                  </a:lnTo>
-                  <a:lnTo>
-                    <a:pt x="2850" y="3216"/>
-                  </a:lnTo>
-                  <a:lnTo>
-                    <a:pt x="2996" y="3118"/>
-                  </a:lnTo>
-                  <a:lnTo>
-                    <a:pt x="3118" y="2996"/>
-                  </a:lnTo>
-                  <a:lnTo>
-                    <a:pt x="3240" y="2850"/>
-                  </a:lnTo>
-                  <a:lnTo>
-                    <a:pt x="3337" y="2704"/>
-                  </a:lnTo>
-                  <a:lnTo>
-                    <a:pt x="3337" y="2704"/>
-                  </a:lnTo>
-                  <a:lnTo>
-                    <a:pt x="3459" y="2412"/>
-                  </a:lnTo>
-                  <a:lnTo>
-                    <a:pt x="3532" y="2144"/>
-                  </a:lnTo>
-                  <a:lnTo>
-                    <a:pt x="3581" y="1852"/>
+                    <a:pt x="195" y="2583"/>
+                  </a:lnTo>
+                  <a:lnTo>
+                    <a:pt x="293" y="2729"/>
+                  </a:lnTo>
+                  <a:lnTo>
+                    <a:pt x="415" y="2875"/>
+                  </a:lnTo>
+                  <a:lnTo>
+                    <a:pt x="415" y="2875"/>
+                  </a:lnTo>
+                  <a:lnTo>
+                    <a:pt x="536" y="3021"/>
+                  </a:lnTo>
+                  <a:lnTo>
+                    <a:pt x="658" y="3143"/>
+                  </a:lnTo>
+                  <a:lnTo>
+                    <a:pt x="804" y="3240"/>
+                  </a:lnTo>
+                  <a:lnTo>
+                    <a:pt x="950" y="3313"/>
+                  </a:lnTo>
+                  <a:lnTo>
+                    <a:pt x="1121" y="3386"/>
+                  </a:lnTo>
+                  <a:lnTo>
+                    <a:pt x="1267" y="3459"/>
+                  </a:lnTo>
+                  <a:lnTo>
+                    <a:pt x="1437" y="3484"/>
+                  </a:lnTo>
+                  <a:lnTo>
+                    <a:pt x="1608" y="3508"/>
+                  </a:lnTo>
+                  <a:lnTo>
+                    <a:pt x="1778" y="3532"/>
+                  </a:lnTo>
+                  <a:lnTo>
+                    <a:pt x="1949" y="3508"/>
+                  </a:lnTo>
+                  <a:lnTo>
+                    <a:pt x="2119" y="3484"/>
+                  </a:lnTo>
+                  <a:lnTo>
+                    <a:pt x="2290" y="3435"/>
+                  </a:lnTo>
+                  <a:lnTo>
+                    <a:pt x="2460" y="3386"/>
+                  </a:lnTo>
+                  <a:lnTo>
+                    <a:pt x="2606" y="3313"/>
+                  </a:lnTo>
+                  <a:lnTo>
+                    <a:pt x="2777" y="3216"/>
+                  </a:lnTo>
+                  <a:lnTo>
+                    <a:pt x="2923" y="3118"/>
+                  </a:lnTo>
+                  <a:lnTo>
+                    <a:pt x="2923" y="3118"/>
+                  </a:lnTo>
+                  <a:lnTo>
+                    <a:pt x="3045" y="2997"/>
+                  </a:lnTo>
+                  <a:lnTo>
+                    <a:pt x="3167" y="2851"/>
+                  </a:lnTo>
+                  <a:lnTo>
+                    <a:pt x="3264" y="2704"/>
+                  </a:lnTo>
+                  <a:lnTo>
+                    <a:pt x="3361" y="2558"/>
+                  </a:lnTo>
+                  <a:lnTo>
+                    <a:pt x="3435" y="2412"/>
+                  </a:lnTo>
+                  <a:lnTo>
+                    <a:pt x="3483" y="2242"/>
+                  </a:lnTo>
+                  <a:lnTo>
+                    <a:pt x="3532" y="2071"/>
+                  </a:lnTo>
+                  <a:lnTo>
+                    <a:pt x="3556" y="1901"/>
+                  </a:lnTo>
+                  <a:lnTo>
+                    <a:pt x="3556" y="1730"/>
                   </a:lnTo>
                   <a:lnTo>
                     <a:pt x="3556" y="1560"/>
+                  </a:lnTo>
+                  <a:lnTo>
+                    <a:pt x="3532" y="1389"/>
+                  </a:lnTo>
+                  <a:lnTo>
+                    <a:pt x="3483" y="1219"/>
+                  </a:lnTo>
+                  <a:lnTo>
+                    <a:pt x="3410" y="1048"/>
+                  </a:lnTo>
+                  <a:lnTo>
+                    <a:pt x="3337" y="902"/>
+                  </a:lnTo>
+                  <a:lnTo>
+                    <a:pt x="3264" y="756"/>
+                  </a:lnTo>
+                  <a:lnTo>
+                    <a:pt x="3142" y="610"/>
+                  </a:lnTo>
+                  <a:lnTo>
+                    <a:pt x="3142" y="610"/>
+                  </a:lnTo>
+                  <a:lnTo>
+                    <a:pt x="2972" y="415"/>
+                  </a:lnTo>
+                  <a:lnTo>
+                    <a:pt x="2753" y="245"/>
+                  </a:lnTo>
+                  <a:lnTo>
+                    <a:pt x="2533" y="123"/>
+                  </a:lnTo>
+                  <a:lnTo>
+                    <a:pt x="2314" y="50"/>
                   </a:lnTo>
                 </a:path>
               </a:pathLst>
@@ -10642,198 +11070,204 @@
           </p:nvSpPr>
           <p:spPr>
             <a:xfrm>
-              <a:off x="5453325" y="5382475"/>
-              <a:ext cx="88925" cy="88325"/>
+              <a:off x="5682875" y="5188875"/>
+              <a:ext cx="88925" cy="89525"/>
             </a:xfrm>
             <a:custGeom>
               <a:rect b="b" l="l" r="r" t="t"/>
               <a:pathLst>
-                <a:path extrusionOk="0" fill="none" h="3533" w="3557">
+                <a:path extrusionOk="0" fill="none" h="3581" w="3557">
                   <a:moveTo>
-                    <a:pt x="1389" y="1"/>
+                    <a:pt x="0" y="2022"/>
                   </a:moveTo>
                   <a:lnTo>
-                    <a:pt x="1389" y="1"/>
-                  </a:lnTo>
-                  <a:lnTo>
-                    <a:pt x="1194" y="50"/>
-                  </a:lnTo>
-                  <a:lnTo>
-                    <a:pt x="999" y="147"/>
-                  </a:lnTo>
-                  <a:lnTo>
-                    <a:pt x="804" y="245"/>
-                  </a:lnTo>
-                  <a:lnTo>
-                    <a:pt x="634" y="366"/>
-                  </a:lnTo>
-                  <a:lnTo>
-                    <a:pt x="634" y="366"/>
-                  </a:lnTo>
-                  <a:lnTo>
-                    <a:pt x="488" y="488"/>
-                  </a:lnTo>
-                  <a:lnTo>
-                    <a:pt x="390" y="634"/>
-                  </a:lnTo>
-                  <a:lnTo>
-                    <a:pt x="268" y="780"/>
-                  </a:lnTo>
-                  <a:lnTo>
-                    <a:pt x="195" y="926"/>
-                  </a:lnTo>
-                  <a:lnTo>
-                    <a:pt x="122" y="1073"/>
-                  </a:lnTo>
-                  <a:lnTo>
-                    <a:pt x="74" y="1243"/>
-                  </a:lnTo>
-                  <a:lnTo>
-                    <a:pt x="25" y="1414"/>
-                  </a:lnTo>
-                  <a:lnTo>
-                    <a:pt x="0" y="1584"/>
-                  </a:lnTo>
-                  <a:lnTo>
-                    <a:pt x="0" y="1755"/>
-                  </a:lnTo>
-                  <a:lnTo>
-                    <a:pt x="0" y="1925"/>
-                  </a:lnTo>
-                  <a:lnTo>
-                    <a:pt x="25" y="2096"/>
-                  </a:lnTo>
-                  <a:lnTo>
-                    <a:pt x="74" y="2266"/>
-                  </a:lnTo>
-                  <a:lnTo>
-                    <a:pt x="122" y="2412"/>
-                  </a:lnTo>
-                  <a:lnTo>
-                    <a:pt x="195" y="2583"/>
-                  </a:lnTo>
-                  <a:lnTo>
-                    <a:pt x="293" y="2729"/>
-                  </a:lnTo>
-                  <a:lnTo>
-                    <a:pt x="415" y="2875"/>
-                  </a:lnTo>
-                  <a:lnTo>
-                    <a:pt x="415" y="2875"/>
-                  </a:lnTo>
-                  <a:lnTo>
-                    <a:pt x="536" y="3021"/>
-                  </a:lnTo>
-                  <a:lnTo>
-                    <a:pt x="658" y="3143"/>
-                  </a:lnTo>
-                  <a:lnTo>
-                    <a:pt x="804" y="3240"/>
-                  </a:lnTo>
-                  <a:lnTo>
-                    <a:pt x="950" y="3313"/>
-                  </a:lnTo>
-                  <a:lnTo>
-                    <a:pt x="1121" y="3386"/>
-                  </a:lnTo>
-                  <a:lnTo>
-                    <a:pt x="1267" y="3459"/>
-                  </a:lnTo>
-                  <a:lnTo>
-                    <a:pt x="1437" y="3484"/>
-                  </a:lnTo>
-                  <a:lnTo>
-                    <a:pt x="1608" y="3508"/>
-                  </a:lnTo>
-                  <a:lnTo>
-                    <a:pt x="1778" y="3532"/>
-                  </a:lnTo>
-                  <a:lnTo>
-                    <a:pt x="1949" y="3508"/>
-                  </a:lnTo>
-                  <a:lnTo>
-                    <a:pt x="2119" y="3484"/>
-                  </a:lnTo>
-                  <a:lnTo>
-                    <a:pt x="2290" y="3435"/>
-                  </a:lnTo>
-                  <a:lnTo>
-                    <a:pt x="2460" y="3386"/>
-                  </a:lnTo>
-                  <a:lnTo>
-                    <a:pt x="2606" y="3313"/>
-                  </a:lnTo>
-                  <a:lnTo>
-                    <a:pt x="2777" y="3216"/>
-                  </a:lnTo>
-                  <a:lnTo>
-                    <a:pt x="2923" y="3118"/>
-                  </a:lnTo>
-                  <a:lnTo>
-                    <a:pt x="2923" y="3118"/>
-                  </a:lnTo>
-                  <a:lnTo>
-                    <a:pt x="3045" y="2997"/>
-                  </a:lnTo>
-                  <a:lnTo>
-                    <a:pt x="3167" y="2851"/>
-                  </a:lnTo>
-                  <a:lnTo>
-                    <a:pt x="3264" y="2704"/>
-                  </a:lnTo>
-                  <a:lnTo>
-                    <a:pt x="3361" y="2558"/>
-                  </a:lnTo>
-                  <a:lnTo>
-                    <a:pt x="3435" y="2412"/>
-                  </a:lnTo>
-                  <a:lnTo>
-                    <a:pt x="3483" y="2242"/>
-                  </a:lnTo>
-                  <a:lnTo>
-                    <a:pt x="3532" y="2071"/>
-                  </a:lnTo>
-                  <a:lnTo>
-                    <a:pt x="3556" y="1901"/>
-                  </a:lnTo>
-                  <a:lnTo>
-                    <a:pt x="3556" y="1730"/>
-                  </a:lnTo>
-                  <a:lnTo>
-                    <a:pt x="3556" y="1560"/>
-                  </a:lnTo>
-                  <a:lnTo>
-                    <a:pt x="3532" y="1389"/>
-                  </a:lnTo>
-                  <a:lnTo>
-                    <a:pt x="3483" y="1219"/>
-                  </a:lnTo>
-                  <a:lnTo>
-                    <a:pt x="3410" y="1048"/>
-                  </a:lnTo>
-                  <a:lnTo>
-                    <a:pt x="3337" y="902"/>
-                  </a:lnTo>
-                  <a:lnTo>
-                    <a:pt x="3264" y="756"/>
-                  </a:lnTo>
-                  <a:lnTo>
-                    <a:pt x="3142" y="610"/>
-                  </a:lnTo>
-                  <a:lnTo>
-                    <a:pt x="3142" y="610"/>
-                  </a:lnTo>
-                  <a:lnTo>
-                    <a:pt x="2972" y="415"/>
-                  </a:lnTo>
-                  <a:lnTo>
-                    <a:pt x="2753" y="245"/>
-                  </a:lnTo>
-                  <a:lnTo>
-                    <a:pt x="2533" y="123"/>
-                  </a:lnTo>
-                  <a:lnTo>
-                    <a:pt x="2314" y="50"/>
+                    <a:pt x="0" y="2022"/>
+                  </a:lnTo>
+                  <a:lnTo>
+                    <a:pt x="25" y="2216"/>
+                  </a:lnTo>
+                  <a:lnTo>
+                    <a:pt x="98" y="2411"/>
+                  </a:lnTo>
+                  <a:lnTo>
+                    <a:pt x="98" y="2411"/>
+                  </a:lnTo>
+                  <a:lnTo>
+                    <a:pt x="171" y="2557"/>
+                  </a:lnTo>
+                  <a:lnTo>
+                    <a:pt x="244" y="2728"/>
+                  </a:lnTo>
+                  <a:lnTo>
+                    <a:pt x="341" y="2874"/>
+                  </a:lnTo>
+                  <a:lnTo>
+                    <a:pt x="463" y="2996"/>
+                  </a:lnTo>
+                  <a:lnTo>
+                    <a:pt x="585" y="3118"/>
+                  </a:lnTo>
+                  <a:lnTo>
+                    <a:pt x="707" y="3239"/>
+                  </a:lnTo>
+                  <a:lnTo>
+                    <a:pt x="853" y="3337"/>
+                  </a:lnTo>
+                  <a:lnTo>
+                    <a:pt x="999" y="3410"/>
+                  </a:lnTo>
+                  <a:lnTo>
+                    <a:pt x="1169" y="3483"/>
+                  </a:lnTo>
+                  <a:lnTo>
+                    <a:pt x="1340" y="3532"/>
+                  </a:lnTo>
+                  <a:lnTo>
+                    <a:pt x="1510" y="3556"/>
+                  </a:lnTo>
+                  <a:lnTo>
+                    <a:pt x="1681" y="3580"/>
+                  </a:lnTo>
+                  <a:lnTo>
+                    <a:pt x="1851" y="3580"/>
+                  </a:lnTo>
+                  <a:lnTo>
+                    <a:pt x="2022" y="3556"/>
+                  </a:lnTo>
+                  <a:lnTo>
+                    <a:pt x="2192" y="3532"/>
+                  </a:lnTo>
+                  <a:lnTo>
+                    <a:pt x="2363" y="3459"/>
+                  </a:lnTo>
+                  <a:lnTo>
+                    <a:pt x="2363" y="3459"/>
+                  </a:lnTo>
+                  <a:lnTo>
+                    <a:pt x="2533" y="3410"/>
+                  </a:lnTo>
+                  <a:lnTo>
+                    <a:pt x="2704" y="3312"/>
+                  </a:lnTo>
+                  <a:lnTo>
+                    <a:pt x="2850" y="3215"/>
+                  </a:lnTo>
+                  <a:lnTo>
+                    <a:pt x="2972" y="3093"/>
+                  </a:lnTo>
+                  <a:lnTo>
+                    <a:pt x="3093" y="2971"/>
+                  </a:lnTo>
+                  <a:lnTo>
+                    <a:pt x="3215" y="2850"/>
+                  </a:lnTo>
+                  <a:lnTo>
+                    <a:pt x="3288" y="2704"/>
+                  </a:lnTo>
+                  <a:lnTo>
+                    <a:pt x="3386" y="2557"/>
+                  </a:lnTo>
+                  <a:lnTo>
+                    <a:pt x="3434" y="2387"/>
+                  </a:lnTo>
+                  <a:lnTo>
+                    <a:pt x="3483" y="2216"/>
+                  </a:lnTo>
+                  <a:lnTo>
+                    <a:pt x="3532" y="2070"/>
+                  </a:lnTo>
+                  <a:lnTo>
+                    <a:pt x="3556" y="1875"/>
+                  </a:lnTo>
+                  <a:lnTo>
+                    <a:pt x="3556" y="1705"/>
+                  </a:lnTo>
+                  <a:lnTo>
+                    <a:pt x="3532" y="1534"/>
+                  </a:lnTo>
+                  <a:lnTo>
+                    <a:pt x="3507" y="1364"/>
+                  </a:lnTo>
+                  <a:lnTo>
+                    <a:pt x="3434" y="1194"/>
+                  </a:lnTo>
+                  <a:lnTo>
+                    <a:pt x="3434" y="1194"/>
+                  </a:lnTo>
+                  <a:lnTo>
+                    <a:pt x="3361" y="1023"/>
+                  </a:lnTo>
+                  <a:lnTo>
+                    <a:pt x="3288" y="853"/>
+                  </a:lnTo>
+                  <a:lnTo>
+                    <a:pt x="3191" y="706"/>
+                  </a:lnTo>
+                  <a:lnTo>
+                    <a:pt x="3069" y="585"/>
+                  </a:lnTo>
+                  <a:lnTo>
+                    <a:pt x="2947" y="463"/>
+                  </a:lnTo>
+                  <a:lnTo>
+                    <a:pt x="2825" y="341"/>
+                  </a:lnTo>
+                  <a:lnTo>
+                    <a:pt x="2679" y="268"/>
+                  </a:lnTo>
+                  <a:lnTo>
+                    <a:pt x="2533" y="171"/>
+                  </a:lnTo>
+                  <a:lnTo>
+                    <a:pt x="2363" y="122"/>
+                  </a:lnTo>
+                  <a:lnTo>
+                    <a:pt x="2192" y="73"/>
+                  </a:lnTo>
+                  <a:lnTo>
+                    <a:pt x="2022" y="24"/>
+                  </a:lnTo>
+                  <a:lnTo>
+                    <a:pt x="1851" y="24"/>
+                  </a:lnTo>
+                  <a:lnTo>
+                    <a:pt x="1681" y="0"/>
+                  </a:lnTo>
+                  <a:lnTo>
+                    <a:pt x="1510" y="24"/>
+                  </a:lnTo>
+                  <a:lnTo>
+                    <a:pt x="1340" y="73"/>
+                  </a:lnTo>
+                  <a:lnTo>
+                    <a:pt x="1169" y="122"/>
+                  </a:lnTo>
+                  <a:lnTo>
+                    <a:pt x="1169" y="122"/>
+                  </a:lnTo>
+                  <a:lnTo>
+                    <a:pt x="974" y="195"/>
+                  </a:lnTo>
+                  <a:lnTo>
+                    <a:pt x="804" y="292"/>
+                  </a:lnTo>
+                  <a:lnTo>
+                    <a:pt x="658" y="390"/>
+                  </a:lnTo>
+                  <a:lnTo>
+                    <a:pt x="512" y="512"/>
+                  </a:lnTo>
+                  <a:lnTo>
+                    <a:pt x="390" y="658"/>
+                  </a:lnTo>
+                  <a:lnTo>
+                    <a:pt x="293" y="804"/>
+                  </a:lnTo>
+                  <a:lnTo>
+                    <a:pt x="195" y="950"/>
+                  </a:lnTo>
+                  <a:lnTo>
+                    <a:pt x="122" y="1120"/>
                   </a:lnTo>
                 </a:path>
               </a:pathLst>
@@ -10883,205 +11317,224 @@
           </p:nvSpPr>
           <p:spPr>
             <a:xfrm>
-              <a:off x="5682875" y="5188875"/>
-              <a:ext cx="88925" cy="89525"/>
+              <a:off x="5411925" y="5110925"/>
+              <a:ext cx="188775" cy="189400"/>
             </a:xfrm>
             <a:custGeom>
               <a:rect b="b" l="l" r="r" t="t"/>
               <a:pathLst>
-                <a:path extrusionOk="0" fill="none" h="3581" w="3557">
+                <a:path extrusionOk="0" fill="none" h="7576" w="7551">
                   <a:moveTo>
-                    <a:pt x="0" y="2022"/>
+                    <a:pt x="0" y="3776"/>
                   </a:moveTo>
                   <a:lnTo>
-                    <a:pt x="0" y="2022"/>
-                  </a:lnTo>
-                  <a:lnTo>
-                    <a:pt x="25" y="2216"/>
-                  </a:lnTo>
-                  <a:lnTo>
-                    <a:pt x="98" y="2411"/>
-                  </a:lnTo>
-                  <a:lnTo>
-                    <a:pt x="98" y="2411"/>
-                  </a:lnTo>
-                  <a:lnTo>
-                    <a:pt x="171" y="2557"/>
-                  </a:lnTo>
-                  <a:lnTo>
-                    <a:pt x="244" y="2728"/>
-                  </a:lnTo>
-                  <a:lnTo>
-                    <a:pt x="341" y="2874"/>
-                  </a:lnTo>
-                  <a:lnTo>
-                    <a:pt x="463" y="2996"/>
-                  </a:lnTo>
-                  <a:lnTo>
-                    <a:pt x="585" y="3118"/>
-                  </a:lnTo>
-                  <a:lnTo>
-                    <a:pt x="707" y="3239"/>
-                  </a:lnTo>
-                  <a:lnTo>
-                    <a:pt x="853" y="3337"/>
-                  </a:lnTo>
-                  <a:lnTo>
-                    <a:pt x="999" y="3410"/>
-                  </a:lnTo>
-                  <a:lnTo>
-                    <a:pt x="1169" y="3483"/>
-                  </a:lnTo>
-                  <a:lnTo>
-                    <a:pt x="1340" y="3532"/>
-                  </a:lnTo>
-                  <a:lnTo>
-                    <a:pt x="1510" y="3556"/>
-                  </a:lnTo>
-                  <a:lnTo>
-                    <a:pt x="1681" y="3580"/>
-                  </a:lnTo>
-                  <a:lnTo>
-                    <a:pt x="1851" y="3580"/>
-                  </a:lnTo>
-                  <a:lnTo>
-                    <a:pt x="2022" y="3556"/>
-                  </a:lnTo>
-                  <a:lnTo>
-                    <a:pt x="2192" y="3532"/>
-                  </a:lnTo>
-                  <a:lnTo>
-                    <a:pt x="2363" y="3459"/>
-                  </a:lnTo>
-                  <a:lnTo>
-                    <a:pt x="2363" y="3459"/>
-                  </a:lnTo>
-                  <a:lnTo>
-                    <a:pt x="2533" y="3410"/>
-                  </a:lnTo>
-                  <a:lnTo>
-                    <a:pt x="2704" y="3312"/>
-                  </a:lnTo>
-                  <a:lnTo>
-                    <a:pt x="2850" y="3215"/>
-                  </a:lnTo>
-                  <a:lnTo>
-                    <a:pt x="2972" y="3093"/>
-                  </a:lnTo>
-                  <a:lnTo>
-                    <a:pt x="3093" y="2971"/>
-                  </a:lnTo>
-                  <a:lnTo>
-                    <a:pt x="3215" y="2850"/>
-                  </a:lnTo>
-                  <a:lnTo>
-                    <a:pt x="3288" y="2704"/>
-                  </a:lnTo>
-                  <a:lnTo>
-                    <a:pt x="3386" y="2557"/>
-                  </a:lnTo>
-                  <a:lnTo>
-                    <a:pt x="3434" y="2387"/>
-                  </a:lnTo>
-                  <a:lnTo>
-                    <a:pt x="3483" y="2216"/>
-                  </a:lnTo>
-                  <a:lnTo>
-                    <a:pt x="3532" y="2070"/>
-                  </a:lnTo>
-                  <a:lnTo>
-                    <a:pt x="3556" y="1875"/>
-                  </a:lnTo>
-                  <a:lnTo>
-                    <a:pt x="3556" y="1705"/>
-                  </a:lnTo>
-                  <a:lnTo>
-                    <a:pt x="3532" y="1534"/>
-                  </a:lnTo>
-                  <a:lnTo>
-                    <a:pt x="3507" y="1364"/>
-                  </a:lnTo>
-                  <a:lnTo>
-                    <a:pt x="3434" y="1194"/>
-                  </a:lnTo>
-                  <a:lnTo>
-                    <a:pt x="3434" y="1194"/>
-                  </a:lnTo>
-                  <a:lnTo>
-                    <a:pt x="3361" y="1023"/>
-                  </a:lnTo>
-                  <a:lnTo>
-                    <a:pt x="3288" y="853"/>
-                  </a:lnTo>
-                  <a:lnTo>
-                    <a:pt x="3191" y="706"/>
-                  </a:lnTo>
-                  <a:lnTo>
-                    <a:pt x="3069" y="585"/>
-                  </a:lnTo>
-                  <a:lnTo>
-                    <a:pt x="2947" y="463"/>
-                  </a:lnTo>
-                  <a:lnTo>
-                    <a:pt x="2825" y="341"/>
-                  </a:lnTo>
-                  <a:lnTo>
-                    <a:pt x="2679" y="268"/>
-                  </a:lnTo>
-                  <a:lnTo>
-                    <a:pt x="2533" y="171"/>
-                  </a:lnTo>
-                  <a:lnTo>
-                    <a:pt x="2363" y="122"/>
-                  </a:lnTo>
-                  <a:lnTo>
-                    <a:pt x="2192" y="73"/>
-                  </a:lnTo>
-                  <a:lnTo>
-                    <a:pt x="2022" y="24"/>
-                  </a:lnTo>
-                  <a:lnTo>
-                    <a:pt x="1851" y="24"/>
-                  </a:lnTo>
-                  <a:lnTo>
-                    <a:pt x="1681" y="0"/>
-                  </a:lnTo>
-                  <a:lnTo>
-                    <a:pt x="1510" y="24"/>
-                  </a:lnTo>
-                  <a:lnTo>
-                    <a:pt x="1340" y="73"/>
-                  </a:lnTo>
-                  <a:lnTo>
-                    <a:pt x="1169" y="122"/>
-                  </a:lnTo>
-                  <a:lnTo>
-                    <a:pt x="1169" y="122"/>
-                  </a:lnTo>
-                  <a:lnTo>
-                    <a:pt x="974" y="195"/>
-                  </a:lnTo>
-                  <a:lnTo>
-                    <a:pt x="804" y="292"/>
-                  </a:lnTo>
-                  <a:lnTo>
-                    <a:pt x="658" y="390"/>
-                  </a:lnTo>
-                  <a:lnTo>
-                    <a:pt x="512" y="512"/>
-                  </a:lnTo>
-                  <a:lnTo>
-                    <a:pt x="390" y="658"/>
-                  </a:lnTo>
-                  <a:lnTo>
-                    <a:pt x="293" y="804"/>
-                  </a:lnTo>
-                  <a:lnTo>
-                    <a:pt x="195" y="950"/>
-                  </a:lnTo>
-                  <a:lnTo>
-                    <a:pt x="122" y="1120"/>
-                  </a:lnTo>
+                    <a:pt x="0" y="3776"/>
+                  </a:lnTo>
+                  <a:lnTo>
+                    <a:pt x="25" y="3410"/>
+                  </a:lnTo>
+                  <a:lnTo>
+                    <a:pt x="73" y="3021"/>
+                  </a:lnTo>
+                  <a:lnTo>
+                    <a:pt x="171" y="2655"/>
+                  </a:lnTo>
+                  <a:lnTo>
+                    <a:pt x="293" y="2314"/>
+                  </a:lnTo>
+                  <a:lnTo>
+                    <a:pt x="463" y="1973"/>
+                  </a:lnTo>
+                  <a:lnTo>
+                    <a:pt x="658" y="1681"/>
+                  </a:lnTo>
+                  <a:lnTo>
+                    <a:pt x="877" y="1389"/>
+                  </a:lnTo>
+                  <a:lnTo>
+                    <a:pt x="1121" y="1121"/>
+                  </a:lnTo>
+                  <a:lnTo>
+                    <a:pt x="1389" y="877"/>
+                  </a:lnTo>
+                  <a:lnTo>
+                    <a:pt x="1656" y="658"/>
+                  </a:lnTo>
+                  <a:lnTo>
+                    <a:pt x="1973" y="463"/>
+                  </a:lnTo>
+                  <a:lnTo>
+                    <a:pt x="2314" y="293"/>
+                  </a:lnTo>
+                  <a:lnTo>
+                    <a:pt x="2655" y="171"/>
+                  </a:lnTo>
+                  <a:lnTo>
+                    <a:pt x="3020" y="74"/>
+                  </a:lnTo>
+                  <a:lnTo>
+                    <a:pt x="3386" y="25"/>
+                  </a:lnTo>
+                  <a:lnTo>
+                    <a:pt x="3775" y="1"/>
+                  </a:lnTo>
+                  <a:lnTo>
+                    <a:pt x="3775" y="1"/>
+                  </a:lnTo>
+                  <a:lnTo>
+                    <a:pt x="4165" y="25"/>
+                  </a:lnTo>
+                  <a:lnTo>
+                    <a:pt x="4555" y="74"/>
+                  </a:lnTo>
+                  <a:lnTo>
+                    <a:pt x="4896" y="171"/>
+                  </a:lnTo>
+                  <a:lnTo>
+                    <a:pt x="5261" y="293"/>
+                  </a:lnTo>
+                  <a:lnTo>
+                    <a:pt x="5578" y="463"/>
+                  </a:lnTo>
+                  <a:lnTo>
+                    <a:pt x="5894" y="658"/>
+                  </a:lnTo>
+                  <a:lnTo>
+                    <a:pt x="6186" y="877"/>
+                  </a:lnTo>
+                  <a:lnTo>
+                    <a:pt x="6454" y="1121"/>
+                  </a:lnTo>
+                  <a:lnTo>
+                    <a:pt x="6698" y="1389"/>
+                  </a:lnTo>
+                  <a:lnTo>
+                    <a:pt x="6917" y="1681"/>
+                  </a:lnTo>
+                  <a:lnTo>
+                    <a:pt x="7112" y="1973"/>
+                  </a:lnTo>
+                  <a:lnTo>
+                    <a:pt x="7258" y="2314"/>
+                  </a:lnTo>
+                  <a:lnTo>
+                    <a:pt x="7404" y="2655"/>
+                  </a:lnTo>
+                  <a:lnTo>
+                    <a:pt x="7477" y="3021"/>
+                  </a:lnTo>
+                  <a:lnTo>
+                    <a:pt x="7550" y="3410"/>
+                  </a:lnTo>
+                  <a:lnTo>
+                    <a:pt x="7550" y="3776"/>
+                  </a:lnTo>
+                  <a:lnTo>
+                    <a:pt x="7550" y="3776"/>
+                  </a:lnTo>
+                  <a:lnTo>
+                    <a:pt x="7550" y="4165"/>
+                  </a:lnTo>
+                  <a:lnTo>
+                    <a:pt x="7477" y="4555"/>
+                  </a:lnTo>
+                  <a:lnTo>
+                    <a:pt x="7404" y="4920"/>
+                  </a:lnTo>
+                  <a:lnTo>
+                    <a:pt x="7258" y="5261"/>
+                  </a:lnTo>
+                  <a:lnTo>
+                    <a:pt x="7112" y="5578"/>
+                  </a:lnTo>
+                  <a:lnTo>
+                    <a:pt x="6917" y="5895"/>
+                  </a:lnTo>
+                  <a:lnTo>
+                    <a:pt x="6698" y="6187"/>
+                  </a:lnTo>
+                  <a:lnTo>
+                    <a:pt x="6454" y="6455"/>
+                  </a:lnTo>
+                  <a:lnTo>
+                    <a:pt x="6186" y="6698"/>
+                  </a:lnTo>
+                  <a:lnTo>
+                    <a:pt x="5894" y="6917"/>
+                  </a:lnTo>
+                  <a:lnTo>
+                    <a:pt x="5578" y="7112"/>
+                  </a:lnTo>
+                  <a:lnTo>
+                    <a:pt x="5261" y="7258"/>
+                  </a:lnTo>
+                  <a:lnTo>
+                    <a:pt x="4896" y="7405"/>
+                  </a:lnTo>
+                  <a:lnTo>
+                    <a:pt x="4555" y="7478"/>
+                  </a:lnTo>
+                  <a:lnTo>
+                    <a:pt x="4165" y="7551"/>
+                  </a:lnTo>
+                  <a:lnTo>
+                    <a:pt x="3775" y="7575"/>
+                  </a:lnTo>
+                  <a:lnTo>
+                    <a:pt x="3775" y="7575"/>
+                  </a:lnTo>
+                  <a:lnTo>
+                    <a:pt x="3386" y="7551"/>
+                  </a:lnTo>
+                  <a:lnTo>
+                    <a:pt x="3020" y="7478"/>
+                  </a:lnTo>
+                  <a:lnTo>
+                    <a:pt x="2655" y="7405"/>
+                  </a:lnTo>
+                  <a:lnTo>
+                    <a:pt x="2314" y="7258"/>
+                  </a:lnTo>
+                  <a:lnTo>
+                    <a:pt x="1973" y="7112"/>
+                  </a:lnTo>
+                  <a:lnTo>
+                    <a:pt x="1656" y="6917"/>
+                  </a:lnTo>
+                  <a:lnTo>
+                    <a:pt x="1389" y="6698"/>
+                  </a:lnTo>
+                  <a:lnTo>
+                    <a:pt x="1121" y="6455"/>
+                  </a:lnTo>
+                  <a:lnTo>
+                    <a:pt x="877" y="6187"/>
+                  </a:lnTo>
+                  <a:lnTo>
+                    <a:pt x="658" y="5895"/>
+                  </a:lnTo>
+                  <a:lnTo>
+                    <a:pt x="463" y="5578"/>
+                  </a:lnTo>
+                  <a:lnTo>
+                    <a:pt x="293" y="5261"/>
+                  </a:lnTo>
+                  <a:lnTo>
+                    <a:pt x="171" y="4920"/>
+                  </a:lnTo>
+                  <a:lnTo>
+                    <a:pt x="73" y="4555"/>
+                  </a:lnTo>
+                  <a:lnTo>
+                    <a:pt x="25" y="4165"/>
+                  </a:lnTo>
+                  <a:lnTo>
+                    <a:pt x="0" y="3776"/>
+                  </a:lnTo>
+                  <a:lnTo>
+                    <a:pt x="0" y="3776"/>
+                  </a:lnTo>
+                  <a:close/>
                 </a:path>
               </a:pathLst>
             </a:custGeom>
@@ -11130,224 +11583,19 @@
           </p:nvSpPr>
           <p:spPr>
             <a:xfrm>
-              <a:off x="5411925" y="5110925"/>
-              <a:ext cx="188775" cy="189400"/>
+              <a:off x="5367475" y="5025075"/>
+              <a:ext cx="81600" cy="105975"/>
             </a:xfrm>
             <a:custGeom>
               <a:rect b="b" l="l" r="r" t="t"/>
               <a:pathLst>
-                <a:path extrusionOk="0" fill="none" h="7576" w="7551">
+                <a:path extrusionOk="0" fill="none" h="4239" w="3264">
                   <a:moveTo>
-                    <a:pt x="0" y="3776"/>
+                    <a:pt x="0" y="1"/>
                   </a:moveTo>
                   <a:lnTo>
-                    <a:pt x="0" y="3776"/>
-                  </a:lnTo>
-                  <a:lnTo>
-                    <a:pt x="25" y="3410"/>
-                  </a:lnTo>
-                  <a:lnTo>
-                    <a:pt x="73" y="3021"/>
-                  </a:lnTo>
-                  <a:lnTo>
-                    <a:pt x="171" y="2655"/>
-                  </a:lnTo>
-                  <a:lnTo>
-                    <a:pt x="293" y="2314"/>
-                  </a:lnTo>
-                  <a:lnTo>
-                    <a:pt x="463" y="1973"/>
-                  </a:lnTo>
-                  <a:lnTo>
-                    <a:pt x="658" y="1681"/>
-                  </a:lnTo>
-                  <a:lnTo>
-                    <a:pt x="877" y="1389"/>
-                  </a:lnTo>
-                  <a:lnTo>
-                    <a:pt x="1121" y="1121"/>
-                  </a:lnTo>
-                  <a:lnTo>
-                    <a:pt x="1389" y="877"/>
-                  </a:lnTo>
-                  <a:lnTo>
-                    <a:pt x="1656" y="658"/>
-                  </a:lnTo>
-                  <a:lnTo>
-                    <a:pt x="1973" y="463"/>
-                  </a:lnTo>
-                  <a:lnTo>
-                    <a:pt x="2314" y="293"/>
-                  </a:lnTo>
-                  <a:lnTo>
-                    <a:pt x="2655" y="171"/>
-                  </a:lnTo>
-                  <a:lnTo>
-                    <a:pt x="3020" y="74"/>
-                  </a:lnTo>
-                  <a:lnTo>
-                    <a:pt x="3386" y="25"/>
-                  </a:lnTo>
-                  <a:lnTo>
-                    <a:pt x="3775" y="1"/>
-                  </a:lnTo>
-                  <a:lnTo>
-                    <a:pt x="3775" y="1"/>
-                  </a:lnTo>
-                  <a:lnTo>
-                    <a:pt x="4165" y="25"/>
-                  </a:lnTo>
-                  <a:lnTo>
-                    <a:pt x="4555" y="74"/>
-                  </a:lnTo>
-                  <a:lnTo>
-                    <a:pt x="4896" y="171"/>
-                  </a:lnTo>
-                  <a:lnTo>
-                    <a:pt x="5261" y="293"/>
-                  </a:lnTo>
-                  <a:lnTo>
-                    <a:pt x="5578" y="463"/>
-                  </a:lnTo>
-                  <a:lnTo>
-                    <a:pt x="5894" y="658"/>
-                  </a:lnTo>
-                  <a:lnTo>
-                    <a:pt x="6186" y="877"/>
-                  </a:lnTo>
-                  <a:lnTo>
-                    <a:pt x="6454" y="1121"/>
-                  </a:lnTo>
-                  <a:lnTo>
-                    <a:pt x="6698" y="1389"/>
-                  </a:lnTo>
-                  <a:lnTo>
-                    <a:pt x="6917" y="1681"/>
-                  </a:lnTo>
-                  <a:lnTo>
-                    <a:pt x="7112" y="1973"/>
-                  </a:lnTo>
-                  <a:lnTo>
-                    <a:pt x="7258" y="2314"/>
-                  </a:lnTo>
-                  <a:lnTo>
-                    <a:pt x="7404" y="2655"/>
-                  </a:lnTo>
-                  <a:lnTo>
-                    <a:pt x="7477" y="3021"/>
-                  </a:lnTo>
-                  <a:lnTo>
-                    <a:pt x="7550" y="3410"/>
-                  </a:lnTo>
-                  <a:lnTo>
-                    <a:pt x="7550" y="3776"/>
-                  </a:lnTo>
-                  <a:lnTo>
-                    <a:pt x="7550" y="3776"/>
-                  </a:lnTo>
-                  <a:lnTo>
-                    <a:pt x="7550" y="4165"/>
-                  </a:lnTo>
-                  <a:lnTo>
-                    <a:pt x="7477" y="4555"/>
-                  </a:lnTo>
-                  <a:lnTo>
-                    <a:pt x="7404" y="4920"/>
-                  </a:lnTo>
-                  <a:lnTo>
-                    <a:pt x="7258" y="5261"/>
-                  </a:lnTo>
-                  <a:lnTo>
-                    <a:pt x="7112" y="5578"/>
-                  </a:lnTo>
-                  <a:lnTo>
-                    <a:pt x="6917" y="5895"/>
-                  </a:lnTo>
-                  <a:lnTo>
-                    <a:pt x="6698" y="6187"/>
-                  </a:lnTo>
-                  <a:lnTo>
-                    <a:pt x="6454" y="6455"/>
-                  </a:lnTo>
-                  <a:lnTo>
-                    <a:pt x="6186" y="6698"/>
-                  </a:lnTo>
-                  <a:lnTo>
-                    <a:pt x="5894" y="6917"/>
-                  </a:lnTo>
-                  <a:lnTo>
-                    <a:pt x="5578" y="7112"/>
-                  </a:lnTo>
-                  <a:lnTo>
-                    <a:pt x="5261" y="7258"/>
-                  </a:lnTo>
-                  <a:lnTo>
-                    <a:pt x="4896" y="7405"/>
-                  </a:lnTo>
-                  <a:lnTo>
-                    <a:pt x="4555" y="7478"/>
-                  </a:lnTo>
-                  <a:lnTo>
-                    <a:pt x="4165" y="7551"/>
-                  </a:lnTo>
-                  <a:lnTo>
-                    <a:pt x="3775" y="7575"/>
-                  </a:lnTo>
-                  <a:lnTo>
-                    <a:pt x="3775" y="7575"/>
-                  </a:lnTo>
-                  <a:lnTo>
-                    <a:pt x="3386" y="7551"/>
-                  </a:lnTo>
-                  <a:lnTo>
-                    <a:pt x="3020" y="7478"/>
-                  </a:lnTo>
-                  <a:lnTo>
-                    <a:pt x="2655" y="7405"/>
-                  </a:lnTo>
-                  <a:lnTo>
-                    <a:pt x="2314" y="7258"/>
-                  </a:lnTo>
-                  <a:lnTo>
-                    <a:pt x="1973" y="7112"/>
-                  </a:lnTo>
-                  <a:lnTo>
-                    <a:pt x="1656" y="6917"/>
-                  </a:lnTo>
-                  <a:lnTo>
-                    <a:pt x="1389" y="6698"/>
-                  </a:lnTo>
-                  <a:lnTo>
-                    <a:pt x="1121" y="6455"/>
-                  </a:lnTo>
-                  <a:lnTo>
-                    <a:pt x="877" y="6187"/>
-                  </a:lnTo>
-                  <a:lnTo>
-                    <a:pt x="658" y="5895"/>
-                  </a:lnTo>
-                  <a:lnTo>
-                    <a:pt x="463" y="5578"/>
-                  </a:lnTo>
-                  <a:lnTo>
-                    <a:pt x="293" y="5261"/>
-                  </a:lnTo>
-                  <a:lnTo>
-                    <a:pt x="171" y="4920"/>
-                  </a:lnTo>
-                  <a:lnTo>
-                    <a:pt x="73" y="4555"/>
-                  </a:lnTo>
-                  <a:lnTo>
-                    <a:pt x="25" y="4165"/>
-                  </a:lnTo>
-                  <a:lnTo>
-                    <a:pt x="0" y="3776"/>
-                  </a:lnTo>
-                  <a:lnTo>
-                    <a:pt x="0" y="3776"/>
-                  </a:lnTo>
-                  <a:close/>
+                    <a:pt x="3264" y="4238"/>
+                  </a:lnTo>
                 </a:path>
               </a:pathLst>
             </a:custGeom>
@@ -11396,18 +11644,18 @@
           </p:nvSpPr>
           <p:spPr>
             <a:xfrm>
-              <a:off x="5367475" y="5025075"/>
-              <a:ext cx="81600" cy="105975"/>
+              <a:off x="5567800" y="4999500"/>
+              <a:ext cx="115100" cy="133975"/>
             </a:xfrm>
             <a:custGeom>
               <a:rect b="b" l="l" r="r" t="t"/>
               <a:pathLst>
-                <a:path extrusionOk="0" fill="none" h="4239" w="3264">
+                <a:path extrusionOk="0" fill="none" h="5359" w="4604">
                   <a:moveTo>
-                    <a:pt x="0" y="1"/>
+                    <a:pt x="0" y="5359"/>
                   </a:moveTo>
                   <a:lnTo>
-                    <a:pt x="3264" y="4238"/>
+                    <a:pt x="4603" y="1"/>
                   </a:lnTo>
                 </a:path>
               </a:pathLst>
@@ -11457,18 +11705,18 @@
           </p:nvSpPr>
           <p:spPr>
             <a:xfrm>
-              <a:off x="5567800" y="4999500"/>
-              <a:ext cx="115100" cy="133975"/>
+              <a:off x="5600075" y="5217475"/>
+              <a:ext cx="127275" cy="16475"/>
             </a:xfrm>
             <a:custGeom>
               <a:rect b="b" l="l" r="r" t="t"/>
               <a:pathLst>
-                <a:path extrusionOk="0" fill="none" h="5359" w="4604">
+                <a:path extrusionOk="0" fill="none" h="659" w="5091">
                   <a:moveTo>
-                    <a:pt x="0" y="5359"/>
+                    <a:pt x="5090" y="658"/>
                   </a:moveTo>
                   <a:lnTo>
-                    <a:pt x="4603" y="1"/>
+                    <a:pt x="0" y="1"/>
                   </a:lnTo>
                 </a:path>
               </a:pathLst>
@@ -11518,18 +11766,18 @@
           </p:nvSpPr>
           <p:spPr>
             <a:xfrm>
-              <a:off x="5600075" y="5217475"/>
-              <a:ext cx="127275" cy="16475"/>
+              <a:off x="5497775" y="5299675"/>
+              <a:ext cx="4900" cy="126675"/>
             </a:xfrm>
             <a:custGeom>
               <a:rect b="b" l="l" r="r" t="t"/>
               <a:pathLst>
-                <a:path extrusionOk="0" fill="none" h="659" w="5091">
+                <a:path extrusionOk="0" fill="none" h="5067" w="196">
                   <a:moveTo>
-                    <a:pt x="5090" y="658"/>
+                    <a:pt x="0" y="5067"/>
                   </a:moveTo>
                   <a:lnTo>
-                    <a:pt x="0" y="1"/>
+                    <a:pt x="195" y="1"/>
                   </a:lnTo>
                 </a:path>
               </a:pathLst>
@@ -11579,67 +11827,6 @@
           </p:nvSpPr>
           <p:spPr>
             <a:xfrm>
-              <a:off x="5497775" y="5299675"/>
-              <a:ext cx="4900" cy="126675"/>
-            </a:xfrm>
-            <a:custGeom>
-              <a:rect b="b" l="l" r="r" t="t"/>
-              <a:pathLst>
-                <a:path extrusionOk="0" fill="none" h="5067" w="196">
-                  <a:moveTo>
-                    <a:pt x="0" y="5067"/>
-                  </a:moveTo>
-                  <a:lnTo>
-                    <a:pt x="195" y="1"/>
-                  </a:lnTo>
-                </a:path>
-              </a:pathLst>
-            </a:custGeom>
-            <a:noFill/>
-            <a:ln cap="rnd" cmpd="sng" w="12175">
-              <a:solidFill>
-                <a:srgbClr val="0091EA"/>
-              </a:solidFill>
-              <a:prstDash val="solid"/>
-              <a:round/>
-              <a:headEnd len="sm" w="sm" type="none"/>
-              <a:tailEnd len="sm" w="sm" type="none"/>
-            </a:ln>
-          </p:spPr>
-          <p:txBody>
-            <a:bodyPr anchorCtr="0" anchor="ctr" bIns="91425" lIns="91425" spcFirstLastPara="1" rIns="91425" wrap="square" tIns="91425">
-              <a:noAutofit/>
-            </a:bodyPr>
-            <a:lstStyle/>
-            <a:p>
-              <a:pPr indent="0" lvl="0" marL="0" rtl="0" algn="l">
-                <a:spcBef>
-                  <a:spcPts val="0"/>
-                </a:spcBef>
-                <a:spcAft>
-                  <a:spcPts val="0"/>
-                </a:spcAft>
-                <a:buNone/>
-              </a:pPr>
-              <a:r>
-                <a:t/>
-              </a:r>
-              <a:endParaRPr>
-                <a:solidFill>
-                  <a:srgbClr val="0091EA"/>
-                </a:solidFill>
-              </a:endParaRPr>
-            </a:p>
-          </p:txBody>
-        </p:sp>
-        <p:sp>
-          <p:nvSpPr>
-            <p:cNvPr id="192" name="Google Shape;192;p21"/>
-            <p:cNvSpPr/>
-            <p:nvPr/>
-          </p:nvSpPr>
-          <p:spPr>
-            <a:xfrm>
               <a:off x="5277975" y="5241825"/>
               <a:ext cx="141275" cy="58500"/>
             </a:xfrm>
@@ -11696,7 +11883,7 @@
       </p:grpSp>
       <p:grpSp>
         <p:nvGrpSpPr>
-          <p:cNvPr id="193" name="Google Shape;193;p21"/>
+          <p:cNvPr id="192" name="Google Shape;192;p21"/>
           <p:cNvGrpSpPr/>
           <p:nvPr/>
         </p:nvGrpSpPr>
@@ -11710,7 +11897,7 @@
         </p:grpSpPr>
         <p:sp>
           <p:nvSpPr>
-            <p:cNvPr id="194" name="Google Shape;194;p21"/>
+            <p:cNvPr id="193" name="Google Shape;193;p21"/>
             <p:cNvSpPr/>
             <p:nvPr/>
           </p:nvSpPr>
@@ -12076,6 +12263,271 @@
                   </a:lnTo>
                   <a:lnTo>
                     <a:pt x="13615" y="3094"/>
+                  </a:lnTo>
+                </a:path>
+              </a:pathLst>
+            </a:custGeom>
+            <a:noFill/>
+            <a:ln cap="rnd" cmpd="sng" w="12175">
+              <a:solidFill>
+                <a:srgbClr val="0091EA"/>
+              </a:solidFill>
+              <a:prstDash val="solid"/>
+              <a:round/>
+              <a:headEnd len="sm" w="sm" type="none"/>
+              <a:tailEnd len="sm" w="sm" type="none"/>
+            </a:ln>
+          </p:spPr>
+          <p:txBody>
+            <a:bodyPr anchorCtr="0" anchor="ctr" bIns="91425" lIns="91425" spcFirstLastPara="1" rIns="91425" wrap="square" tIns="91425">
+              <a:noAutofit/>
+            </a:bodyPr>
+            <a:lstStyle/>
+            <a:p>
+              <a:pPr indent="0" lvl="0" marL="0" rtl="0" algn="l">
+                <a:spcBef>
+                  <a:spcPts val="0"/>
+                </a:spcBef>
+                <a:spcAft>
+                  <a:spcPts val="0"/>
+                </a:spcAft>
+                <a:buNone/>
+              </a:pPr>
+              <a:r>
+                <a:t/>
+              </a:r>
+              <a:endParaRPr>
+                <a:solidFill>
+                  <a:srgbClr val="0091EA"/>
+                </a:solidFill>
+              </a:endParaRPr>
+            </a:p>
+          </p:txBody>
+        </p:sp>
+        <p:sp>
+          <p:nvSpPr>
+            <p:cNvPr id="194" name="Google Shape;194;p21"/>
+            <p:cNvSpPr/>
+            <p:nvPr/>
+          </p:nvSpPr>
+          <p:spPr>
+            <a:xfrm>
+              <a:off x="6009825" y="1727425"/>
+              <a:ext cx="279500" cy="279500"/>
+            </a:xfrm>
+            <a:custGeom>
+              <a:rect b="b" l="l" r="r" t="t"/>
+              <a:pathLst>
+                <a:path extrusionOk="0" fill="none" h="11180" w="11180">
+                  <a:moveTo>
+                    <a:pt x="10181" y="2387"/>
+                  </a:moveTo>
+                  <a:lnTo>
+                    <a:pt x="10181" y="2387"/>
+                  </a:lnTo>
+                  <a:lnTo>
+                    <a:pt x="10400" y="2728"/>
+                  </a:lnTo>
+                  <a:lnTo>
+                    <a:pt x="10595" y="3093"/>
+                  </a:lnTo>
+                  <a:lnTo>
+                    <a:pt x="10766" y="3483"/>
+                  </a:lnTo>
+                  <a:lnTo>
+                    <a:pt x="10912" y="3873"/>
+                  </a:lnTo>
+                  <a:lnTo>
+                    <a:pt x="11034" y="4287"/>
+                  </a:lnTo>
+                  <a:lnTo>
+                    <a:pt x="11107" y="4701"/>
+                  </a:lnTo>
+                  <a:lnTo>
+                    <a:pt x="11180" y="5139"/>
+                  </a:lnTo>
+                  <a:lnTo>
+                    <a:pt x="11180" y="5577"/>
+                  </a:lnTo>
+                  <a:lnTo>
+                    <a:pt x="11180" y="5577"/>
+                  </a:lnTo>
+                  <a:lnTo>
+                    <a:pt x="11155" y="6162"/>
+                  </a:lnTo>
+                  <a:lnTo>
+                    <a:pt x="11082" y="6722"/>
+                  </a:lnTo>
+                  <a:lnTo>
+                    <a:pt x="10936" y="7234"/>
+                  </a:lnTo>
+                  <a:lnTo>
+                    <a:pt x="10741" y="7769"/>
+                  </a:lnTo>
+                  <a:lnTo>
+                    <a:pt x="10522" y="8257"/>
+                  </a:lnTo>
+                  <a:lnTo>
+                    <a:pt x="10230" y="8695"/>
+                  </a:lnTo>
+                  <a:lnTo>
+                    <a:pt x="9913" y="9133"/>
+                  </a:lnTo>
+                  <a:lnTo>
+                    <a:pt x="9548" y="9523"/>
+                  </a:lnTo>
+                  <a:lnTo>
+                    <a:pt x="9158" y="9888"/>
+                  </a:lnTo>
+                  <a:lnTo>
+                    <a:pt x="8720" y="10205"/>
+                  </a:lnTo>
+                  <a:lnTo>
+                    <a:pt x="8257" y="10497"/>
+                  </a:lnTo>
+                  <a:lnTo>
+                    <a:pt x="7770" y="10741"/>
+                  </a:lnTo>
+                  <a:lnTo>
+                    <a:pt x="7259" y="10911"/>
+                  </a:lnTo>
+                  <a:lnTo>
+                    <a:pt x="6723" y="11057"/>
+                  </a:lnTo>
+                  <a:lnTo>
+                    <a:pt x="6163" y="11155"/>
+                  </a:lnTo>
+                  <a:lnTo>
+                    <a:pt x="5603" y="11179"/>
+                  </a:lnTo>
+                  <a:lnTo>
+                    <a:pt x="5603" y="11179"/>
+                  </a:lnTo>
+                  <a:lnTo>
+                    <a:pt x="5018" y="11155"/>
+                  </a:lnTo>
+                  <a:lnTo>
+                    <a:pt x="4482" y="11057"/>
+                  </a:lnTo>
+                  <a:lnTo>
+                    <a:pt x="3946" y="10911"/>
+                  </a:lnTo>
+                  <a:lnTo>
+                    <a:pt x="3435" y="10741"/>
+                  </a:lnTo>
+                  <a:lnTo>
+                    <a:pt x="2948" y="10497"/>
+                  </a:lnTo>
+                  <a:lnTo>
+                    <a:pt x="2485" y="10205"/>
+                  </a:lnTo>
+                  <a:lnTo>
+                    <a:pt x="2047" y="9888"/>
+                  </a:lnTo>
+                  <a:lnTo>
+                    <a:pt x="1657" y="9523"/>
+                  </a:lnTo>
+                  <a:lnTo>
+                    <a:pt x="1292" y="9133"/>
+                  </a:lnTo>
+                  <a:lnTo>
+                    <a:pt x="975" y="8695"/>
+                  </a:lnTo>
+                  <a:lnTo>
+                    <a:pt x="683" y="8257"/>
+                  </a:lnTo>
+                  <a:lnTo>
+                    <a:pt x="464" y="7769"/>
+                  </a:lnTo>
+                  <a:lnTo>
+                    <a:pt x="269" y="7234"/>
+                  </a:lnTo>
+                  <a:lnTo>
+                    <a:pt x="123" y="6722"/>
+                  </a:lnTo>
+                  <a:lnTo>
+                    <a:pt x="50" y="6162"/>
+                  </a:lnTo>
+                  <a:lnTo>
+                    <a:pt x="1" y="5577"/>
+                  </a:lnTo>
+                  <a:lnTo>
+                    <a:pt x="1" y="5577"/>
+                  </a:lnTo>
+                  <a:lnTo>
+                    <a:pt x="50" y="5017"/>
+                  </a:lnTo>
+                  <a:lnTo>
+                    <a:pt x="123" y="4457"/>
+                  </a:lnTo>
+                  <a:lnTo>
+                    <a:pt x="269" y="3921"/>
+                  </a:lnTo>
+                  <a:lnTo>
+                    <a:pt x="464" y="3410"/>
+                  </a:lnTo>
+                  <a:lnTo>
+                    <a:pt x="683" y="2923"/>
+                  </a:lnTo>
+                  <a:lnTo>
+                    <a:pt x="975" y="2460"/>
+                  </a:lnTo>
+                  <a:lnTo>
+                    <a:pt x="1292" y="2046"/>
+                  </a:lnTo>
+                  <a:lnTo>
+                    <a:pt x="1657" y="1632"/>
+                  </a:lnTo>
+                  <a:lnTo>
+                    <a:pt x="2047" y="1267"/>
+                  </a:lnTo>
+                  <a:lnTo>
+                    <a:pt x="2485" y="950"/>
+                  </a:lnTo>
+                  <a:lnTo>
+                    <a:pt x="2948" y="682"/>
+                  </a:lnTo>
+                  <a:lnTo>
+                    <a:pt x="3435" y="439"/>
+                  </a:lnTo>
+                  <a:lnTo>
+                    <a:pt x="3946" y="244"/>
+                  </a:lnTo>
+                  <a:lnTo>
+                    <a:pt x="4482" y="122"/>
+                  </a:lnTo>
+                  <a:lnTo>
+                    <a:pt x="5018" y="25"/>
+                  </a:lnTo>
+                  <a:lnTo>
+                    <a:pt x="5603" y="0"/>
+                  </a:lnTo>
+                  <a:lnTo>
+                    <a:pt x="5603" y="0"/>
+                  </a:lnTo>
+                  <a:lnTo>
+                    <a:pt x="6041" y="25"/>
+                  </a:lnTo>
+                  <a:lnTo>
+                    <a:pt x="6479" y="73"/>
+                  </a:lnTo>
+                  <a:lnTo>
+                    <a:pt x="6893" y="146"/>
+                  </a:lnTo>
+                  <a:lnTo>
+                    <a:pt x="7307" y="268"/>
+                  </a:lnTo>
+                  <a:lnTo>
+                    <a:pt x="7697" y="414"/>
+                  </a:lnTo>
+                  <a:lnTo>
+                    <a:pt x="8087" y="585"/>
+                  </a:lnTo>
+                  <a:lnTo>
+                    <a:pt x="8452" y="780"/>
+                  </a:lnTo>
+                  <a:lnTo>
+                    <a:pt x="8793" y="999"/>
                   </a:lnTo>
                 </a:path>
               </a:pathLst>
@@ -12125,222 +12577,180 @@
           </p:nvSpPr>
           <p:spPr>
             <a:xfrm>
-              <a:off x="6009825" y="1727425"/>
-              <a:ext cx="279500" cy="279500"/>
+              <a:off x="6107250" y="1824850"/>
+              <a:ext cx="84650" cy="84650"/>
             </a:xfrm>
             <a:custGeom>
               <a:rect b="b" l="l" r="r" t="t"/>
               <a:pathLst>
-                <a:path extrusionOk="0" fill="none" h="11180" w="11180">
+                <a:path extrusionOk="0" fill="none" h="3386" w="3386">
                   <a:moveTo>
-                    <a:pt x="10181" y="2387"/>
+                    <a:pt x="3362" y="1388"/>
                   </a:moveTo>
                   <a:lnTo>
-                    <a:pt x="10181" y="2387"/>
-                  </a:lnTo>
-                  <a:lnTo>
-                    <a:pt x="10400" y="2728"/>
-                  </a:lnTo>
-                  <a:lnTo>
-                    <a:pt x="10595" y="3093"/>
-                  </a:lnTo>
-                  <a:lnTo>
-                    <a:pt x="10766" y="3483"/>
-                  </a:lnTo>
-                  <a:lnTo>
-                    <a:pt x="10912" y="3873"/>
-                  </a:lnTo>
-                  <a:lnTo>
-                    <a:pt x="11034" y="4287"/>
-                  </a:lnTo>
-                  <a:lnTo>
-                    <a:pt x="11107" y="4701"/>
-                  </a:lnTo>
-                  <a:lnTo>
-                    <a:pt x="11180" y="5139"/>
-                  </a:lnTo>
-                  <a:lnTo>
-                    <a:pt x="11180" y="5577"/>
-                  </a:lnTo>
-                  <a:lnTo>
-                    <a:pt x="11180" y="5577"/>
-                  </a:lnTo>
-                  <a:lnTo>
-                    <a:pt x="11155" y="6162"/>
-                  </a:lnTo>
-                  <a:lnTo>
-                    <a:pt x="11082" y="6722"/>
-                  </a:lnTo>
-                  <a:lnTo>
-                    <a:pt x="10936" y="7234"/>
-                  </a:lnTo>
-                  <a:lnTo>
-                    <a:pt x="10741" y="7769"/>
-                  </a:lnTo>
-                  <a:lnTo>
-                    <a:pt x="10522" y="8257"/>
-                  </a:lnTo>
-                  <a:lnTo>
-                    <a:pt x="10230" y="8695"/>
-                  </a:lnTo>
-                  <a:lnTo>
-                    <a:pt x="9913" y="9133"/>
-                  </a:lnTo>
-                  <a:lnTo>
-                    <a:pt x="9548" y="9523"/>
-                  </a:lnTo>
-                  <a:lnTo>
-                    <a:pt x="9158" y="9888"/>
-                  </a:lnTo>
-                  <a:lnTo>
-                    <a:pt x="8720" y="10205"/>
-                  </a:lnTo>
-                  <a:lnTo>
-                    <a:pt x="8257" y="10497"/>
-                  </a:lnTo>
-                  <a:lnTo>
-                    <a:pt x="7770" y="10741"/>
-                  </a:lnTo>
-                  <a:lnTo>
-                    <a:pt x="7259" y="10911"/>
-                  </a:lnTo>
-                  <a:lnTo>
-                    <a:pt x="6723" y="11057"/>
-                  </a:lnTo>
-                  <a:lnTo>
-                    <a:pt x="6163" y="11155"/>
-                  </a:lnTo>
-                  <a:lnTo>
-                    <a:pt x="5603" y="11179"/>
-                  </a:lnTo>
-                  <a:lnTo>
-                    <a:pt x="5603" y="11179"/>
-                  </a:lnTo>
-                  <a:lnTo>
-                    <a:pt x="5018" y="11155"/>
-                  </a:lnTo>
-                  <a:lnTo>
-                    <a:pt x="4482" y="11057"/>
-                  </a:lnTo>
-                  <a:lnTo>
-                    <a:pt x="3946" y="10911"/>
-                  </a:lnTo>
-                  <a:lnTo>
-                    <a:pt x="3435" y="10741"/>
-                  </a:lnTo>
-                  <a:lnTo>
-                    <a:pt x="2948" y="10497"/>
-                  </a:lnTo>
-                  <a:lnTo>
-                    <a:pt x="2485" y="10205"/>
-                  </a:lnTo>
-                  <a:lnTo>
-                    <a:pt x="2047" y="9888"/>
-                  </a:lnTo>
-                  <a:lnTo>
-                    <a:pt x="1657" y="9523"/>
-                  </a:lnTo>
-                  <a:lnTo>
-                    <a:pt x="1292" y="9133"/>
-                  </a:lnTo>
-                  <a:lnTo>
-                    <a:pt x="975" y="8695"/>
-                  </a:lnTo>
-                  <a:lnTo>
-                    <a:pt x="683" y="8257"/>
-                  </a:lnTo>
-                  <a:lnTo>
-                    <a:pt x="464" y="7769"/>
-                  </a:lnTo>
-                  <a:lnTo>
-                    <a:pt x="269" y="7234"/>
-                  </a:lnTo>
-                  <a:lnTo>
-                    <a:pt x="123" y="6722"/>
-                  </a:lnTo>
-                  <a:lnTo>
-                    <a:pt x="50" y="6162"/>
-                  </a:lnTo>
-                  <a:lnTo>
-                    <a:pt x="1" y="5577"/>
-                  </a:lnTo>
-                  <a:lnTo>
-                    <a:pt x="1" y="5577"/>
-                  </a:lnTo>
-                  <a:lnTo>
-                    <a:pt x="50" y="5017"/>
-                  </a:lnTo>
-                  <a:lnTo>
-                    <a:pt x="123" y="4457"/>
-                  </a:lnTo>
-                  <a:lnTo>
-                    <a:pt x="269" y="3921"/>
-                  </a:lnTo>
-                  <a:lnTo>
-                    <a:pt x="464" y="3410"/>
-                  </a:lnTo>
-                  <a:lnTo>
-                    <a:pt x="683" y="2923"/>
-                  </a:lnTo>
-                  <a:lnTo>
-                    <a:pt x="975" y="2460"/>
-                  </a:lnTo>
-                  <a:lnTo>
-                    <a:pt x="1292" y="2046"/>
-                  </a:lnTo>
-                  <a:lnTo>
-                    <a:pt x="1657" y="1632"/>
-                  </a:lnTo>
-                  <a:lnTo>
-                    <a:pt x="2047" y="1267"/>
-                  </a:lnTo>
-                  <a:lnTo>
-                    <a:pt x="2485" y="950"/>
-                  </a:lnTo>
-                  <a:lnTo>
-                    <a:pt x="2948" y="682"/>
-                  </a:lnTo>
-                  <a:lnTo>
-                    <a:pt x="3435" y="439"/>
-                  </a:lnTo>
-                  <a:lnTo>
-                    <a:pt x="3946" y="244"/>
-                  </a:lnTo>
-                  <a:lnTo>
-                    <a:pt x="4482" y="122"/>
-                  </a:lnTo>
-                  <a:lnTo>
-                    <a:pt x="5018" y="25"/>
-                  </a:lnTo>
-                  <a:lnTo>
-                    <a:pt x="5603" y="0"/>
-                  </a:lnTo>
-                  <a:lnTo>
-                    <a:pt x="5603" y="0"/>
-                  </a:lnTo>
-                  <a:lnTo>
-                    <a:pt x="6041" y="25"/>
-                  </a:lnTo>
-                  <a:lnTo>
-                    <a:pt x="6479" y="73"/>
-                  </a:lnTo>
-                  <a:lnTo>
-                    <a:pt x="6893" y="146"/>
-                  </a:lnTo>
-                  <a:lnTo>
-                    <a:pt x="7307" y="268"/>
-                  </a:lnTo>
-                  <a:lnTo>
-                    <a:pt x="7697" y="414"/>
-                  </a:lnTo>
-                  <a:lnTo>
-                    <a:pt x="8087" y="585"/>
-                  </a:lnTo>
-                  <a:lnTo>
-                    <a:pt x="8452" y="780"/>
-                  </a:lnTo>
-                  <a:lnTo>
-                    <a:pt x="8793" y="999"/>
+                    <a:pt x="3362" y="1388"/>
+                  </a:lnTo>
+                  <a:lnTo>
+                    <a:pt x="3386" y="1680"/>
+                  </a:lnTo>
+                  <a:lnTo>
+                    <a:pt x="3386" y="1680"/>
+                  </a:lnTo>
+                  <a:lnTo>
+                    <a:pt x="3386" y="1851"/>
+                  </a:lnTo>
+                  <a:lnTo>
+                    <a:pt x="3362" y="2021"/>
+                  </a:lnTo>
+                  <a:lnTo>
+                    <a:pt x="3313" y="2192"/>
+                  </a:lnTo>
+                  <a:lnTo>
+                    <a:pt x="3264" y="2338"/>
+                  </a:lnTo>
+                  <a:lnTo>
+                    <a:pt x="3191" y="2484"/>
+                  </a:lnTo>
+                  <a:lnTo>
+                    <a:pt x="3118" y="2630"/>
+                  </a:lnTo>
+                  <a:lnTo>
+                    <a:pt x="3021" y="2776"/>
+                  </a:lnTo>
+                  <a:lnTo>
+                    <a:pt x="2899" y="2898"/>
+                  </a:lnTo>
+                  <a:lnTo>
+                    <a:pt x="2777" y="2996"/>
+                  </a:lnTo>
+                  <a:lnTo>
+                    <a:pt x="2655" y="3093"/>
+                  </a:lnTo>
+                  <a:lnTo>
+                    <a:pt x="2509" y="3191"/>
+                  </a:lnTo>
+                  <a:lnTo>
+                    <a:pt x="2363" y="3239"/>
+                  </a:lnTo>
+                  <a:lnTo>
+                    <a:pt x="2217" y="3312"/>
+                  </a:lnTo>
+                  <a:lnTo>
+                    <a:pt x="2046" y="3337"/>
+                  </a:lnTo>
+                  <a:lnTo>
+                    <a:pt x="1876" y="3385"/>
+                  </a:lnTo>
+                  <a:lnTo>
+                    <a:pt x="1706" y="3385"/>
+                  </a:lnTo>
+                  <a:lnTo>
+                    <a:pt x="1706" y="3385"/>
+                  </a:lnTo>
+                  <a:lnTo>
+                    <a:pt x="1535" y="3385"/>
+                  </a:lnTo>
+                  <a:lnTo>
+                    <a:pt x="1365" y="3337"/>
+                  </a:lnTo>
+                  <a:lnTo>
+                    <a:pt x="1194" y="3312"/>
+                  </a:lnTo>
+                  <a:lnTo>
+                    <a:pt x="1048" y="3239"/>
+                  </a:lnTo>
+                  <a:lnTo>
+                    <a:pt x="902" y="3191"/>
+                  </a:lnTo>
+                  <a:lnTo>
+                    <a:pt x="756" y="3093"/>
+                  </a:lnTo>
+                  <a:lnTo>
+                    <a:pt x="634" y="2996"/>
+                  </a:lnTo>
+                  <a:lnTo>
+                    <a:pt x="512" y="2898"/>
+                  </a:lnTo>
+                  <a:lnTo>
+                    <a:pt x="390" y="2776"/>
+                  </a:lnTo>
+                  <a:lnTo>
+                    <a:pt x="293" y="2630"/>
+                  </a:lnTo>
+                  <a:lnTo>
+                    <a:pt x="220" y="2484"/>
+                  </a:lnTo>
+                  <a:lnTo>
+                    <a:pt x="147" y="2338"/>
+                  </a:lnTo>
+                  <a:lnTo>
+                    <a:pt x="74" y="2192"/>
+                  </a:lnTo>
+                  <a:lnTo>
+                    <a:pt x="49" y="2021"/>
+                  </a:lnTo>
+                  <a:lnTo>
+                    <a:pt x="25" y="1851"/>
+                  </a:lnTo>
+                  <a:lnTo>
+                    <a:pt x="1" y="1680"/>
+                  </a:lnTo>
+                  <a:lnTo>
+                    <a:pt x="1" y="1680"/>
+                  </a:lnTo>
+                  <a:lnTo>
+                    <a:pt x="25" y="1510"/>
+                  </a:lnTo>
+                  <a:lnTo>
+                    <a:pt x="49" y="1340"/>
+                  </a:lnTo>
+                  <a:lnTo>
+                    <a:pt x="74" y="1193"/>
+                  </a:lnTo>
+                  <a:lnTo>
+                    <a:pt x="147" y="1023"/>
+                  </a:lnTo>
+                  <a:lnTo>
+                    <a:pt x="220" y="877"/>
+                  </a:lnTo>
+                  <a:lnTo>
+                    <a:pt x="293" y="731"/>
+                  </a:lnTo>
+                  <a:lnTo>
+                    <a:pt x="390" y="609"/>
+                  </a:lnTo>
+                  <a:lnTo>
+                    <a:pt x="512" y="487"/>
+                  </a:lnTo>
+                  <a:lnTo>
+                    <a:pt x="634" y="390"/>
+                  </a:lnTo>
+                  <a:lnTo>
+                    <a:pt x="756" y="292"/>
+                  </a:lnTo>
+                  <a:lnTo>
+                    <a:pt x="902" y="195"/>
+                  </a:lnTo>
+                  <a:lnTo>
+                    <a:pt x="1048" y="122"/>
+                  </a:lnTo>
+                  <a:lnTo>
+                    <a:pt x="1194" y="73"/>
+                  </a:lnTo>
+                  <a:lnTo>
+                    <a:pt x="1365" y="24"/>
+                  </a:lnTo>
+                  <a:lnTo>
+                    <a:pt x="1535" y="0"/>
+                  </a:lnTo>
+                  <a:lnTo>
+                    <a:pt x="1706" y="0"/>
+                  </a:lnTo>
+                  <a:lnTo>
+                    <a:pt x="1706" y="0"/>
+                  </a:lnTo>
+                  <a:lnTo>
+                    <a:pt x="1998" y="24"/>
                   </a:lnTo>
                 </a:path>
               </a:pathLst>
@@ -12390,180 +12800,216 @@
           </p:nvSpPr>
           <p:spPr>
             <a:xfrm>
-              <a:off x="6107250" y="1824850"/>
-              <a:ext cx="84650" cy="84650"/>
+              <a:off x="6058550" y="1776125"/>
+              <a:ext cx="182075" cy="182075"/>
             </a:xfrm>
             <a:custGeom>
               <a:rect b="b" l="l" r="r" t="t"/>
               <a:pathLst>
-                <a:path extrusionOk="0" fill="none" h="3386" w="3386">
+                <a:path extrusionOk="0" fill="none" h="7283" w="7283">
                   <a:moveTo>
-                    <a:pt x="3362" y="1388"/>
+                    <a:pt x="5431" y="463"/>
                   </a:moveTo>
                   <a:lnTo>
-                    <a:pt x="3362" y="1388"/>
-                  </a:lnTo>
-                  <a:lnTo>
-                    <a:pt x="3386" y="1680"/>
-                  </a:lnTo>
-                  <a:lnTo>
-                    <a:pt x="3386" y="1680"/>
-                  </a:lnTo>
-                  <a:lnTo>
-                    <a:pt x="3386" y="1851"/>
-                  </a:lnTo>
-                  <a:lnTo>
-                    <a:pt x="3362" y="2021"/>
-                  </a:lnTo>
-                  <a:lnTo>
-                    <a:pt x="3313" y="2192"/>
-                  </a:lnTo>
-                  <a:lnTo>
-                    <a:pt x="3264" y="2338"/>
-                  </a:lnTo>
-                  <a:lnTo>
-                    <a:pt x="3191" y="2484"/>
-                  </a:lnTo>
-                  <a:lnTo>
-                    <a:pt x="3118" y="2630"/>
-                  </a:lnTo>
-                  <a:lnTo>
-                    <a:pt x="3021" y="2776"/>
-                  </a:lnTo>
-                  <a:lnTo>
-                    <a:pt x="2899" y="2898"/>
-                  </a:lnTo>
-                  <a:lnTo>
-                    <a:pt x="2777" y="2996"/>
-                  </a:lnTo>
-                  <a:lnTo>
-                    <a:pt x="2655" y="3093"/>
-                  </a:lnTo>
-                  <a:lnTo>
-                    <a:pt x="2509" y="3191"/>
-                  </a:lnTo>
-                  <a:lnTo>
-                    <a:pt x="2363" y="3239"/>
-                  </a:lnTo>
-                  <a:lnTo>
-                    <a:pt x="2217" y="3312"/>
-                  </a:lnTo>
-                  <a:lnTo>
-                    <a:pt x="2046" y="3337"/>
-                  </a:lnTo>
-                  <a:lnTo>
-                    <a:pt x="1876" y="3385"/>
-                  </a:lnTo>
-                  <a:lnTo>
-                    <a:pt x="1706" y="3385"/>
-                  </a:lnTo>
-                  <a:lnTo>
-                    <a:pt x="1706" y="3385"/>
-                  </a:lnTo>
-                  <a:lnTo>
-                    <a:pt x="1535" y="3385"/>
-                  </a:lnTo>
-                  <a:lnTo>
-                    <a:pt x="1365" y="3337"/>
-                  </a:lnTo>
-                  <a:lnTo>
-                    <a:pt x="1194" y="3312"/>
-                  </a:lnTo>
-                  <a:lnTo>
-                    <a:pt x="1048" y="3239"/>
-                  </a:lnTo>
-                  <a:lnTo>
-                    <a:pt x="902" y="3191"/>
-                  </a:lnTo>
-                  <a:lnTo>
-                    <a:pt x="756" y="3093"/>
-                  </a:lnTo>
-                  <a:lnTo>
-                    <a:pt x="634" y="2996"/>
-                  </a:lnTo>
-                  <a:lnTo>
-                    <a:pt x="512" y="2898"/>
-                  </a:lnTo>
-                  <a:lnTo>
-                    <a:pt x="390" y="2776"/>
-                  </a:lnTo>
-                  <a:lnTo>
-                    <a:pt x="293" y="2630"/>
-                  </a:lnTo>
-                  <a:lnTo>
-                    <a:pt x="220" y="2484"/>
-                  </a:lnTo>
-                  <a:lnTo>
-                    <a:pt x="147" y="2338"/>
-                  </a:lnTo>
-                  <a:lnTo>
-                    <a:pt x="74" y="2192"/>
-                  </a:lnTo>
-                  <a:lnTo>
-                    <a:pt x="49" y="2021"/>
-                  </a:lnTo>
-                  <a:lnTo>
-                    <a:pt x="25" y="1851"/>
-                  </a:lnTo>
-                  <a:lnTo>
-                    <a:pt x="1" y="1680"/>
-                  </a:lnTo>
-                  <a:lnTo>
-                    <a:pt x="1" y="1680"/>
-                  </a:lnTo>
-                  <a:lnTo>
-                    <a:pt x="25" y="1510"/>
-                  </a:lnTo>
-                  <a:lnTo>
-                    <a:pt x="49" y="1340"/>
-                  </a:lnTo>
-                  <a:lnTo>
-                    <a:pt x="74" y="1193"/>
-                  </a:lnTo>
-                  <a:lnTo>
-                    <a:pt x="147" y="1023"/>
-                  </a:lnTo>
-                  <a:lnTo>
-                    <a:pt x="220" y="877"/>
-                  </a:lnTo>
-                  <a:lnTo>
-                    <a:pt x="293" y="731"/>
-                  </a:lnTo>
-                  <a:lnTo>
-                    <a:pt x="390" y="609"/>
-                  </a:lnTo>
-                  <a:lnTo>
-                    <a:pt x="512" y="487"/>
-                  </a:lnTo>
-                  <a:lnTo>
-                    <a:pt x="634" y="390"/>
-                  </a:lnTo>
-                  <a:lnTo>
-                    <a:pt x="756" y="292"/>
-                  </a:lnTo>
-                  <a:lnTo>
-                    <a:pt x="902" y="195"/>
-                  </a:lnTo>
-                  <a:lnTo>
-                    <a:pt x="1048" y="122"/>
-                  </a:lnTo>
-                  <a:lnTo>
-                    <a:pt x="1194" y="73"/>
-                  </a:lnTo>
-                  <a:lnTo>
-                    <a:pt x="1365" y="24"/>
-                  </a:lnTo>
-                  <a:lnTo>
-                    <a:pt x="1535" y="0"/>
-                  </a:lnTo>
-                  <a:lnTo>
-                    <a:pt x="1706" y="0"/>
-                  </a:lnTo>
-                  <a:lnTo>
-                    <a:pt x="1706" y="0"/>
-                  </a:lnTo>
-                  <a:lnTo>
-                    <a:pt x="1998" y="24"/>
+                    <a:pt x="5431" y="463"/>
+                  </a:lnTo>
+                  <a:lnTo>
+                    <a:pt x="5042" y="269"/>
+                  </a:lnTo>
+                  <a:lnTo>
+                    <a:pt x="4823" y="195"/>
+                  </a:lnTo>
+                  <a:lnTo>
+                    <a:pt x="4603" y="122"/>
+                  </a:lnTo>
+                  <a:lnTo>
+                    <a:pt x="4360" y="74"/>
+                  </a:lnTo>
+                  <a:lnTo>
+                    <a:pt x="4141" y="25"/>
+                  </a:lnTo>
+                  <a:lnTo>
+                    <a:pt x="3897" y="1"/>
+                  </a:lnTo>
+                  <a:lnTo>
+                    <a:pt x="3654" y="1"/>
+                  </a:lnTo>
+                  <a:lnTo>
+                    <a:pt x="3654" y="1"/>
+                  </a:lnTo>
+                  <a:lnTo>
+                    <a:pt x="3288" y="25"/>
+                  </a:lnTo>
+                  <a:lnTo>
+                    <a:pt x="2923" y="74"/>
+                  </a:lnTo>
+                  <a:lnTo>
+                    <a:pt x="2558" y="147"/>
+                  </a:lnTo>
+                  <a:lnTo>
+                    <a:pt x="2241" y="293"/>
+                  </a:lnTo>
+                  <a:lnTo>
+                    <a:pt x="1924" y="439"/>
+                  </a:lnTo>
+                  <a:lnTo>
+                    <a:pt x="1608" y="609"/>
+                  </a:lnTo>
+                  <a:lnTo>
+                    <a:pt x="1340" y="829"/>
+                  </a:lnTo>
+                  <a:lnTo>
+                    <a:pt x="1072" y="1072"/>
+                  </a:lnTo>
+                  <a:lnTo>
+                    <a:pt x="828" y="1316"/>
+                  </a:lnTo>
+                  <a:lnTo>
+                    <a:pt x="633" y="1608"/>
+                  </a:lnTo>
+                  <a:lnTo>
+                    <a:pt x="439" y="1900"/>
+                  </a:lnTo>
+                  <a:lnTo>
+                    <a:pt x="293" y="2217"/>
+                  </a:lnTo>
+                  <a:lnTo>
+                    <a:pt x="171" y="2558"/>
+                  </a:lnTo>
+                  <a:lnTo>
+                    <a:pt x="73" y="2899"/>
+                  </a:lnTo>
+                  <a:lnTo>
+                    <a:pt x="25" y="3264"/>
+                  </a:lnTo>
+                  <a:lnTo>
+                    <a:pt x="0" y="3629"/>
+                  </a:lnTo>
+                  <a:lnTo>
+                    <a:pt x="0" y="3629"/>
+                  </a:lnTo>
+                  <a:lnTo>
+                    <a:pt x="25" y="4019"/>
+                  </a:lnTo>
+                  <a:lnTo>
+                    <a:pt x="73" y="4360"/>
+                  </a:lnTo>
+                  <a:lnTo>
+                    <a:pt x="171" y="4725"/>
+                  </a:lnTo>
+                  <a:lnTo>
+                    <a:pt x="293" y="5066"/>
+                  </a:lnTo>
+                  <a:lnTo>
+                    <a:pt x="439" y="5383"/>
+                  </a:lnTo>
+                  <a:lnTo>
+                    <a:pt x="633" y="5675"/>
+                  </a:lnTo>
+                  <a:lnTo>
+                    <a:pt x="828" y="5943"/>
+                  </a:lnTo>
+                  <a:lnTo>
+                    <a:pt x="1072" y="6211"/>
+                  </a:lnTo>
+                  <a:lnTo>
+                    <a:pt x="1340" y="6455"/>
+                  </a:lnTo>
+                  <a:lnTo>
+                    <a:pt x="1608" y="6650"/>
+                  </a:lnTo>
+                  <a:lnTo>
+                    <a:pt x="1924" y="6844"/>
+                  </a:lnTo>
+                  <a:lnTo>
+                    <a:pt x="2241" y="6990"/>
+                  </a:lnTo>
+                  <a:lnTo>
+                    <a:pt x="2558" y="7112"/>
+                  </a:lnTo>
+                  <a:lnTo>
+                    <a:pt x="2923" y="7210"/>
+                  </a:lnTo>
+                  <a:lnTo>
+                    <a:pt x="3288" y="7258"/>
+                  </a:lnTo>
+                  <a:lnTo>
+                    <a:pt x="3654" y="7283"/>
+                  </a:lnTo>
+                  <a:lnTo>
+                    <a:pt x="3654" y="7283"/>
+                  </a:lnTo>
+                  <a:lnTo>
+                    <a:pt x="4019" y="7258"/>
+                  </a:lnTo>
+                  <a:lnTo>
+                    <a:pt x="4384" y="7210"/>
+                  </a:lnTo>
+                  <a:lnTo>
+                    <a:pt x="4725" y="7112"/>
+                  </a:lnTo>
+                  <a:lnTo>
+                    <a:pt x="5066" y="6990"/>
+                  </a:lnTo>
+                  <a:lnTo>
+                    <a:pt x="5383" y="6844"/>
+                  </a:lnTo>
+                  <a:lnTo>
+                    <a:pt x="5675" y="6650"/>
+                  </a:lnTo>
+                  <a:lnTo>
+                    <a:pt x="5967" y="6455"/>
+                  </a:lnTo>
+                  <a:lnTo>
+                    <a:pt x="6235" y="6211"/>
+                  </a:lnTo>
+                  <a:lnTo>
+                    <a:pt x="6454" y="5943"/>
+                  </a:lnTo>
+                  <a:lnTo>
+                    <a:pt x="6674" y="5675"/>
+                  </a:lnTo>
+                  <a:lnTo>
+                    <a:pt x="6844" y="5383"/>
+                  </a:lnTo>
+                  <a:lnTo>
+                    <a:pt x="7014" y="5066"/>
+                  </a:lnTo>
+                  <a:lnTo>
+                    <a:pt x="7136" y="4725"/>
+                  </a:lnTo>
+                  <a:lnTo>
+                    <a:pt x="7209" y="4360"/>
+                  </a:lnTo>
+                  <a:lnTo>
+                    <a:pt x="7282" y="4019"/>
+                  </a:lnTo>
+                  <a:lnTo>
+                    <a:pt x="7282" y="3629"/>
+                  </a:lnTo>
+                  <a:lnTo>
+                    <a:pt x="7282" y="3629"/>
+                  </a:lnTo>
+                  <a:lnTo>
+                    <a:pt x="7282" y="3386"/>
+                  </a:lnTo>
+                  <a:lnTo>
+                    <a:pt x="7258" y="3167"/>
+                  </a:lnTo>
+                  <a:lnTo>
+                    <a:pt x="7234" y="2923"/>
+                  </a:lnTo>
+                  <a:lnTo>
+                    <a:pt x="7161" y="2704"/>
+                  </a:lnTo>
+                  <a:lnTo>
+                    <a:pt x="7112" y="2485"/>
+                  </a:lnTo>
+                  <a:lnTo>
+                    <a:pt x="7014" y="2266"/>
+                  </a:lnTo>
+                  <a:lnTo>
+                    <a:pt x="6820" y="1852"/>
                   </a:lnTo>
                 </a:path>
               </a:pathLst>
@@ -12613,216 +13059,84 @@
           </p:nvSpPr>
           <p:spPr>
             <a:xfrm>
-              <a:off x="6058550" y="1776125"/>
-              <a:ext cx="182075" cy="182075"/>
+              <a:off x="5971475" y="2001400"/>
+              <a:ext cx="74925" cy="70675"/>
             </a:xfrm>
             <a:custGeom>
               <a:rect b="b" l="l" r="r" t="t"/>
               <a:pathLst>
-                <a:path extrusionOk="0" fill="none" h="7283" w="7283">
+                <a:path extrusionOk="0" fill="none" h="2827" w="2997">
                   <a:moveTo>
-                    <a:pt x="5431" y="463"/>
+                    <a:pt x="1462" y="1"/>
                   </a:moveTo>
                   <a:lnTo>
-                    <a:pt x="5431" y="463"/>
-                  </a:lnTo>
-                  <a:lnTo>
-                    <a:pt x="5042" y="269"/>
-                  </a:lnTo>
-                  <a:lnTo>
-                    <a:pt x="4823" y="195"/>
-                  </a:lnTo>
-                  <a:lnTo>
-                    <a:pt x="4603" y="122"/>
-                  </a:lnTo>
-                  <a:lnTo>
-                    <a:pt x="4360" y="74"/>
-                  </a:lnTo>
-                  <a:lnTo>
-                    <a:pt x="4141" y="25"/>
-                  </a:lnTo>
-                  <a:lnTo>
-                    <a:pt x="3897" y="1"/>
-                  </a:lnTo>
-                  <a:lnTo>
-                    <a:pt x="3654" y="1"/>
-                  </a:lnTo>
-                  <a:lnTo>
-                    <a:pt x="3654" y="1"/>
-                  </a:lnTo>
-                  <a:lnTo>
-                    <a:pt x="3288" y="25"/>
-                  </a:lnTo>
-                  <a:lnTo>
-                    <a:pt x="2923" y="74"/>
-                  </a:lnTo>
-                  <a:lnTo>
-                    <a:pt x="2558" y="147"/>
-                  </a:lnTo>
-                  <a:lnTo>
-                    <a:pt x="2241" y="293"/>
-                  </a:lnTo>
-                  <a:lnTo>
-                    <a:pt x="1924" y="439"/>
-                  </a:lnTo>
-                  <a:lnTo>
-                    <a:pt x="1608" y="609"/>
-                  </a:lnTo>
-                  <a:lnTo>
-                    <a:pt x="1340" y="829"/>
-                  </a:lnTo>
-                  <a:lnTo>
-                    <a:pt x="1072" y="1072"/>
-                  </a:lnTo>
-                  <a:lnTo>
-                    <a:pt x="828" y="1316"/>
-                  </a:lnTo>
-                  <a:lnTo>
-                    <a:pt x="633" y="1608"/>
-                  </a:lnTo>
-                  <a:lnTo>
-                    <a:pt x="439" y="1900"/>
-                  </a:lnTo>
-                  <a:lnTo>
-                    <a:pt x="293" y="2217"/>
-                  </a:lnTo>
-                  <a:lnTo>
-                    <a:pt x="171" y="2558"/>
-                  </a:lnTo>
-                  <a:lnTo>
-                    <a:pt x="73" y="2899"/>
-                  </a:lnTo>
-                  <a:lnTo>
-                    <a:pt x="25" y="3264"/>
-                  </a:lnTo>
-                  <a:lnTo>
-                    <a:pt x="0" y="3629"/>
-                  </a:lnTo>
-                  <a:lnTo>
-                    <a:pt x="0" y="3629"/>
-                  </a:lnTo>
-                  <a:lnTo>
-                    <a:pt x="25" y="4019"/>
-                  </a:lnTo>
-                  <a:lnTo>
-                    <a:pt x="73" y="4360"/>
-                  </a:lnTo>
-                  <a:lnTo>
-                    <a:pt x="171" y="4725"/>
-                  </a:lnTo>
-                  <a:lnTo>
-                    <a:pt x="293" y="5066"/>
-                  </a:lnTo>
-                  <a:lnTo>
-                    <a:pt x="439" y="5383"/>
-                  </a:lnTo>
-                  <a:lnTo>
-                    <a:pt x="633" y="5675"/>
-                  </a:lnTo>
-                  <a:lnTo>
-                    <a:pt x="828" y="5943"/>
-                  </a:lnTo>
-                  <a:lnTo>
-                    <a:pt x="1072" y="6211"/>
-                  </a:lnTo>
-                  <a:lnTo>
-                    <a:pt x="1340" y="6455"/>
-                  </a:lnTo>
-                  <a:lnTo>
-                    <a:pt x="1608" y="6650"/>
-                  </a:lnTo>
-                  <a:lnTo>
-                    <a:pt x="1924" y="6844"/>
-                  </a:lnTo>
-                  <a:lnTo>
-                    <a:pt x="2241" y="6990"/>
-                  </a:lnTo>
-                  <a:lnTo>
-                    <a:pt x="2558" y="7112"/>
-                  </a:lnTo>
-                  <a:lnTo>
-                    <a:pt x="2923" y="7210"/>
-                  </a:lnTo>
-                  <a:lnTo>
-                    <a:pt x="3288" y="7258"/>
-                  </a:lnTo>
-                  <a:lnTo>
-                    <a:pt x="3654" y="7283"/>
-                  </a:lnTo>
-                  <a:lnTo>
-                    <a:pt x="3654" y="7283"/>
-                  </a:lnTo>
-                  <a:lnTo>
-                    <a:pt x="4019" y="7258"/>
-                  </a:lnTo>
-                  <a:lnTo>
-                    <a:pt x="4384" y="7210"/>
-                  </a:lnTo>
-                  <a:lnTo>
-                    <a:pt x="4725" y="7112"/>
-                  </a:lnTo>
-                  <a:lnTo>
-                    <a:pt x="5066" y="6990"/>
-                  </a:lnTo>
-                  <a:lnTo>
-                    <a:pt x="5383" y="6844"/>
-                  </a:lnTo>
-                  <a:lnTo>
-                    <a:pt x="5675" y="6650"/>
-                  </a:lnTo>
-                  <a:lnTo>
-                    <a:pt x="5967" y="6455"/>
-                  </a:lnTo>
-                  <a:lnTo>
-                    <a:pt x="6235" y="6211"/>
-                  </a:lnTo>
-                  <a:lnTo>
-                    <a:pt x="6454" y="5943"/>
-                  </a:lnTo>
-                  <a:lnTo>
-                    <a:pt x="6674" y="5675"/>
-                  </a:lnTo>
-                  <a:lnTo>
-                    <a:pt x="6844" y="5383"/>
-                  </a:lnTo>
-                  <a:lnTo>
-                    <a:pt x="7014" y="5066"/>
-                  </a:lnTo>
-                  <a:lnTo>
-                    <a:pt x="7136" y="4725"/>
-                  </a:lnTo>
-                  <a:lnTo>
-                    <a:pt x="7209" y="4360"/>
-                  </a:lnTo>
-                  <a:lnTo>
-                    <a:pt x="7282" y="4019"/>
-                  </a:lnTo>
-                  <a:lnTo>
-                    <a:pt x="7282" y="3629"/>
-                  </a:lnTo>
-                  <a:lnTo>
-                    <a:pt x="7282" y="3629"/>
-                  </a:lnTo>
-                  <a:lnTo>
-                    <a:pt x="7282" y="3386"/>
-                  </a:lnTo>
-                  <a:lnTo>
-                    <a:pt x="7258" y="3167"/>
-                  </a:lnTo>
-                  <a:lnTo>
-                    <a:pt x="7234" y="2923"/>
-                  </a:lnTo>
-                  <a:lnTo>
-                    <a:pt x="7161" y="2704"/>
-                  </a:lnTo>
-                  <a:lnTo>
-                    <a:pt x="7112" y="2485"/>
-                  </a:lnTo>
-                  <a:lnTo>
-                    <a:pt x="7014" y="2266"/>
-                  </a:lnTo>
-                  <a:lnTo>
-                    <a:pt x="6820" y="1852"/>
+                    <a:pt x="293" y="1170"/>
+                  </a:lnTo>
+                  <a:lnTo>
+                    <a:pt x="293" y="1170"/>
+                  </a:lnTo>
+                  <a:lnTo>
+                    <a:pt x="171" y="1316"/>
+                  </a:lnTo>
+                  <a:lnTo>
+                    <a:pt x="74" y="1487"/>
+                  </a:lnTo>
+                  <a:lnTo>
+                    <a:pt x="25" y="1657"/>
+                  </a:lnTo>
+                  <a:lnTo>
+                    <a:pt x="1" y="1852"/>
+                  </a:lnTo>
+                  <a:lnTo>
+                    <a:pt x="25" y="2047"/>
+                  </a:lnTo>
+                  <a:lnTo>
+                    <a:pt x="74" y="2217"/>
+                  </a:lnTo>
+                  <a:lnTo>
+                    <a:pt x="171" y="2388"/>
+                  </a:lnTo>
+                  <a:lnTo>
+                    <a:pt x="293" y="2534"/>
+                  </a:lnTo>
+                  <a:lnTo>
+                    <a:pt x="293" y="2534"/>
+                  </a:lnTo>
+                  <a:lnTo>
+                    <a:pt x="439" y="2656"/>
+                  </a:lnTo>
+                  <a:lnTo>
+                    <a:pt x="609" y="2753"/>
+                  </a:lnTo>
+                  <a:lnTo>
+                    <a:pt x="804" y="2802"/>
+                  </a:lnTo>
+                  <a:lnTo>
+                    <a:pt x="975" y="2826"/>
+                  </a:lnTo>
+                  <a:lnTo>
+                    <a:pt x="975" y="2826"/>
+                  </a:lnTo>
+                  <a:lnTo>
+                    <a:pt x="1170" y="2802"/>
+                  </a:lnTo>
+                  <a:lnTo>
+                    <a:pt x="1340" y="2753"/>
+                  </a:lnTo>
+                  <a:lnTo>
+                    <a:pt x="1511" y="2656"/>
+                  </a:lnTo>
+                  <a:lnTo>
+                    <a:pt x="1681" y="2534"/>
+                  </a:lnTo>
+                  <a:lnTo>
+                    <a:pt x="2850" y="1365"/>
+                  </a:lnTo>
+                  <a:lnTo>
+                    <a:pt x="2850" y="1365"/>
+                  </a:lnTo>
+                  <a:lnTo>
+                    <a:pt x="2996" y="1194"/>
                   </a:lnTo>
                 </a:path>
               </a:pathLst>
@@ -12872,84 +13186,84 @@
           </p:nvSpPr>
           <p:spPr>
             <a:xfrm>
-              <a:off x="5971475" y="2001400"/>
-              <a:ext cx="74925" cy="70675"/>
+              <a:off x="6253375" y="2001400"/>
+              <a:ext cx="74325" cy="70675"/>
             </a:xfrm>
             <a:custGeom>
               <a:rect b="b" l="l" r="r" t="t"/>
               <a:pathLst>
-                <a:path extrusionOk="0" fill="none" h="2827" w="2997">
+                <a:path extrusionOk="0" fill="none" h="2827" w="2973">
                   <a:moveTo>
-                    <a:pt x="1462" y="1"/>
+                    <a:pt x="1" y="1194"/>
                   </a:moveTo>
                   <a:lnTo>
-                    <a:pt x="293" y="1170"/>
-                  </a:lnTo>
-                  <a:lnTo>
-                    <a:pt x="293" y="1170"/>
-                  </a:lnTo>
-                  <a:lnTo>
-                    <a:pt x="171" y="1316"/>
-                  </a:lnTo>
-                  <a:lnTo>
-                    <a:pt x="74" y="1487"/>
-                  </a:lnTo>
-                  <a:lnTo>
-                    <a:pt x="25" y="1657"/>
-                  </a:lnTo>
-                  <a:lnTo>
-                    <a:pt x="1" y="1852"/>
-                  </a:lnTo>
-                  <a:lnTo>
-                    <a:pt x="25" y="2047"/>
-                  </a:lnTo>
-                  <a:lnTo>
-                    <a:pt x="74" y="2217"/>
-                  </a:lnTo>
-                  <a:lnTo>
-                    <a:pt x="171" y="2388"/>
-                  </a:lnTo>
-                  <a:lnTo>
-                    <a:pt x="293" y="2534"/>
-                  </a:lnTo>
-                  <a:lnTo>
-                    <a:pt x="293" y="2534"/>
-                  </a:lnTo>
-                  <a:lnTo>
-                    <a:pt x="439" y="2656"/>
-                  </a:lnTo>
-                  <a:lnTo>
-                    <a:pt x="609" y="2753"/>
-                  </a:lnTo>
-                  <a:lnTo>
-                    <a:pt x="804" y="2802"/>
-                  </a:lnTo>
-                  <a:lnTo>
-                    <a:pt x="975" y="2826"/>
-                  </a:lnTo>
-                  <a:lnTo>
-                    <a:pt x="975" y="2826"/>
-                  </a:lnTo>
-                  <a:lnTo>
-                    <a:pt x="1170" y="2802"/>
-                  </a:lnTo>
-                  <a:lnTo>
-                    <a:pt x="1340" y="2753"/>
-                  </a:lnTo>
-                  <a:lnTo>
-                    <a:pt x="1511" y="2656"/>
-                  </a:lnTo>
-                  <a:lnTo>
-                    <a:pt x="1681" y="2534"/>
-                  </a:lnTo>
-                  <a:lnTo>
-                    <a:pt x="2850" y="1365"/>
-                  </a:lnTo>
-                  <a:lnTo>
-                    <a:pt x="2850" y="1365"/>
-                  </a:lnTo>
-                  <a:lnTo>
-                    <a:pt x="2996" y="1194"/>
+                    <a:pt x="1" y="1194"/>
+                  </a:lnTo>
+                  <a:lnTo>
+                    <a:pt x="123" y="1365"/>
+                  </a:lnTo>
+                  <a:lnTo>
+                    <a:pt x="1316" y="2534"/>
+                  </a:lnTo>
+                  <a:lnTo>
+                    <a:pt x="1316" y="2534"/>
+                  </a:lnTo>
+                  <a:lnTo>
+                    <a:pt x="1462" y="2656"/>
+                  </a:lnTo>
+                  <a:lnTo>
+                    <a:pt x="1633" y="2753"/>
+                  </a:lnTo>
+                  <a:lnTo>
+                    <a:pt x="1827" y="2802"/>
+                  </a:lnTo>
+                  <a:lnTo>
+                    <a:pt x="1998" y="2826"/>
+                  </a:lnTo>
+                  <a:lnTo>
+                    <a:pt x="1998" y="2826"/>
+                  </a:lnTo>
+                  <a:lnTo>
+                    <a:pt x="2193" y="2802"/>
+                  </a:lnTo>
+                  <a:lnTo>
+                    <a:pt x="2363" y="2753"/>
+                  </a:lnTo>
+                  <a:lnTo>
+                    <a:pt x="2534" y="2656"/>
+                  </a:lnTo>
+                  <a:lnTo>
+                    <a:pt x="2704" y="2534"/>
+                  </a:lnTo>
+                  <a:lnTo>
+                    <a:pt x="2704" y="2534"/>
+                  </a:lnTo>
+                  <a:lnTo>
+                    <a:pt x="2826" y="2388"/>
+                  </a:lnTo>
+                  <a:lnTo>
+                    <a:pt x="2923" y="2217"/>
+                  </a:lnTo>
+                  <a:lnTo>
+                    <a:pt x="2972" y="2047"/>
+                  </a:lnTo>
+                  <a:lnTo>
+                    <a:pt x="2972" y="1852"/>
+                  </a:lnTo>
+                  <a:lnTo>
+                    <a:pt x="2972" y="1657"/>
+                  </a:lnTo>
+                  <a:lnTo>
+                    <a:pt x="2923" y="1487"/>
+                  </a:lnTo>
+                  <a:lnTo>
+                    <a:pt x="2826" y="1316"/>
+                  </a:lnTo>
+                  <a:lnTo>
+                    <a:pt x="2704" y="1170"/>
+                  </a:lnTo>
+                  <a:lnTo>
+                    <a:pt x="1535" y="1"/>
                   </a:lnTo>
                 </a:path>
               </a:pathLst>
@@ -12999,133 +13313,6 @@
           </p:nvSpPr>
           <p:spPr>
             <a:xfrm>
-              <a:off x="6253375" y="2001400"/>
-              <a:ext cx="74325" cy="70675"/>
-            </a:xfrm>
-            <a:custGeom>
-              <a:rect b="b" l="l" r="r" t="t"/>
-              <a:pathLst>
-                <a:path extrusionOk="0" fill="none" h="2827" w="2973">
-                  <a:moveTo>
-                    <a:pt x="1" y="1194"/>
-                  </a:moveTo>
-                  <a:lnTo>
-                    <a:pt x="1" y="1194"/>
-                  </a:lnTo>
-                  <a:lnTo>
-                    <a:pt x="123" y="1365"/>
-                  </a:lnTo>
-                  <a:lnTo>
-                    <a:pt x="1316" y="2534"/>
-                  </a:lnTo>
-                  <a:lnTo>
-                    <a:pt x="1316" y="2534"/>
-                  </a:lnTo>
-                  <a:lnTo>
-                    <a:pt x="1462" y="2656"/>
-                  </a:lnTo>
-                  <a:lnTo>
-                    <a:pt x="1633" y="2753"/>
-                  </a:lnTo>
-                  <a:lnTo>
-                    <a:pt x="1827" y="2802"/>
-                  </a:lnTo>
-                  <a:lnTo>
-                    <a:pt x="1998" y="2826"/>
-                  </a:lnTo>
-                  <a:lnTo>
-                    <a:pt x="1998" y="2826"/>
-                  </a:lnTo>
-                  <a:lnTo>
-                    <a:pt x="2193" y="2802"/>
-                  </a:lnTo>
-                  <a:lnTo>
-                    <a:pt x="2363" y="2753"/>
-                  </a:lnTo>
-                  <a:lnTo>
-                    <a:pt x="2534" y="2656"/>
-                  </a:lnTo>
-                  <a:lnTo>
-                    <a:pt x="2704" y="2534"/>
-                  </a:lnTo>
-                  <a:lnTo>
-                    <a:pt x="2704" y="2534"/>
-                  </a:lnTo>
-                  <a:lnTo>
-                    <a:pt x="2826" y="2388"/>
-                  </a:lnTo>
-                  <a:lnTo>
-                    <a:pt x="2923" y="2217"/>
-                  </a:lnTo>
-                  <a:lnTo>
-                    <a:pt x="2972" y="2047"/>
-                  </a:lnTo>
-                  <a:lnTo>
-                    <a:pt x="2972" y="1852"/>
-                  </a:lnTo>
-                  <a:lnTo>
-                    <a:pt x="2972" y="1657"/>
-                  </a:lnTo>
-                  <a:lnTo>
-                    <a:pt x="2923" y="1487"/>
-                  </a:lnTo>
-                  <a:lnTo>
-                    <a:pt x="2826" y="1316"/>
-                  </a:lnTo>
-                  <a:lnTo>
-                    <a:pt x="2704" y="1170"/>
-                  </a:lnTo>
-                  <a:lnTo>
-                    <a:pt x="1535" y="1"/>
-                  </a:lnTo>
-                </a:path>
-              </a:pathLst>
-            </a:custGeom>
-            <a:noFill/>
-            <a:ln cap="rnd" cmpd="sng" w="12175">
-              <a:solidFill>
-                <a:srgbClr val="0091EA"/>
-              </a:solidFill>
-              <a:prstDash val="solid"/>
-              <a:round/>
-              <a:headEnd len="sm" w="sm" type="none"/>
-              <a:tailEnd len="sm" w="sm" type="none"/>
-            </a:ln>
-          </p:spPr>
-          <p:txBody>
-            <a:bodyPr anchorCtr="0" anchor="ctr" bIns="91425" lIns="91425" spcFirstLastPara="1" rIns="91425" wrap="square" tIns="91425">
-              <a:noAutofit/>
-            </a:bodyPr>
-            <a:lstStyle/>
-            <a:p>
-              <a:pPr indent="0" lvl="0" marL="0" rtl="0" algn="l">
-                <a:spcBef>
-                  <a:spcPts val="0"/>
-                </a:spcBef>
-                <a:spcAft>
-                  <a:spcPts val="0"/>
-                </a:spcAft>
-                <a:buNone/>
-              </a:pPr>
-              <a:r>
-                <a:t/>
-              </a:r>
-              <a:endParaRPr>
-                <a:solidFill>
-                  <a:srgbClr val="0091EA"/>
-                </a:solidFill>
-              </a:endParaRPr>
-            </a:p>
-          </p:txBody>
-        </p:sp>
-        <p:sp>
-          <p:nvSpPr>
-            <p:cNvPr id="200" name="Google Shape;200;p21"/>
-            <p:cNvSpPr/>
-            <p:nvPr/>
-          </p:nvSpPr>
-          <p:spPr>
-            <a:xfrm>
               <a:off x="6137700" y="1623900"/>
               <a:ext cx="250875" cy="255150"/>
             </a:xfrm>
@@ -13444,7 +13631,7 @@
       </p:grpSp>
       <p:sp>
         <p:nvSpPr>
-          <p:cNvPr id="201" name="Google Shape;201;p21"/>
+          <p:cNvPr id="200" name="Google Shape;200;p21"/>
           <p:cNvSpPr txBox="1"/>
           <p:nvPr>
             <p:ph idx="1" type="body"/>
@@ -13516,7 +13703,7 @@
       </p:sp>
       <p:sp>
         <p:nvSpPr>
-          <p:cNvPr id="202" name="Google Shape;202;p21"/>
+          <p:cNvPr id="201" name="Google Shape;201;p21"/>
           <p:cNvSpPr txBox="1"/>
           <p:nvPr>
             <p:ph idx="2" type="body"/>
@@ -13588,7 +13775,7 @@
       </p:sp>
       <p:sp>
         <p:nvSpPr>
-          <p:cNvPr id="203" name="Google Shape;203;p21"/>
+          <p:cNvPr id="202" name="Google Shape;202;p21"/>
           <p:cNvSpPr txBox="1"/>
           <p:nvPr>
             <p:ph idx="3" type="body"/>
@@ -13636,7 +13823,7 @@
       </p:sp>
       <p:sp>
         <p:nvSpPr>
-          <p:cNvPr id="204" name="Google Shape;204;p21"/>
+          <p:cNvPr id="203" name="Google Shape;203;p21"/>
           <p:cNvSpPr/>
           <p:nvPr/>
         </p:nvSpPr>
@@ -14241,7 +14428,7 @@
       </p:sp>
       <p:grpSp>
         <p:nvGrpSpPr>
-          <p:cNvPr id="205" name="Google Shape;205;p21"/>
+          <p:cNvPr id="204" name="Google Shape;204;p21"/>
           <p:cNvGrpSpPr/>
           <p:nvPr/>
         </p:nvGrpSpPr>
@@ -14255,7 +14442,7 @@
         </p:grpSpPr>
         <p:sp>
           <p:nvSpPr>
-            <p:cNvPr id="206" name="Google Shape;206;p21"/>
+            <p:cNvPr id="205" name="Google Shape;205;p21"/>
             <p:cNvSpPr/>
             <p:nvPr/>
           </p:nvSpPr>
@@ -14573,6 +14760,125 @@
                   </a:lnTo>
                   <a:lnTo>
                     <a:pt x="7502" y="1"/>
+                  </a:lnTo>
+                  <a:close/>
+                </a:path>
+              </a:pathLst>
+            </a:custGeom>
+            <a:noFill/>
+            <a:ln cap="rnd" cmpd="sng" w="12175">
+              <a:solidFill>
+                <a:srgbClr val="0091EA"/>
+              </a:solidFill>
+              <a:prstDash val="solid"/>
+              <a:round/>
+              <a:headEnd len="sm" w="sm" type="none"/>
+              <a:tailEnd len="sm" w="sm" type="none"/>
+            </a:ln>
+          </p:spPr>
+          <p:txBody>
+            <a:bodyPr anchorCtr="0" anchor="ctr" bIns="91425" lIns="91425" spcFirstLastPara="1" rIns="91425" wrap="square" tIns="91425">
+              <a:noAutofit/>
+            </a:bodyPr>
+            <a:lstStyle/>
+            <a:p>
+              <a:pPr indent="0" lvl="0" marL="0" rtl="0" algn="l">
+                <a:spcBef>
+                  <a:spcPts val="0"/>
+                </a:spcBef>
+                <a:spcAft>
+                  <a:spcPts val="0"/>
+                </a:spcAft>
+                <a:buNone/>
+              </a:pPr>
+              <a:r>
+                <a:t/>
+              </a:r>
+              <a:endParaRPr>
+                <a:solidFill>
+                  <a:srgbClr val="FFFFFF"/>
+                </a:solidFill>
+              </a:endParaRPr>
+            </a:p>
+          </p:txBody>
+        </p:sp>
+        <p:sp>
+          <p:nvSpPr>
+            <p:cNvPr id="206" name="Google Shape;206;p21"/>
+            <p:cNvSpPr/>
+            <p:nvPr/>
+          </p:nvSpPr>
+          <p:spPr>
+            <a:xfrm>
+              <a:off x="3504325" y="3664250"/>
+              <a:ext cx="131525" cy="153450"/>
+            </a:xfrm>
+            <a:custGeom>
+              <a:rect b="b" l="l" r="r" t="t"/>
+              <a:pathLst>
+                <a:path extrusionOk="0" fill="none" h="6138" w="5261">
+                  <a:moveTo>
+                    <a:pt x="0" y="0"/>
+                  </a:moveTo>
+                  <a:lnTo>
+                    <a:pt x="0" y="0"/>
+                  </a:lnTo>
+                  <a:lnTo>
+                    <a:pt x="390" y="25"/>
+                  </a:lnTo>
+                  <a:lnTo>
+                    <a:pt x="780" y="98"/>
+                  </a:lnTo>
+                  <a:lnTo>
+                    <a:pt x="1169" y="171"/>
+                  </a:lnTo>
+                  <a:lnTo>
+                    <a:pt x="1559" y="268"/>
+                  </a:lnTo>
+                  <a:lnTo>
+                    <a:pt x="1924" y="414"/>
+                  </a:lnTo>
+                  <a:lnTo>
+                    <a:pt x="2314" y="560"/>
+                  </a:lnTo>
+                  <a:lnTo>
+                    <a:pt x="2655" y="731"/>
+                  </a:lnTo>
+                  <a:lnTo>
+                    <a:pt x="3020" y="901"/>
+                  </a:lnTo>
+                  <a:lnTo>
+                    <a:pt x="3020" y="901"/>
+                  </a:lnTo>
+                  <a:lnTo>
+                    <a:pt x="3337" y="1121"/>
+                  </a:lnTo>
+                  <a:lnTo>
+                    <a:pt x="3654" y="1340"/>
+                  </a:lnTo>
+                  <a:lnTo>
+                    <a:pt x="3946" y="1559"/>
+                  </a:lnTo>
+                  <a:lnTo>
+                    <a:pt x="4238" y="1803"/>
+                  </a:lnTo>
+                  <a:lnTo>
+                    <a:pt x="4530" y="2070"/>
+                  </a:lnTo>
+                  <a:lnTo>
+                    <a:pt x="4774" y="2363"/>
+                  </a:lnTo>
+                  <a:lnTo>
+                    <a:pt x="5017" y="2655"/>
+                  </a:lnTo>
+                  <a:lnTo>
+                    <a:pt x="5261" y="2972"/>
+                  </a:lnTo>
+                  <a:lnTo>
+                    <a:pt x="0" y="6138"/>
+                  </a:lnTo>
+                  <a:lnTo>
+                    <a:pt x="0" y="0"/>
                   </a:lnTo>
                   <a:close/>
                 </a:path>
@@ -14623,125 +14929,6 @@
           </p:nvSpPr>
           <p:spPr>
             <a:xfrm>
-              <a:off x="3504325" y="3664250"/>
-              <a:ext cx="131525" cy="153450"/>
-            </a:xfrm>
-            <a:custGeom>
-              <a:rect b="b" l="l" r="r" t="t"/>
-              <a:pathLst>
-                <a:path extrusionOk="0" fill="none" h="6138" w="5261">
-                  <a:moveTo>
-                    <a:pt x="0" y="0"/>
-                  </a:moveTo>
-                  <a:lnTo>
-                    <a:pt x="0" y="0"/>
-                  </a:lnTo>
-                  <a:lnTo>
-                    <a:pt x="390" y="25"/>
-                  </a:lnTo>
-                  <a:lnTo>
-                    <a:pt x="780" y="98"/>
-                  </a:lnTo>
-                  <a:lnTo>
-                    <a:pt x="1169" y="171"/>
-                  </a:lnTo>
-                  <a:lnTo>
-                    <a:pt x="1559" y="268"/>
-                  </a:lnTo>
-                  <a:lnTo>
-                    <a:pt x="1924" y="414"/>
-                  </a:lnTo>
-                  <a:lnTo>
-                    <a:pt x="2314" y="560"/>
-                  </a:lnTo>
-                  <a:lnTo>
-                    <a:pt x="2655" y="731"/>
-                  </a:lnTo>
-                  <a:lnTo>
-                    <a:pt x="3020" y="901"/>
-                  </a:lnTo>
-                  <a:lnTo>
-                    <a:pt x="3020" y="901"/>
-                  </a:lnTo>
-                  <a:lnTo>
-                    <a:pt x="3337" y="1121"/>
-                  </a:lnTo>
-                  <a:lnTo>
-                    <a:pt x="3654" y="1340"/>
-                  </a:lnTo>
-                  <a:lnTo>
-                    <a:pt x="3946" y="1559"/>
-                  </a:lnTo>
-                  <a:lnTo>
-                    <a:pt x="4238" y="1803"/>
-                  </a:lnTo>
-                  <a:lnTo>
-                    <a:pt x="4530" y="2070"/>
-                  </a:lnTo>
-                  <a:lnTo>
-                    <a:pt x="4774" y="2363"/>
-                  </a:lnTo>
-                  <a:lnTo>
-                    <a:pt x="5017" y="2655"/>
-                  </a:lnTo>
-                  <a:lnTo>
-                    <a:pt x="5261" y="2972"/>
-                  </a:lnTo>
-                  <a:lnTo>
-                    <a:pt x="0" y="6138"/>
-                  </a:lnTo>
-                  <a:lnTo>
-                    <a:pt x="0" y="0"/>
-                  </a:lnTo>
-                  <a:close/>
-                </a:path>
-              </a:pathLst>
-            </a:custGeom>
-            <a:noFill/>
-            <a:ln cap="rnd" cmpd="sng" w="12175">
-              <a:solidFill>
-                <a:srgbClr val="0091EA"/>
-              </a:solidFill>
-              <a:prstDash val="solid"/>
-              <a:round/>
-              <a:headEnd len="sm" w="sm" type="none"/>
-              <a:tailEnd len="sm" w="sm" type="none"/>
-            </a:ln>
-          </p:spPr>
-          <p:txBody>
-            <a:bodyPr anchorCtr="0" anchor="ctr" bIns="91425" lIns="91425" spcFirstLastPara="1" rIns="91425" wrap="square" tIns="91425">
-              <a:noAutofit/>
-            </a:bodyPr>
-            <a:lstStyle/>
-            <a:p>
-              <a:pPr indent="0" lvl="0" marL="0" rtl="0" algn="l">
-                <a:spcBef>
-                  <a:spcPts val="0"/>
-                </a:spcBef>
-                <a:spcAft>
-                  <a:spcPts val="0"/>
-                </a:spcAft>
-                <a:buNone/>
-              </a:pPr>
-              <a:r>
-                <a:t/>
-              </a:r>
-              <a:endParaRPr>
-                <a:solidFill>
-                  <a:srgbClr val="FFFFFF"/>
-                </a:solidFill>
-              </a:endParaRPr>
-            </a:p>
-          </p:txBody>
-        </p:sp>
-        <p:sp>
-          <p:nvSpPr>
-            <p:cNvPr id="208" name="Google Shape;208;p21"/>
-            <p:cNvSpPr/>
-            <p:nvPr/>
-          </p:nvSpPr>
-          <p:spPr>
-            <a:xfrm>
               <a:off x="3501875" y="3749500"/>
               <a:ext cx="187575" cy="96825"/>
             </a:xfrm>
@@ -14832,7 +15019,7 @@
       </p:grpSp>
       <p:grpSp>
         <p:nvGrpSpPr>
-          <p:cNvPr id="209" name="Google Shape;209;p21"/>
+          <p:cNvPr id="208" name="Google Shape;208;p21"/>
           <p:cNvGrpSpPr/>
           <p:nvPr/>
         </p:nvGrpSpPr>
@@ -14846,7 +15033,7 @@
         </p:grpSpPr>
         <p:sp>
           <p:nvSpPr>
-            <p:cNvPr id="210" name="Google Shape;210;p21"/>
+            <p:cNvPr id="209" name="Google Shape;209;p21"/>
             <p:cNvSpPr/>
             <p:nvPr/>
           </p:nvSpPr>
@@ -14937,7 +15124,7 @@
         </p:sp>
         <p:sp>
           <p:nvSpPr>
-            <p:cNvPr id="211" name="Google Shape;211;p21"/>
+            <p:cNvPr id="210" name="Google Shape;210;p21"/>
             <p:cNvSpPr/>
             <p:nvPr/>
           </p:nvSpPr>
@@ -15041,7 +15228,7 @@
       </p:grpSp>
       <p:grpSp>
         <p:nvGrpSpPr>
-          <p:cNvPr id="212" name="Google Shape;212;p21"/>
+          <p:cNvPr id="211" name="Google Shape;211;p21"/>
           <p:cNvGrpSpPr/>
           <p:nvPr/>
         </p:nvGrpSpPr>
@@ -15055,7 +15242,7 @@
         </p:grpSpPr>
         <p:sp>
           <p:nvSpPr>
-            <p:cNvPr id="213" name="Google Shape;213;p21"/>
+            <p:cNvPr id="212" name="Google Shape;212;p21"/>
             <p:cNvSpPr/>
             <p:nvPr/>
           </p:nvSpPr>
@@ -15180,7 +15367,7 @@
         </p:sp>
         <p:sp>
           <p:nvSpPr>
-            <p:cNvPr id="214" name="Google Shape;214;p21"/>
+            <p:cNvPr id="213" name="Google Shape;213;p21"/>
             <p:cNvSpPr/>
             <p:nvPr/>
           </p:nvSpPr>
@@ -15518,7 +15705,7 @@
       </p:grpSp>
       <p:grpSp>
         <p:nvGrpSpPr>
-          <p:cNvPr id="215" name="Google Shape;215;p21"/>
+          <p:cNvPr id="214" name="Google Shape;214;p21"/>
           <p:cNvGrpSpPr/>
           <p:nvPr/>
         </p:nvGrpSpPr>
@@ -15532,7 +15719,7 @@
         </p:grpSpPr>
         <p:sp>
           <p:nvSpPr>
-            <p:cNvPr id="216" name="Google Shape;216;p21"/>
+            <p:cNvPr id="215" name="Google Shape;215;p21"/>
             <p:cNvSpPr/>
             <p:nvPr/>
           </p:nvSpPr>
@@ -15634,6 +15821,157 @@
                   </a:lnTo>
                   <a:lnTo>
                     <a:pt x="974" y="0"/>
+                  </a:lnTo>
+                </a:path>
+              </a:pathLst>
+            </a:custGeom>
+            <a:noFill/>
+            <a:ln cap="rnd" cmpd="sng" w="12175">
+              <a:solidFill>
+                <a:srgbClr val="0091EA"/>
+              </a:solidFill>
+              <a:prstDash val="solid"/>
+              <a:round/>
+              <a:headEnd len="sm" w="sm" type="none"/>
+              <a:tailEnd len="sm" w="sm" type="none"/>
+            </a:ln>
+          </p:spPr>
+          <p:txBody>
+            <a:bodyPr anchorCtr="0" anchor="ctr" bIns="91425" lIns="91425" spcFirstLastPara="1" rIns="91425" wrap="square" tIns="91425">
+              <a:noAutofit/>
+            </a:bodyPr>
+            <a:lstStyle/>
+            <a:p>
+              <a:pPr indent="0" lvl="0" marL="0" rtl="0" algn="l">
+                <a:spcBef>
+                  <a:spcPts val="0"/>
+                </a:spcBef>
+                <a:spcAft>
+                  <a:spcPts val="0"/>
+                </a:spcAft>
+                <a:buNone/>
+              </a:pPr>
+              <a:r>
+                <a:t/>
+              </a:r>
+              <a:endParaRPr>
+                <a:solidFill>
+                  <a:srgbClr val="FFFFFF"/>
+                </a:solidFill>
+              </a:endParaRPr>
+            </a:p>
+          </p:txBody>
+        </p:sp>
+        <p:sp>
+          <p:nvSpPr>
+            <p:cNvPr id="216" name="Google Shape;216;p21"/>
+            <p:cNvSpPr/>
+            <p:nvPr/>
+          </p:nvSpPr>
+          <p:spPr>
+            <a:xfrm>
+              <a:off x="626775" y="929175"/>
+              <a:ext cx="377525" cy="462775"/>
+            </a:xfrm>
+            <a:custGeom>
+              <a:rect b="b" l="l" r="r" t="t"/>
+              <a:pathLst>
+                <a:path extrusionOk="0" fill="none" h="18511" w="15101">
+                  <a:moveTo>
+                    <a:pt x="15101" y="3362"/>
+                  </a:moveTo>
+                  <a:lnTo>
+                    <a:pt x="15101" y="17731"/>
+                  </a:lnTo>
+                  <a:lnTo>
+                    <a:pt x="15101" y="17731"/>
+                  </a:lnTo>
+                  <a:lnTo>
+                    <a:pt x="15077" y="17877"/>
+                  </a:lnTo>
+                  <a:lnTo>
+                    <a:pt x="15028" y="18024"/>
+                  </a:lnTo>
+                  <a:lnTo>
+                    <a:pt x="14979" y="18145"/>
+                  </a:lnTo>
+                  <a:lnTo>
+                    <a:pt x="14882" y="18267"/>
+                  </a:lnTo>
+                  <a:lnTo>
+                    <a:pt x="14760" y="18365"/>
+                  </a:lnTo>
+                  <a:lnTo>
+                    <a:pt x="14614" y="18438"/>
+                  </a:lnTo>
+                  <a:lnTo>
+                    <a:pt x="14468" y="18486"/>
+                  </a:lnTo>
+                  <a:lnTo>
+                    <a:pt x="14322" y="18511"/>
+                  </a:lnTo>
+                  <a:lnTo>
+                    <a:pt x="780" y="18511"/>
+                  </a:lnTo>
+                  <a:lnTo>
+                    <a:pt x="780" y="18511"/>
+                  </a:lnTo>
+                  <a:lnTo>
+                    <a:pt x="634" y="18486"/>
+                  </a:lnTo>
+                  <a:lnTo>
+                    <a:pt x="488" y="18438"/>
+                  </a:lnTo>
+                  <a:lnTo>
+                    <a:pt x="342" y="18365"/>
+                  </a:lnTo>
+                  <a:lnTo>
+                    <a:pt x="220" y="18267"/>
+                  </a:lnTo>
+                  <a:lnTo>
+                    <a:pt x="123" y="18145"/>
+                  </a:lnTo>
+                  <a:lnTo>
+                    <a:pt x="74" y="18024"/>
+                  </a:lnTo>
+                  <a:lnTo>
+                    <a:pt x="25" y="17877"/>
+                  </a:lnTo>
+                  <a:lnTo>
+                    <a:pt x="1" y="17731"/>
+                  </a:lnTo>
+                  <a:lnTo>
+                    <a:pt x="1" y="780"/>
+                  </a:lnTo>
+                  <a:lnTo>
+                    <a:pt x="1" y="780"/>
+                  </a:lnTo>
+                  <a:lnTo>
+                    <a:pt x="25" y="610"/>
+                  </a:lnTo>
+                  <a:lnTo>
+                    <a:pt x="74" y="464"/>
+                  </a:lnTo>
+                  <a:lnTo>
+                    <a:pt x="123" y="342"/>
+                  </a:lnTo>
+                  <a:lnTo>
+                    <a:pt x="220" y="220"/>
+                  </a:lnTo>
+                  <a:lnTo>
+                    <a:pt x="342" y="123"/>
+                  </a:lnTo>
+                  <a:lnTo>
+                    <a:pt x="488" y="50"/>
+                  </a:lnTo>
+                  <a:lnTo>
+                    <a:pt x="634" y="1"/>
+                  </a:lnTo>
+                  <a:lnTo>
+                    <a:pt x="780" y="1"/>
+                  </a:lnTo>
+                  <a:lnTo>
+                    <a:pt x="11740" y="1"/>
                   </a:lnTo>
                 </a:path>
               </a:pathLst>
@@ -15683,108 +16021,18 @@
           </p:nvSpPr>
           <p:spPr>
             <a:xfrm>
-              <a:off x="626775" y="929175"/>
-              <a:ext cx="377525" cy="462775"/>
+              <a:off x="688900" y="1256150"/>
+              <a:ext cx="133975" cy="25"/>
             </a:xfrm>
             <a:custGeom>
               <a:rect b="b" l="l" r="r" t="t"/>
               <a:pathLst>
-                <a:path extrusionOk="0" fill="none" h="18511" w="15101">
+                <a:path extrusionOk="0" fill="none" h="1" w="5359">
                   <a:moveTo>
-                    <a:pt x="15101" y="3362"/>
+                    <a:pt x="5358" y="0"/>
                   </a:moveTo>
                   <a:lnTo>
-                    <a:pt x="15101" y="17731"/>
-                  </a:lnTo>
-                  <a:lnTo>
-                    <a:pt x="15101" y="17731"/>
-                  </a:lnTo>
-                  <a:lnTo>
-                    <a:pt x="15077" y="17877"/>
-                  </a:lnTo>
-                  <a:lnTo>
-                    <a:pt x="15028" y="18024"/>
-                  </a:lnTo>
-                  <a:lnTo>
-                    <a:pt x="14979" y="18145"/>
-                  </a:lnTo>
-                  <a:lnTo>
-                    <a:pt x="14882" y="18267"/>
-                  </a:lnTo>
-                  <a:lnTo>
-                    <a:pt x="14760" y="18365"/>
-                  </a:lnTo>
-                  <a:lnTo>
-                    <a:pt x="14614" y="18438"/>
-                  </a:lnTo>
-                  <a:lnTo>
-                    <a:pt x="14468" y="18486"/>
-                  </a:lnTo>
-                  <a:lnTo>
-                    <a:pt x="14322" y="18511"/>
-                  </a:lnTo>
-                  <a:lnTo>
-                    <a:pt x="780" y="18511"/>
-                  </a:lnTo>
-                  <a:lnTo>
-                    <a:pt x="780" y="18511"/>
-                  </a:lnTo>
-                  <a:lnTo>
-                    <a:pt x="634" y="18486"/>
-                  </a:lnTo>
-                  <a:lnTo>
-                    <a:pt x="488" y="18438"/>
-                  </a:lnTo>
-                  <a:lnTo>
-                    <a:pt x="342" y="18365"/>
-                  </a:lnTo>
-                  <a:lnTo>
-                    <a:pt x="220" y="18267"/>
-                  </a:lnTo>
-                  <a:lnTo>
-                    <a:pt x="123" y="18145"/>
-                  </a:lnTo>
-                  <a:lnTo>
-                    <a:pt x="74" y="18024"/>
-                  </a:lnTo>
-                  <a:lnTo>
-                    <a:pt x="25" y="17877"/>
-                  </a:lnTo>
-                  <a:lnTo>
-                    <a:pt x="1" y="17731"/>
-                  </a:lnTo>
-                  <a:lnTo>
-                    <a:pt x="1" y="780"/>
-                  </a:lnTo>
-                  <a:lnTo>
-                    <a:pt x="1" y="780"/>
-                  </a:lnTo>
-                  <a:lnTo>
-                    <a:pt x="25" y="610"/>
-                  </a:lnTo>
-                  <a:lnTo>
-                    <a:pt x="74" y="464"/>
-                  </a:lnTo>
-                  <a:lnTo>
-                    <a:pt x="123" y="342"/>
-                  </a:lnTo>
-                  <a:lnTo>
-                    <a:pt x="220" y="220"/>
-                  </a:lnTo>
-                  <a:lnTo>
-                    <a:pt x="342" y="123"/>
-                  </a:lnTo>
-                  <a:lnTo>
-                    <a:pt x="488" y="50"/>
-                  </a:lnTo>
-                  <a:lnTo>
-                    <a:pt x="634" y="1"/>
-                  </a:lnTo>
-                  <a:lnTo>
-                    <a:pt x="780" y="1"/>
-                  </a:lnTo>
-                  <a:lnTo>
-                    <a:pt x="11740" y="1"/>
+                    <a:pt x="0" y="0"/>
                   </a:lnTo>
                 </a:path>
               </a:pathLst>
@@ -15834,18 +16082,18 @@
           </p:nvSpPr>
           <p:spPr>
             <a:xfrm>
-              <a:off x="688900" y="1256150"/>
-              <a:ext cx="133975" cy="25"/>
+              <a:off x="688900" y="1201350"/>
+              <a:ext cx="255750" cy="25"/>
             </a:xfrm>
             <a:custGeom>
               <a:rect b="b" l="l" r="r" t="t"/>
               <a:pathLst>
-                <a:path extrusionOk="0" fill="none" h="1" w="5359">
+                <a:path extrusionOk="0" fill="none" h="1" w="10230">
                   <a:moveTo>
-                    <a:pt x="5358" y="0"/>
+                    <a:pt x="10229" y="1"/>
                   </a:moveTo>
                   <a:lnTo>
-                    <a:pt x="0" y="0"/>
+                    <a:pt x="0" y="1"/>
                   </a:lnTo>
                 </a:path>
               </a:pathLst>
@@ -15895,7 +16143,7 @@
           </p:nvSpPr>
           <p:spPr>
             <a:xfrm>
-              <a:off x="688900" y="1201350"/>
+              <a:off x="688900" y="1145950"/>
               <a:ext cx="255750" cy="25"/>
             </a:xfrm>
             <a:custGeom>
@@ -15903,10 +16151,10 @@
               <a:pathLst>
                 <a:path extrusionOk="0" fill="none" h="1" w="10230">
                   <a:moveTo>
-                    <a:pt x="10229" y="1"/>
+                    <a:pt x="10229" y="0"/>
                   </a:moveTo>
                   <a:lnTo>
-                    <a:pt x="0" y="1"/>
+                    <a:pt x="0" y="0"/>
                   </a:lnTo>
                 </a:path>
               </a:pathLst>
@@ -15956,7 +16204,7 @@
           </p:nvSpPr>
           <p:spPr>
             <a:xfrm>
-              <a:off x="688900" y="1145950"/>
+              <a:off x="688900" y="1090525"/>
               <a:ext cx="255750" cy="25"/>
             </a:xfrm>
             <a:custGeom>
@@ -15964,10 +16212,10 @@
               <a:pathLst>
                 <a:path extrusionOk="0" fill="none" h="1" w="10230">
                   <a:moveTo>
-                    <a:pt x="10229" y="0"/>
+                    <a:pt x="10229" y="1"/>
                   </a:moveTo>
                   <a:lnTo>
-                    <a:pt x="0" y="0"/>
+                    <a:pt x="0" y="1"/>
                   </a:lnTo>
                 </a:path>
               </a:pathLst>
@@ -16017,67 +16265,6 @@
           </p:nvSpPr>
           <p:spPr>
             <a:xfrm>
-              <a:off x="688900" y="1090525"/>
-              <a:ext cx="255750" cy="25"/>
-            </a:xfrm>
-            <a:custGeom>
-              <a:rect b="b" l="l" r="r" t="t"/>
-              <a:pathLst>
-                <a:path extrusionOk="0" fill="none" h="1" w="10230">
-                  <a:moveTo>
-                    <a:pt x="10229" y="1"/>
-                  </a:moveTo>
-                  <a:lnTo>
-                    <a:pt x="0" y="1"/>
-                  </a:lnTo>
-                </a:path>
-              </a:pathLst>
-            </a:custGeom>
-            <a:noFill/>
-            <a:ln cap="rnd" cmpd="sng" w="12175">
-              <a:solidFill>
-                <a:srgbClr val="0091EA"/>
-              </a:solidFill>
-              <a:prstDash val="solid"/>
-              <a:round/>
-              <a:headEnd len="sm" w="sm" type="none"/>
-              <a:tailEnd len="sm" w="sm" type="none"/>
-            </a:ln>
-          </p:spPr>
-          <p:txBody>
-            <a:bodyPr anchorCtr="0" anchor="ctr" bIns="91425" lIns="91425" spcFirstLastPara="1" rIns="91425" wrap="square" tIns="91425">
-              <a:noAutofit/>
-            </a:bodyPr>
-            <a:lstStyle/>
-            <a:p>
-              <a:pPr indent="0" lvl="0" marL="0" rtl="0" algn="l">
-                <a:spcBef>
-                  <a:spcPts val="0"/>
-                </a:spcBef>
-                <a:spcAft>
-                  <a:spcPts val="0"/>
-                </a:spcAft>
-                <a:buNone/>
-              </a:pPr>
-              <a:r>
-                <a:t/>
-              </a:r>
-              <a:endParaRPr>
-                <a:solidFill>
-                  <a:srgbClr val="FFFFFF"/>
-                </a:solidFill>
-              </a:endParaRPr>
-            </a:p>
-          </p:txBody>
-        </p:sp>
-        <p:sp>
-          <p:nvSpPr>
-            <p:cNvPr id="222" name="Google Shape;222;p21"/>
-            <p:cNvSpPr/>
-            <p:nvPr/>
-          </p:nvSpPr>
-          <p:spPr>
-            <a:xfrm>
               <a:off x="920250" y="929175"/>
               <a:ext cx="84050" cy="84050"/>
             </a:xfrm>
@@ -16171,7 +16358,7 @@
       </p:grpSp>
       <p:grpSp>
         <p:nvGrpSpPr>
-          <p:cNvPr id="223" name="Google Shape;223;p21"/>
+          <p:cNvPr id="222" name="Google Shape;222;p21"/>
           <p:cNvGrpSpPr/>
           <p:nvPr/>
         </p:nvGrpSpPr>
@@ -16185,7 +16372,7 @@
         </p:grpSpPr>
         <p:sp>
           <p:nvSpPr>
-            <p:cNvPr id="224" name="Google Shape;224;p21"/>
+            <p:cNvPr id="223" name="Google Shape;223;p21"/>
             <p:cNvSpPr/>
             <p:nvPr/>
           </p:nvSpPr>
@@ -16271,6 +16458,67 @@
                     <a:pt x="5846" y="3605"/>
                   </a:lnTo>
                   <a:close/>
+                </a:path>
+              </a:pathLst>
+            </a:custGeom>
+            <a:noFill/>
+            <a:ln cap="rnd" cmpd="sng" w="12175">
+              <a:solidFill>
+                <a:srgbClr val="0091EA"/>
+              </a:solidFill>
+              <a:prstDash val="solid"/>
+              <a:round/>
+              <a:headEnd len="sm" w="sm" type="none"/>
+              <a:tailEnd len="sm" w="sm" type="none"/>
+            </a:ln>
+          </p:spPr>
+          <p:txBody>
+            <a:bodyPr anchorCtr="0" anchor="ctr" bIns="91425" lIns="91425" spcFirstLastPara="1" rIns="91425" wrap="square" tIns="91425">
+              <a:noAutofit/>
+            </a:bodyPr>
+            <a:lstStyle/>
+            <a:p>
+              <a:pPr indent="0" lvl="0" marL="0" rtl="0" algn="l">
+                <a:spcBef>
+                  <a:spcPts val="0"/>
+                </a:spcBef>
+                <a:spcAft>
+                  <a:spcPts val="0"/>
+                </a:spcAft>
+                <a:buNone/>
+              </a:pPr>
+              <a:r>
+                <a:t/>
+              </a:r>
+              <a:endParaRPr>
+                <a:solidFill>
+                  <a:srgbClr val="FFFFFF"/>
+                </a:solidFill>
+              </a:endParaRPr>
+            </a:p>
+          </p:txBody>
+        </p:sp>
+        <p:sp>
+          <p:nvSpPr>
+            <p:cNvPr id="224" name="Google Shape;224;p21"/>
+            <p:cNvSpPr/>
+            <p:nvPr/>
+          </p:nvSpPr>
+          <p:spPr>
+            <a:xfrm>
+              <a:off x="2019900" y="1757250"/>
+              <a:ext cx="261825" cy="261850"/>
+            </a:xfrm>
+            <a:custGeom>
+              <a:rect b="b" l="l" r="r" t="t"/>
+              <a:pathLst>
+                <a:path extrusionOk="0" fill="none" h="10474" w="10473">
+                  <a:moveTo>
+                    <a:pt x="10473" y="1"/>
+                  </a:moveTo>
+                  <a:lnTo>
+                    <a:pt x="0" y="10473"/>
+                  </a:lnTo>
                 </a:path>
               </a:pathLst>
             </a:custGeom>
@@ -16319,18 +16567,90 @@
           </p:nvSpPr>
           <p:spPr>
             <a:xfrm>
-              <a:off x="2019900" y="1757250"/>
-              <a:ext cx="261825" cy="261850"/>
+              <a:off x="1923675" y="1681150"/>
+              <a:ext cx="388500" cy="388475"/>
             </a:xfrm>
             <a:custGeom>
               <a:rect b="b" l="l" r="r" t="t"/>
               <a:pathLst>
-                <a:path extrusionOk="0" fill="none" h="10474" w="10473">
+                <a:path extrusionOk="0" fill="none" h="15539" w="15540">
                   <a:moveTo>
-                    <a:pt x="10473" y="1"/>
+                    <a:pt x="11277" y="0"/>
                   </a:moveTo>
                   <a:lnTo>
-                    <a:pt x="0" y="10473"/>
+                    <a:pt x="756" y="10546"/>
+                  </a:lnTo>
+                  <a:lnTo>
+                    <a:pt x="756" y="10546"/>
+                  </a:lnTo>
+                  <a:lnTo>
+                    <a:pt x="683" y="10619"/>
+                  </a:lnTo>
+                  <a:lnTo>
+                    <a:pt x="634" y="10692"/>
+                  </a:lnTo>
+                  <a:lnTo>
+                    <a:pt x="610" y="10765"/>
+                  </a:lnTo>
+                  <a:lnTo>
+                    <a:pt x="585" y="10863"/>
+                  </a:lnTo>
+                  <a:lnTo>
+                    <a:pt x="1" y="14881"/>
+                  </a:lnTo>
+                  <a:lnTo>
+                    <a:pt x="1" y="14881"/>
+                  </a:lnTo>
+                  <a:lnTo>
+                    <a:pt x="1" y="15003"/>
+                  </a:lnTo>
+                  <a:lnTo>
+                    <a:pt x="25" y="15149"/>
+                  </a:lnTo>
+                  <a:lnTo>
+                    <a:pt x="98" y="15271"/>
+                  </a:lnTo>
+                  <a:lnTo>
+                    <a:pt x="171" y="15368"/>
+                  </a:lnTo>
+                  <a:lnTo>
+                    <a:pt x="171" y="15368"/>
+                  </a:lnTo>
+                  <a:lnTo>
+                    <a:pt x="269" y="15441"/>
+                  </a:lnTo>
+                  <a:lnTo>
+                    <a:pt x="366" y="15490"/>
+                  </a:lnTo>
+                  <a:lnTo>
+                    <a:pt x="464" y="15514"/>
+                  </a:lnTo>
+                  <a:lnTo>
+                    <a:pt x="585" y="15539"/>
+                  </a:lnTo>
+                  <a:lnTo>
+                    <a:pt x="585" y="15539"/>
+                  </a:lnTo>
+                  <a:lnTo>
+                    <a:pt x="659" y="15539"/>
+                  </a:lnTo>
+                  <a:lnTo>
+                    <a:pt x="4677" y="14954"/>
+                  </a:lnTo>
+                  <a:lnTo>
+                    <a:pt x="4677" y="14954"/>
+                  </a:lnTo>
+                  <a:lnTo>
+                    <a:pt x="4848" y="14905"/>
+                  </a:lnTo>
+                  <a:lnTo>
+                    <a:pt x="4921" y="14857"/>
+                  </a:lnTo>
+                  <a:lnTo>
+                    <a:pt x="4994" y="14784"/>
+                  </a:lnTo>
+                  <a:lnTo>
+                    <a:pt x="15539" y="4262"/>
                   </a:lnTo>
                 </a:path>
               </a:pathLst>
@@ -16380,90 +16700,18 @@
           </p:nvSpPr>
           <p:spPr>
             <a:xfrm>
-              <a:off x="1923675" y="1681150"/>
-              <a:ext cx="388500" cy="388475"/>
+              <a:off x="1974225" y="1711575"/>
+              <a:ext cx="261825" cy="261850"/>
             </a:xfrm>
             <a:custGeom>
               <a:rect b="b" l="l" r="r" t="t"/>
               <a:pathLst>
-                <a:path extrusionOk="0" fill="none" h="15539" w="15540">
+                <a:path extrusionOk="0" fill="none" h="10474" w="10473">
                   <a:moveTo>
-                    <a:pt x="11277" y="0"/>
+                    <a:pt x="0" y="10474"/>
                   </a:moveTo>
                   <a:lnTo>
-                    <a:pt x="756" y="10546"/>
-                  </a:lnTo>
-                  <a:lnTo>
-                    <a:pt x="756" y="10546"/>
-                  </a:lnTo>
-                  <a:lnTo>
-                    <a:pt x="683" y="10619"/>
-                  </a:lnTo>
-                  <a:lnTo>
-                    <a:pt x="634" y="10692"/>
-                  </a:lnTo>
-                  <a:lnTo>
-                    <a:pt x="610" y="10765"/>
-                  </a:lnTo>
-                  <a:lnTo>
-                    <a:pt x="585" y="10863"/>
-                  </a:lnTo>
-                  <a:lnTo>
-                    <a:pt x="1" y="14881"/>
-                  </a:lnTo>
-                  <a:lnTo>
-                    <a:pt x="1" y="14881"/>
-                  </a:lnTo>
-                  <a:lnTo>
-                    <a:pt x="1" y="15003"/>
-                  </a:lnTo>
-                  <a:lnTo>
-                    <a:pt x="25" y="15149"/>
-                  </a:lnTo>
-                  <a:lnTo>
-                    <a:pt x="98" y="15271"/>
-                  </a:lnTo>
-                  <a:lnTo>
-                    <a:pt x="171" y="15368"/>
-                  </a:lnTo>
-                  <a:lnTo>
-                    <a:pt x="171" y="15368"/>
-                  </a:lnTo>
-                  <a:lnTo>
-                    <a:pt x="269" y="15441"/>
-                  </a:lnTo>
-                  <a:lnTo>
-                    <a:pt x="366" y="15490"/>
-                  </a:lnTo>
-                  <a:lnTo>
-                    <a:pt x="464" y="15514"/>
-                  </a:lnTo>
-                  <a:lnTo>
-                    <a:pt x="585" y="15539"/>
-                  </a:lnTo>
-                  <a:lnTo>
-                    <a:pt x="585" y="15539"/>
-                  </a:lnTo>
-                  <a:lnTo>
-                    <a:pt x="659" y="15539"/>
-                  </a:lnTo>
-                  <a:lnTo>
-                    <a:pt x="4677" y="14954"/>
-                  </a:lnTo>
-                  <a:lnTo>
-                    <a:pt x="4677" y="14954"/>
-                  </a:lnTo>
-                  <a:lnTo>
-                    <a:pt x="4848" y="14905"/>
-                  </a:lnTo>
-                  <a:lnTo>
-                    <a:pt x="4921" y="14857"/>
-                  </a:lnTo>
-                  <a:lnTo>
-                    <a:pt x="4994" y="14784"/>
-                  </a:lnTo>
-                  <a:lnTo>
-                    <a:pt x="15539" y="4262"/>
+                    <a:pt x="10473" y="1"/>
                   </a:lnTo>
                 </a:path>
               </a:pathLst>
@@ -16513,18 +16761,18 @@
           </p:nvSpPr>
           <p:spPr>
             <a:xfrm>
-              <a:off x="1974225" y="1711575"/>
-              <a:ext cx="261825" cy="261850"/>
+              <a:off x="1934650" y="2014200"/>
+              <a:ext cx="44475" cy="44475"/>
             </a:xfrm>
             <a:custGeom>
               <a:rect b="b" l="l" r="r" t="t"/>
               <a:pathLst>
-                <a:path extrusionOk="0" fill="none" h="10474" w="10473">
+                <a:path extrusionOk="0" fill="none" h="1779" w="1779">
                   <a:moveTo>
-                    <a:pt x="0" y="10474"/>
+                    <a:pt x="1778" y="1778"/>
                   </a:moveTo>
                   <a:lnTo>
-                    <a:pt x="10473" y="1"/>
+                    <a:pt x="0" y="0"/>
                   </a:lnTo>
                 </a:path>
               </a:pathLst>
@@ -16569,67 +16817,6 @@
         <p:sp>
           <p:nvSpPr>
             <p:cNvPr id="228" name="Google Shape;228;p21"/>
-            <p:cNvSpPr/>
-            <p:nvPr/>
-          </p:nvSpPr>
-          <p:spPr>
-            <a:xfrm>
-              <a:off x="1934650" y="2014200"/>
-              <a:ext cx="44475" cy="44475"/>
-            </a:xfrm>
-            <a:custGeom>
-              <a:rect b="b" l="l" r="r" t="t"/>
-              <a:pathLst>
-                <a:path extrusionOk="0" fill="none" h="1779" w="1779">
-                  <a:moveTo>
-                    <a:pt x="1778" y="1778"/>
-                  </a:moveTo>
-                  <a:lnTo>
-                    <a:pt x="0" y="0"/>
-                  </a:lnTo>
-                </a:path>
-              </a:pathLst>
-            </a:custGeom>
-            <a:noFill/>
-            <a:ln cap="rnd" cmpd="sng" w="12175">
-              <a:solidFill>
-                <a:srgbClr val="0091EA"/>
-              </a:solidFill>
-              <a:prstDash val="solid"/>
-              <a:round/>
-              <a:headEnd len="sm" w="sm" type="none"/>
-              <a:tailEnd len="sm" w="sm" type="none"/>
-            </a:ln>
-          </p:spPr>
-          <p:txBody>
-            <a:bodyPr anchorCtr="0" anchor="ctr" bIns="91425" lIns="91425" spcFirstLastPara="1" rIns="91425" wrap="square" tIns="91425">
-              <a:noAutofit/>
-            </a:bodyPr>
-            <a:lstStyle/>
-            <a:p>
-              <a:pPr indent="0" lvl="0" marL="0" rtl="0" algn="l">
-                <a:spcBef>
-                  <a:spcPts val="0"/>
-                </a:spcBef>
-                <a:spcAft>
-                  <a:spcPts val="0"/>
-                </a:spcAft>
-                <a:buNone/>
-              </a:pPr>
-              <a:r>
-                <a:t/>
-              </a:r>
-              <a:endParaRPr>
-                <a:solidFill>
-                  <a:srgbClr val="FFFFFF"/>
-                </a:solidFill>
-              </a:endParaRPr>
-            </a:p>
-          </p:txBody>
-        </p:sp>
-        <p:sp>
-          <p:nvSpPr>
-            <p:cNvPr id="229" name="Google Shape;229;p21"/>
             <p:cNvSpPr/>
             <p:nvPr/>
           </p:nvSpPr>
@@ -16734,6 +16921,41 @@
                             <p:childTnLst>
                               <p:par>
                                 <p:cTn fill="hold" nodeType="clickEffect" presetClass="entr" presetID="10" presetSubtype="0">
+                                  <p:stCondLst>
+                                    <p:cond delay="0"/>
+                                  </p:stCondLst>
+                                  <p:childTnLst>
+                                    <p:set>
+                                      <p:cBhvr>
+                                        <p:cTn dur="1" fill="hold">
+                                          <p:stCondLst>
+                                            <p:cond delay="0"/>
+                                          </p:stCondLst>
+                                        </p:cTn>
+                                        <p:tgtEl>
+                                          <p:spTgt spid="174"/>
+                                        </p:tgtEl>
+                                        <p:attrNameLst>
+                                          <p:attrName>style.visibility</p:attrName>
+                                        </p:attrNameLst>
+                                      </p:cBhvr>
+                                      <p:to>
+                                        <p:strVal val="visible"/>
+                                      </p:to>
+                                    </p:set>
+                                    <p:animEffect filter="fade" transition="in">
+                                      <p:cBhvr>
+                                        <p:cTn dur="1000"/>
+                                        <p:tgtEl>
+                                          <p:spTgt spid="174"/>
+                                        </p:tgtEl>
+                                      </p:cBhvr>
+                                    </p:animEffect>
+                                  </p:childTnLst>
+                                </p:cTn>
+                              </p:par>
+                              <p:par>
+                                <p:cTn fill="hold" nodeType="withEffect" presetClass="entr" presetID="10" presetSubtype="0">
                                   <p:stCondLst>
                                     <p:cond delay="0"/>
                                   </p:stCondLst>
@@ -16816,7 +17038,7 @@
                                           </p:stCondLst>
                                         </p:cTn>
                                         <p:tgtEl>
-                                          <p:spTgt spid="177"/>
+                                          <p:spTgt spid="192"/>
                                         </p:tgtEl>
                                         <p:attrNameLst>
                                           <p:attrName>style.visibility</p:attrName>
@@ -16830,7 +17052,7 @@
                                       <p:cBhvr>
                                         <p:cTn dur="1000"/>
                                         <p:tgtEl>
-                                          <p:spTgt spid="177"/>
+                                          <p:spTgt spid="192"/>
                                         </p:tgtEl>
                                       </p:cBhvr>
                                     </p:animEffect>
@@ -16851,7 +17073,7 @@
                                           </p:stCondLst>
                                         </p:cTn>
                                         <p:tgtEl>
-                                          <p:spTgt spid="193"/>
+                                          <p:spTgt spid="200"/>
                                         </p:tgtEl>
                                         <p:attrNameLst>
                                           <p:attrName>style.visibility</p:attrName>
@@ -16865,7 +17087,7 @@
                                       <p:cBhvr>
                                         <p:cTn dur="1000"/>
                                         <p:tgtEl>
-                                          <p:spTgt spid="193"/>
+                                          <p:spTgt spid="200"/>
                                         </p:tgtEl>
                                       </p:cBhvr>
                                     </p:animEffect>
@@ -16991,7 +17213,7 @@
                                           </p:stCondLst>
                                         </p:cTn>
                                         <p:tgtEl>
-                                          <p:spTgt spid="204"/>
+                                          <p:spTgt spid="208"/>
                                         </p:tgtEl>
                                         <p:attrNameLst>
                                           <p:attrName>style.visibility</p:attrName>
@@ -17005,7 +17227,7 @@
                                       <p:cBhvr>
                                         <p:cTn dur="1000"/>
                                         <p:tgtEl>
-                                          <p:spTgt spid="204"/>
+                                          <p:spTgt spid="208"/>
                                         </p:tgtEl>
                                       </p:cBhvr>
                                     </p:animEffect>
@@ -17026,7 +17248,7 @@
                                           </p:stCondLst>
                                         </p:cTn>
                                         <p:tgtEl>
-                                          <p:spTgt spid="209"/>
+                                          <p:spTgt spid="211"/>
                                         </p:tgtEl>
                                         <p:attrNameLst>
                                           <p:attrName>style.visibility</p:attrName>
@@ -17040,7 +17262,7 @@
                                       <p:cBhvr>
                                         <p:cTn dur="1000"/>
                                         <p:tgtEl>
-                                          <p:spTgt spid="209"/>
+                                          <p:spTgt spid="211"/>
                                         </p:tgtEl>
                                       </p:cBhvr>
                                     </p:animEffect>
@@ -17061,7 +17283,7 @@
                                           </p:stCondLst>
                                         </p:cTn>
                                         <p:tgtEl>
-                                          <p:spTgt spid="212"/>
+                                          <p:spTgt spid="214"/>
                                         </p:tgtEl>
                                         <p:attrNameLst>
                                           <p:attrName>style.visibility</p:attrName>
@@ -17075,7 +17297,7 @@
                                       <p:cBhvr>
                                         <p:cTn dur="1000"/>
                                         <p:tgtEl>
-                                          <p:spTgt spid="212"/>
+                                          <p:spTgt spid="214"/>
                                         </p:tgtEl>
                                       </p:cBhvr>
                                     </p:animEffect>
@@ -17096,7 +17318,7 @@
                                           </p:stCondLst>
                                         </p:cTn>
                                         <p:tgtEl>
-                                          <p:spTgt spid="215"/>
+                                          <p:spTgt spid="222"/>
                                         </p:tgtEl>
                                         <p:attrNameLst>
                                           <p:attrName>style.visibility</p:attrName>
@@ -17110,7 +17332,7 @@
                                       <p:cBhvr>
                                         <p:cTn dur="1000"/>
                                         <p:tgtEl>
-                                          <p:spTgt spid="215"/>
+                                          <p:spTgt spid="222"/>
                                         </p:tgtEl>
                                       </p:cBhvr>
                                     </p:animEffect>
@@ -17153,7 +17375,7 @@
   <p:cSld>
     <p:spTree>
       <p:nvGrpSpPr>
-        <p:cNvPr id="233" name="Shape 233"/>
+        <p:cNvPr id="232" name="Shape 232"/>
         <p:cNvGrpSpPr/>
         <p:nvPr/>
       </p:nvGrpSpPr>
@@ -17167,7 +17389,7 @@
       </p:grpSpPr>
       <p:sp>
         <p:nvSpPr>
-          <p:cNvPr id="234" name="Google Shape;234;p22"/>
+          <p:cNvPr id="233" name="Google Shape;233;p22"/>
           <p:cNvSpPr txBox="1"/>
           <p:nvPr>
             <p:ph idx="4294967295" type="ctrTitle"/>
@@ -17207,7 +17429,7 @@
       </p:sp>
       <p:sp>
         <p:nvSpPr>
-          <p:cNvPr id="235" name="Google Shape;235;p22"/>
+          <p:cNvPr id="234" name="Google Shape;234;p22"/>
           <p:cNvSpPr txBox="1"/>
           <p:nvPr>
             <p:ph idx="12" type="sldNum"/>
@@ -17247,7 +17469,7 @@
       </p:sp>
       <p:sp>
         <p:nvSpPr>
-          <p:cNvPr id="236" name="Google Shape;236;p22"/>
+          <p:cNvPr id="235" name="Google Shape;235;p22"/>
           <p:cNvSpPr txBox="1"/>
           <p:nvPr/>
         </p:nvSpPr>
@@ -17337,7 +17559,7 @@
       </p:sp>
       <p:pic>
         <p:nvPicPr>
-          <p:cNvPr id="237" name="Google Shape;237;p22"/>
+          <p:cNvPr id="236" name="Google Shape;236;p22"/>
           <p:cNvPicPr preferRelativeResize="0"/>
           <p:nvPr/>
         </p:nvPicPr>
@@ -18443,8 +18665,8 @@
         </p:nvSpPr>
         <p:spPr>
           <a:xfrm>
-            <a:off x="-87" y="6333125"/>
-            <a:ext cx="9144000" cy="525000"/>
+            <a:off x="8404384" y="6333134"/>
+            <a:ext cx="548700" cy="525000"/>
           </a:xfrm>
           <a:prstGeom prst="rect">
             <a:avLst/>
@@ -18456,7 +18678,7 @@
           </a:bodyPr>
           <a:lstStyle/>
           <a:p>
-            <a:pPr indent="0" lvl="0" marL="0" rtl="0" algn="ctr">
+            <a:pPr indent="0" lvl="0" marL="0" rtl="0" algn="r">
               <a:spcBef>
                 <a:spcPts val="0"/>
               </a:spcBef>
@@ -18543,7 +18765,7 @@
           <p:cNvPr id="97" name="Google Shape;97;p15"/>
           <p:cNvSpPr txBox="1"/>
           <p:nvPr>
-            <p:ph idx="1" type="body"/>
+            <p:ph idx="4294967295" type="body"/>
           </p:nvPr>
         </p:nvSpPr>
         <p:spPr>
@@ -18590,11 +18812,7 @@
             </a:pPr>
             <a:r>
               <a:rPr lang="en"/>
-              <a:t>今、</a:t>
-            </a:r>
-            <a:r>
-              <a:rPr lang="en"/>
-              <a:t>どういう時にいくらもらえるっけ</a:t>
+              <a:t>今、どういう時にいくらもらえるっけ</a:t>
             </a:r>
             <a:endParaRPr/>
           </a:p>
@@ -18673,46 +18891,6 @@
             <a:r>
               <a:t/>
             </a:r>
-            <a:endParaRPr/>
-          </a:p>
-        </p:txBody>
-      </p:sp>
-      <p:sp>
-        <p:nvSpPr>
-          <p:cNvPr id="98" name="Google Shape;98;p15"/>
-          <p:cNvSpPr txBox="1"/>
-          <p:nvPr>
-            <p:ph idx="12" type="sldNum"/>
-          </p:nvPr>
-        </p:nvSpPr>
-        <p:spPr>
-          <a:xfrm>
-            <a:off x="8404384" y="6333134"/>
-            <a:ext cx="548700" cy="525000"/>
-          </a:xfrm>
-          <a:prstGeom prst="rect">
-            <a:avLst/>
-          </a:prstGeom>
-        </p:spPr>
-        <p:txBody>
-          <a:bodyPr anchorCtr="0" anchor="t" bIns="91425" lIns="91425" spcFirstLastPara="1" rIns="91425" wrap="square" tIns="91425">
-            <a:noAutofit/>
-          </a:bodyPr>
-          <a:lstStyle/>
-          <a:p>
-            <a:pPr indent="0" lvl="0" marL="0" rtl="0" algn="r">
-              <a:spcBef>
-                <a:spcPts val="0"/>
-              </a:spcBef>
-              <a:spcAft>
-                <a:spcPts val="0"/>
-              </a:spcAft>
-              <a:buNone/>
-            </a:pPr>
-            <a:fld id="{00000000-1234-1234-1234-123412341234}" type="slidenum">
-              <a:rPr lang="en"/>
-              <a:t>‹#›</a:t>
-            </a:fld>
             <a:endParaRPr/>
           </a:p>
         </p:txBody>
@@ -18730,7 +18908,7 @@
   <p:cSld>
     <p:spTree>
       <p:nvGrpSpPr>
-        <p:cNvPr id="102" name="Shape 102"/>
+        <p:cNvPr id="101" name="Shape 101"/>
         <p:cNvGrpSpPr/>
         <p:nvPr/>
       </p:nvGrpSpPr>
@@ -18744,7 +18922,7 @@
       </p:grpSpPr>
       <p:sp>
         <p:nvSpPr>
-          <p:cNvPr id="103" name="Google Shape;103;p16"/>
+          <p:cNvPr id="102" name="Google Shape;102;p16"/>
           <p:cNvSpPr/>
           <p:nvPr/>
         </p:nvSpPr>
@@ -18791,7 +18969,7 @@
       </p:sp>
       <p:sp>
         <p:nvSpPr>
-          <p:cNvPr id="104" name="Google Shape;104;p16"/>
+          <p:cNvPr id="103" name="Google Shape;103;p16"/>
           <p:cNvSpPr txBox="1"/>
           <p:nvPr>
             <p:ph idx="4294967295" type="ctrTitle"/>
@@ -18831,7 +19009,7 @@
       </p:sp>
       <p:sp>
         <p:nvSpPr>
-          <p:cNvPr id="105" name="Google Shape;105;p16"/>
+          <p:cNvPr id="104" name="Google Shape;104;p16"/>
           <p:cNvSpPr txBox="1"/>
           <p:nvPr>
             <p:ph idx="4294967295" type="subTitle"/>
@@ -18899,7 +19077,7 @@
       </p:sp>
       <p:cxnSp>
         <p:nvCxnSpPr>
-          <p:cNvPr id="106" name="Google Shape;106;p16"/>
+          <p:cNvPr id="105" name="Google Shape;105;p16"/>
           <p:cNvCxnSpPr/>
           <p:nvPr/>
         </p:nvCxnSpPr>
@@ -18925,7 +19103,7 @@
       </p:cxnSp>
       <p:cxnSp>
         <p:nvCxnSpPr>
-          <p:cNvPr id="107" name="Google Shape;107;p16"/>
+          <p:cNvPr id="106" name="Google Shape;106;p16"/>
           <p:cNvCxnSpPr/>
           <p:nvPr/>
         </p:nvCxnSpPr>
@@ -18951,9 +19129,9 @@
       </p:cxnSp>
       <p:cxnSp>
         <p:nvCxnSpPr>
-          <p:cNvPr id="108" name="Google Shape;108;p16"/>
+          <p:cNvPr id="107" name="Google Shape;107;p16"/>
           <p:cNvCxnSpPr>
-            <a:endCxn id="103" idx="6"/>
+            <a:endCxn id="102" idx="6"/>
           </p:cNvCxnSpPr>
           <p:nvPr/>
         </p:nvCxnSpPr>
@@ -18979,7 +19157,7 @@
       </p:cxnSp>
       <p:sp>
         <p:nvSpPr>
-          <p:cNvPr id="109" name="Google Shape;109;p16"/>
+          <p:cNvPr id="108" name="Google Shape;108;p16"/>
           <p:cNvSpPr/>
           <p:nvPr/>
         </p:nvSpPr>
@@ -19026,7 +19204,7 @@
       </p:sp>
       <p:grpSp>
         <p:nvGrpSpPr>
-          <p:cNvPr id="110" name="Google Shape;110;p16"/>
+          <p:cNvPr id="109" name="Google Shape;109;p16"/>
           <p:cNvGrpSpPr/>
           <p:nvPr/>
         </p:nvGrpSpPr>
@@ -19040,7 +19218,7 @@
         </p:grpSpPr>
         <p:sp>
           <p:nvSpPr>
-            <p:cNvPr id="111" name="Google Shape;111;p16"/>
+            <p:cNvPr id="110" name="Google Shape;110;p16"/>
             <p:cNvSpPr/>
             <p:nvPr/>
           </p:nvSpPr>
@@ -19226,7 +19404,7 @@
         </p:sp>
         <p:sp>
           <p:nvSpPr>
-            <p:cNvPr id="112" name="Google Shape;112;p16"/>
+            <p:cNvPr id="111" name="Google Shape;111;p16"/>
             <p:cNvSpPr/>
             <p:nvPr/>
           </p:nvSpPr>
@@ -19684,7 +19862,7 @@
       </p:grpSp>
       <p:sp>
         <p:nvSpPr>
-          <p:cNvPr id="113" name="Google Shape;113;p16"/>
+          <p:cNvPr id="112" name="Google Shape;112;p16"/>
           <p:cNvSpPr txBox="1"/>
           <p:nvPr>
             <p:ph idx="12" type="sldNum"/>
@@ -19724,7 +19902,7 @@
       </p:sp>
       <p:sp>
         <p:nvSpPr>
-          <p:cNvPr id="114" name="Google Shape;114;p16"/>
+          <p:cNvPr id="113" name="Google Shape;113;p16"/>
           <p:cNvSpPr txBox="1"/>
           <p:nvPr>
             <p:ph idx="4294967295" type="subTitle"/>
@@ -19833,7 +20011,7 @@
                                           </p:stCondLst>
                                         </p:cTn>
                                         <p:tgtEl>
-                                          <p:spTgt spid="114"/>
+                                          <p:spTgt spid="113"/>
                                         </p:tgtEl>
                                         <p:attrNameLst>
                                           <p:attrName>style.visibility</p:attrName>
@@ -19847,7 +20025,7 @@
                                       <p:cBhvr>
                                         <p:cTn dur="1000"/>
                                         <p:tgtEl>
-                                          <p:spTgt spid="114"/>
+                                          <p:spTgt spid="113"/>
                                         </p:tgtEl>
                                       </p:cBhvr>
                                     </p:animEffect>
@@ -19890,7 +20068,7 @@
   <p:cSld>
     <p:spTree>
       <p:nvGrpSpPr>
-        <p:cNvPr id="118" name="Shape 118"/>
+        <p:cNvPr id="117" name="Shape 117"/>
         <p:cNvGrpSpPr/>
         <p:nvPr/>
       </p:nvGrpSpPr>
@@ -19904,7 +20082,7 @@
       </p:grpSpPr>
       <p:sp>
         <p:nvSpPr>
-          <p:cNvPr id="119" name="Google Shape;119;p17"/>
+          <p:cNvPr id="118" name="Google Shape;118;p17"/>
           <p:cNvSpPr txBox="1"/>
           <p:nvPr>
             <p:ph type="title"/>
@@ -19944,7 +20122,7 @@
       </p:sp>
       <p:pic>
         <p:nvPicPr>
-          <p:cNvPr id="120" name="Google Shape;120;p17"/>
+          <p:cNvPr id="119" name="Google Shape;119;p17"/>
           <p:cNvPicPr preferRelativeResize="0"/>
           <p:nvPr/>
         </p:nvPicPr>
@@ -19972,7 +20150,7 @@
       </p:pic>
       <p:sp>
         <p:nvSpPr>
-          <p:cNvPr id="121" name="Google Shape;121;p17"/>
+          <p:cNvPr id="120" name="Google Shape;120;p17"/>
           <p:cNvSpPr txBox="1"/>
           <p:nvPr>
             <p:ph idx="4294967295" type="body"/>
@@ -20179,7 +20357,7 @@
   <p:cSld>
     <p:spTree>
       <p:nvGrpSpPr>
-        <p:cNvPr id="125" name="Shape 125"/>
+        <p:cNvPr id="124" name="Shape 124"/>
         <p:cNvGrpSpPr/>
         <p:nvPr/>
       </p:nvGrpSpPr>
@@ -20193,7 +20371,7 @@
       </p:grpSpPr>
       <p:sp>
         <p:nvSpPr>
-          <p:cNvPr id="126" name="Google Shape;126;p18"/>
+          <p:cNvPr id="125" name="Google Shape;125;p18"/>
           <p:cNvSpPr/>
           <p:nvPr/>
         </p:nvSpPr>
@@ -20243,7 +20421,7 @@
       </p:sp>
       <p:sp>
         <p:nvSpPr>
-          <p:cNvPr id="127" name="Google Shape;127;p18"/>
+          <p:cNvPr id="126" name="Google Shape;126;p18"/>
           <p:cNvSpPr txBox="1"/>
           <p:nvPr>
             <p:ph type="title"/>
@@ -20287,14 +20465,14 @@
       </p:sp>
       <p:sp>
         <p:nvSpPr>
-          <p:cNvPr id="128" name="Google Shape;128;p18"/>
+          <p:cNvPr id="127" name="Google Shape;127;p18"/>
           <p:cNvSpPr txBox="1"/>
           <p:nvPr/>
         </p:nvSpPr>
         <p:spPr>
           <a:xfrm>
-            <a:off x="786150" y="3969650"/>
-            <a:ext cx="1976400" cy="1647600"/>
+            <a:off x="574550" y="3969650"/>
+            <a:ext cx="2187900" cy="1647600"/>
           </a:xfrm>
           <a:prstGeom prst="rect">
             <a:avLst/>
@@ -20342,7 +20520,7 @@
       </p:sp>
       <p:sp>
         <p:nvSpPr>
-          <p:cNvPr id="129" name="Google Shape;129;p18"/>
+          <p:cNvPr id="128" name="Google Shape;128;p18"/>
           <p:cNvSpPr/>
           <p:nvPr/>
         </p:nvSpPr>
@@ -21042,7 +21220,7 @@
       </p:sp>
       <p:sp>
         <p:nvSpPr>
-          <p:cNvPr id="130" name="Google Shape;130;p18"/>
+          <p:cNvPr id="129" name="Google Shape;129;p18"/>
           <p:cNvSpPr/>
           <p:nvPr/>
         </p:nvSpPr>
@@ -21095,13 +21273,13 @@
       </p:sp>
       <p:sp>
         <p:nvSpPr>
-          <p:cNvPr id="131" name="Google Shape;131;p18"/>
+          <p:cNvPr id="130" name="Google Shape;130;p18"/>
           <p:cNvSpPr txBox="1"/>
           <p:nvPr/>
         </p:nvSpPr>
         <p:spPr>
           <a:xfrm>
-            <a:off x="1428275" y="4992100"/>
+            <a:off x="1269350" y="5092250"/>
             <a:ext cx="647700" cy="525000"/>
           </a:xfrm>
           <a:prstGeom prst="rect">
@@ -21150,7 +21328,7 @@
       </p:sp>
       <p:sp>
         <p:nvSpPr>
-          <p:cNvPr id="132" name="Google Shape;132;p18"/>
+          <p:cNvPr id="131" name="Google Shape;131;p18"/>
           <p:cNvSpPr/>
           <p:nvPr/>
         </p:nvSpPr>
@@ -21592,7 +21770,7 @@
       </p:sp>
       <p:sp>
         <p:nvSpPr>
-          <p:cNvPr id="133" name="Google Shape;133;p18"/>
+          <p:cNvPr id="132" name="Google Shape;132;p18"/>
           <p:cNvSpPr/>
           <p:nvPr/>
         </p:nvSpPr>
@@ -21645,7 +21823,7 @@
       </p:sp>
       <p:sp>
         <p:nvSpPr>
-          <p:cNvPr id="134" name="Google Shape;134;p18"/>
+          <p:cNvPr id="133" name="Google Shape;133;p18"/>
           <p:cNvSpPr/>
           <p:nvPr/>
         </p:nvSpPr>
@@ -21694,7 +21872,7 @@
       </p:sp>
       <p:sp>
         <p:nvSpPr>
-          <p:cNvPr id="135" name="Google Shape;135;p18"/>
+          <p:cNvPr id="134" name="Google Shape;134;p18"/>
           <p:cNvSpPr txBox="1"/>
           <p:nvPr>
             <p:ph idx="12" type="sldNum"/>
@@ -21734,7 +21912,7 @@
       </p:sp>
       <p:pic>
         <p:nvPicPr>
-          <p:cNvPr id="136" name="Google Shape;136;p18"/>
+          <p:cNvPr id="135" name="Google Shape;135;p18"/>
           <p:cNvPicPr preferRelativeResize="0"/>
           <p:nvPr/>
         </p:nvPicPr>
@@ -21762,7 +21940,7 @@
       </p:pic>
       <p:pic>
         <p:nvPicPr>
-          <p:cNvPr id="137" name="Google Shape;137;p18"/>
+          <p:cNvPr id="136" name="Google Shape;136;p18"/>
           <p:cNvPicPr preferRelativeResize="0"/>
           <p:nvPr/>
         </p:nvPicPr>
@@ -21790,7 +21968,7 @@
       </p:pic>
       <p:pic>
         <p:nvPicPr>
-          <p:cNvPr id="138" name="Google Shape;138;p18"/>
+          <p:cNvPr id="137" name="Google Shape;137;p18"/>
           <p:cNvPicPr preferRelativeResize="0"/>
           <p:nvPr/>
         </p:nvPicPr>
@@ -21818,7 +21996,7 @@
       </p:pic>
       <p:pic>
         <p:nvPicPr>
-          <p:cNvPr id="139" name="Google Shape;139;p18"/>
+          <p:cNvPr id="138" name="Google Shape;138;p18"/>
           <p:cNvPicPr preferRelativeResize="0"/>
           <p:nvPr/>
         </p:nvPicPr>
@@ -21846,7 +22024,7 @@
       </p:pic>
       <p:pic>
         <p:nvPicPr>
-          <p:cNvPr id="140" name="Google Shape;140;p18"/>
+          <p:cNvPr id="139" name="Google Shape;139;p18"/>
           <p:cNvPicPr preferRelativeResize="0"/>
           <p:nvPr/>
         </p:nvPicPr>
@@ -21874,10 +22052,10 @@
       </p:pic>
       <p:cxnSp>
         <p:nvCxnSpPr>
-          <p:cNvPr id="141" name="Google Shape;141;p18"/>
+          <p:cNvPr id="140" name="Google Shape;140;p18"/>
           <p:cNvCxnSpPr>
-            <a:stCxn id="142" idx="0"/>
-            <a:endCxn id="134" idx="1"/>
+            <a:stCxn id="141" idx="0"/>
+            <a:endCxn id="133" idx="1"/>
           </p:cNvCxnSpPr>
           <p:nvPr/>
         </p:nvCxnSpPr>
@@ -21903,7 +22081,7 @@
       </p:cxnSp>
       <p:pic>
         <p:nvPicPr>
-          <p:cNvPr id="142" name="Google Shape;142;p18"/>
+          <p:cNvPr id="141" name="Google Shape;141;p18"/>
           <p:cNvPicPr preferRelativeResize="0"/>
           <p:nvPr/>
         </p:nvPicPr>
@@ -21942,7 +22120,7 @@
   <p:cSld>
     <p:spTree>
       <p:nvGrpSpPr>
-        <p:cNvPr id="146" name="Shape 146"/>
+        <p:cNvPr id="145" name="Shape 145"/>
         <p:cNvGrpSpPr/>
         <p:nvPr/>
       </p:nvGrpSpPr>
@@ -21956,7 +22134,7 @@
       </p:grpSpPr>
       <p:sp>
         <p:nvSpPr>
-          <p:cNvPr id="147" name="Google Shape;147;p19"/>
+          <p:cNvPr id="146" name="Google Shape;146;p19"/>
           <p:cNvSpPr/>
           <p:nvPr/>
         </p:nvSpPr>
@@ -22005,7 +22183,7 @@
       </p:sp>
       <p:pic>
         <p:nvPicPr>
-          <p:cNvPr id="148" name="Google Shape;148;p19"/>
+          <p:cNvPr id="147" name="Google Shape;147;p19"/>
           <p:cNvPicPr preferRelativeResize="0"/>
           <p:nvPr/>
         </p:nvPicPr>
@@ -22033,7 +22211,7 @@
       </p:pic>
       <p:pic>
         <p:nvPicPr>
-          <p:cNvPr id="149" name="Google Shape;149;p19"/>
+          <p:cNvPr id="148" name="Google Shape;148;p19"/>
           <p:cNvPicPr preferRelativeResize="0"/>
           <p:nvPr/>
         </p:nvPicPr>
@@ -22061,7 +22239,7 @@
       </p:pic>
       <p:pic>
         <p:nvPicPr>
-          <p:cNvPr id="150" name="Google Shape;150;p19"/>
+          <p:cNvPr id="149" name="Google Shape;149;p19"/>
           <p:cNvPicPr preferRelativeResize="0"/>
           <p:nvPr/>
         </p:nvPicPr>
@@ -22089,7 +22267,7 @@
       </p:pic>
       <p:pic>
         <p:nvPicPr>
-          <p:cNvPr id="151" name="Google Shape;151;p19"/>
+          <p:cNvPr id="150" name="Google Shape;150;p19"/>
           <p:cNvPicPr preferRelativeResize="0"/>
           <p:nvPr/>
         </p:nvPicPr>
@@ -22117,7 +22295,7 @@
       </p:pic>
       <p:pic>
         <p:nvPicPr>
-          <p:cNvPr id="152" name="Google Shape;152;p19"/>
+          <p:cNvPr id="151" name="Google Shape;151;p19"/>
           <p:cNvPicPr preferRelativeResize="0"/>
           <p:nvPr/>
         </p:nvPicPr>
@@ -22145,10 +22323,10 @@
       </p:pic>
       <p:cxnSp>
         <p:nvCxnSpPr>
-          <p:cNvPr id="153" name="Google Shape;153;p19"/>
+          <p:cNvPr id="152" name="Google Shape;152;p19"/>
           <p:cNvCxnSpPr>
-            <a:stCxn id="154" idx="0"/>
-            <a:endCxn id="147" idx="1"/>
+            <a:stCxn id="153" idx="0"/>
+            <a:endCxn id="146" idx="1"/>
           </p:cNvCxnSpPr>
           <p:nvPr/>
         </p:nvCxnSpPr>
@@ -22174,7 +22352,7 @@
       </p:cxnSp>
       <p:pic>
         <p:nvPicPr>
-          <p:cNvPr id="154" name="Google Shape;154;p19"/>
+          <p:cNvPr id="153" name="Google Shape;153;p19"/>
           <p:cNvPicPr preferRelativeResize="0"/>
           <p:nvPr/>
         </p:nvPicPr>
@@ -22202,7 +22380,7 @@
       </p:pic>
       <p:sp>
         <p:nvSpPr>
-          <p:cNvPr id="155" name="Google Shape;155;p19"/>
+          <p:cNvPr id="154" name="Google Shape;154;p19"/>
           <p:cNvSpPr txBox="1"/>
           <p:nvPr>
             <p:ph type="title"/>
@@ -22242,7 +22420,7 @@
       </p:sp>
       <p:sp>
         <p:nvSpPr>
-          <p:cNvPr id="156" name="Google Shape;156;p19"/>
+          <p:cNvPr id="155" name="Google Shape;155;p19"/>
           <p:cNvSpPr txBox="1"/>
           <p:nvPr>
             <p:ph idx="4294967295" type="body"/>
@@ -22549,7 +22727,7 @@
       </p:sp>
       <p:grpSp>
         <p:nvGrpSpPr>
-          <p:cNvPr id="157" name="Google Shape;157;p19"/>
+          <p:cNvPr id="156" name="Google Shape;156;p19"/>
           <p:cNvGrpSpPr/>
           <p:nvPr/>
         </p:nvGrpSpPr>
@@ -22563,7 +22741,7 @@
         </p:grpSpPr>
         <p:sp>
           <p:nvSpPr>
-            <p:cNvPr id="158" name="Google Shape;158;p19"/>
+            <p:cNvPr id="157" name="Google Shape;157;p19"/>
             <p:cNvSpPr/>
             <p:nvPr/>
           </p:nvSpPr>
@@ -22610,7 +22788,7 @@
         </p:sp>
         <p:sp>
           <p:nvSpPr>
-            <p:cNvPr id="159" name="Google Shape;159;p19"/>
+            <p:cNvPr id="158" name="Google Shape;158;p19"/>
             <p:cNvSpPr/>
             <p:nvPr/>
           </p:nvSpPr>
@@ -22654,7 +22832,7 @@
       </p:grpSp>
       <p:sp>
         <p:nvSpPr>
-          <p:cNvPr id="160" name="Google Shape;160;p19"/>
+          <p:cNvPr id="159" name="Google Shape;159;p19"/>
           <p:cNvSpPr/>
           <p:nvPr/>
         </p:nvSpPr>
@@ -22727,7 +22905,7 @@
     </p:bg>
     <p:spTree>
       <p:nvGrpSpPr>
-        <p:cNvPr id="164" name="Shape 164"/>
+        <p:cNvPr id="163" name="Shape 163"/>
         <p:cNvGrpSpPr/>
         <p:nvPr/>
       </p:nvGrpSpPr>
@@ -22741,7 +22919,7 @@
       </p:grpSpPr>
       <p:sp>
         <p:nvSpPr>
-          <p:cNvPr id="165" name="Google Shape;165;p20"/>
+          <p:cNvPr id="164" name="Google Shape;164;p20"/>
           <p:cNvSpPr/>
           <p:nvPr/>
         </p:nvSpPr>
@@ -22805,7 +22983,7 @@
       </p:sp>
       <p:sp>
         <p:nvSpPr>
-          <p:cNvPr id="166" name="Google Shape;166;p20"/>
+          <p:cNvPr id="165" name="Google Shape;165;p20"/>
           <p:cNvSpPr txBox="1"/>
           <p:nvPr>
             <p:ph idx="12" type="sldNum"/>
